--- a/presentations/Comparative Analysis of Denoising Autoencoder and Convolutional Neural Networks for MNIST Classification..pptx
+++ b/presentations/Comparative Analysis of Denoising Autoencoder and Convolutional Neural Networks for MNIST Classification..pptx
@@ -9636,23 +9636,7 @@
             </a:pPr>
             <a:r>
               <a:rPr lang="en"/>
-              <a:t>Bharath Muthuswamy Paran,</a:t>
-            </a:r>
-            <a:endParaRPr/>
-          </a:p>
-          <a:p>
-            <a:pPr indent="0" lvl="0" marL="0" rtl="0" algn="l">
-              <a:spcBef>
-                <a:spcPts val="0"/>
-              </a:spcBef>
-              <a:spcAft>
-                <a:spcPts val="0"/>
-              </a:spcAft>
-              <a:buNone/>
-            </a:pPr>
-            <a:r>
-              <a:rPr lang="en"/>
-              <a:t>50325489.</a:t>
+              <a:t>Bharath Muthuswamy Paran.</a:t>
             </a:r>
             <a:endParaRPr/>
           </a:p>

--- a/presentations/Comparative Analysis of Denoising Autoencoder and Convolutional Neural Networks for MNIST Classification..pptx
+++ b/presentations/Comparative Analysis of Denoising Autoencoder and Convolutional Neural Networks for MNIST Classification..pptx
@@ -2,35 +2,31 @@
 <file path=ppt/presentation.xml><?xml version="1.0" encoding="utf-8"?>
 <p:presentation xmlns:a="http://schemas.openxmlformats.org/drawingml/2006/main" xmlns:r="http://schemas.openxmlformats.org/officeDocument/2006/relationships" xmlns:mc="http://schemas.openxmlformats.org/markup-compatibility/2006" xmlns:mv="urn:schemas-microsoft-com:mac:vml" xmlns:p="http://schemas.openxmlformats.org/presentationml/2006/main" xmlns:c="http://schemas.openxmlformats.org/drawingml/2006/chart" xmlns:dgm="http://schemas.openxmlformats.org/drawingml/2006/diagram" xmlns:o="urn:schemas-microsoft-com:office:office" xmlns:v="urn:schemas-microsoft-com:vml" xmlns:pvml="urn:schemas-microsoft-com:office:powerpoint" xmlns:com="http://schemas.openxmlformats.org/drawingml/2006/compatibility" xmlns:p14="http://schemas.microsoft.com/office/powerpoint/2010/main" xmlns:p15="http://schemas.microsoft.com/office/powerpoint/2012/main" xmlns:ahyp="http://schemas.microsoft.com/office/drawing/2018/hyperlinkcolor" autoCompressPictures="0" embedTrueTypeFonts="1" strictFirstAndLastChars="0" saveSubsetFonts="1">
   <p:sldMasterIdLst>
-    <p:sldMasterId id="2147483659" r:id="rId4"/>
+    <p:sldMasterId id="2147483659" r:id="rId5"/>
   </p:sldMasterIdLst>
   <p:notesMasterIdLst>
-    <p:notesMasterId r:id="rId5"/>
+    <p:notesMasterId r:id="rId6"/>
   </p:notesMasterIdLst>
   <p:sldIdLst>
-    <p:sldId id="256" r:id="rId6"/>
-    <p:sldId id="257" r:id="rId7"/>
-    <p:sldId id="258" r:id="rId8"/>
-    <p:sldId id="259" r:id="rId9"/>
-    <p:sldId id="260" r:id="rId10"/>
-    <p:sldId id="261" r:id="rId11"/>
+    <p:sldId id="256" r:id="rId7"/>
+    <p:sldId id="257" r:id="rId8"/>
   </p:sldIdLst>
   <p:sldSz cy="5143500" cx="9144000"/>
   <p:notesSz cx="6858000" cy="9144000"/>
   <p:embeddedFontLst>
     <p:embeddedFont>
-      <p:font typeface="Montserrat"/>
-      <p:regular r:id="rId12"/>
-      <p:bold r:id="rId13"/>
-      <p:italic r:id="rId14"/>
-      <p:boldItalic r:id="rId15"/>
+      <p:font typeface="Roboto"/>
+      <p:regular r:id="rId9"/>
+      <p:bold r:id="rId10"/>
+      <p:italic r:id="rId11"/>
+      <p:boldItalic r:id="rId12"/>
     </p:embeddedFont>
     <p:embeddedFont>
-      <p:font typeface="Lato"/>
-      <p:regular r:id="rId16"/>
-      <p:bold r:id="rId17"/>
-      <p:italic r:id="rId18"/>
-      <p:boldItalic r:id="rId19"/>
+      <p:font typeface="Merriweather"/>
+      <p:regular r:id="rId13"/>
+      <p:bold r:id="rId14"/>
+      <p:italic r:id="rId15"/>
+      <p:boldItalic r:id="rId16"/>
     </p:embeddedFont>
   </p:embeddedFontLst>
   <p:defaultTextStyle>
@@ -712,7 +708,7 @@
   <p:cSld>
     <p:spTree>
       <p:nvGrpSpPr>
-        <p:cNvPr id="130" name="Shape 130"/>
+        <p:cNvPr id="60" name="Shape 60"/>
         <p:cNvGrpSpPr/>
         <p:nvPr/>
       </p:nvGrpSpPr>
@@ -726,7 +722,7 @@
       </p:grpSpPr>
       <p:sp>
         <p:nvSpPr>
-          <p:cNvPr id="131" name="Google Shape;131;p:notes"/>
+          <p:cNvPr id="61" name="Google Shape;61;p:notes"/>
           <p:cNvSpPr/>
           <p:nvPr>
             <p:ph idx="2" type="sldImg"/>
@@ -761,7 +757,7 @@
       </p:sp>
       <p:sp>
         <p:nvSpPr>
-          <p:cNvPr id="132" name="Google Shape;132;p:notes"/>
+          <p:cNvPr id="62" name="Google Shape;62;p:notes"/>
           <p:cNvSpPr txBox="1"/>
           <p:nvPr>
             <p:ph idx="1" type="body"/>
@@ -811,7 +807,7 @@
   <p:cSld>
     <p:spTree>
       <p:nvGrpSpPr>
-        <p:cNvPr id="136" name="Shape 136"/>
+        <p:cNvPr id="66" name="Shape 66"/>
         <p:cNvGrpSpPr/>
         <p:nvPr/>
       </p:nvGrpSpPr>
@@ -825,7 +821,7 @@
       </p:grpSpPr>
       <p:sp>
         <p:nvSpPr>
-          <p:cNvPr id="137" name="Google Shape;137;g1f111e194da_0_482:notes"/>
+          <p:cNvPr id="67" name="Google Shape;67;g26fb2e33370_0_56:notes"/>
           <p:cNvSpPr/>
           <p:nvPr>
             <p:ph idx="2" type="sldImg"/>
@@ -860,7 +856,7 @@
       </p:sp>
       <p:sp>
         <p:nvSpPr>
-          <p:cNvPr id="138" name="Google Shape;138;g1f111e194da_0_482:notes"/>
+          <p:cNvPr id="68" name="Google Shape;68;g26fb2e33370_0_56:notes"/>
           <p:cNvSpPr txBox="1"/>
           <p:nvPr>
             <p:ph idx="1" type="body"/>
@@ -905,405 +901,16 @@
 </p:notes>
 </file>
 
-<file path=ppt/notesSlides/notesSlide3.xml><?xml version="1.0" encoding="utf-8"?>
-<p:notes xmlns:a="http://schemas.openxmlformats.org/drawingml/2006/main" xmlns:r="http://schemas.openxmlformats.org/officeDocument/2006/relationships" xmlns:mc="http://schemas.openxmlformats.org/markup-compatibility/2006" xmlns:mv="urn:schemas-microsoft-com:mac:vml" xmlns:p="http://schemas.openxmlformats.org/presentationml/2006/main" xmlns:c="http://schemas.openxmlformats.org/drawingml/2006/chart" xmlns:dgm="http://schemas.openxmlformats.org/drawingml/2006/diagram" xmlns:o="urn:schemas-microsoft-com:office:office" xmlns:v="urn:schemas-microsoft-com:vml" xmlns:pvml="urn:schemas-microsoft-com:office:powerpoint" xmlns:com="http://schemas.openxmlformats.org/drawingml/2006/compatibility" xmlns:p14="http://schemas.microsoft.com/office/powerpoint/2010/main" xmlns:p15="http://schemas.microsoft.com/office/powerpoint/2012/main" xmlns:ahyp="http://schemas.microsoft.com/office/drawing/2018/hyperlinkcolor" showMasterPhAnim="0" showMasterSp="0">
-  <p:cSld>
-    <p:spTree>
-      <p:nvGrpSpPr>
-        <p:cNvPr id="142" name="Shape 142"/>
-        <p:cNvGrpSpPr/>
-        <p:nvPr/>
-      </p:nvGrpSpPr>
-      <p:grpSpPr>
-        <a:xfrm>
-          <a:off x="0" y="0"/>
-          <a:ext cx="0" cy="0"/>
-          <a:chOff x="0" y="0"/>
-          <a:chExt cx="0" cy="0"/>
-        </a:xfrm>
-      </p:grpSpPr>
-      <p:sp>
-        <p:nvSpPr>
-          <p:cNvPr id="143" name="Google Shape;143;g1f111e194da_0_620:notes"/>
-          <p:cNvSpPr/>
-          <p:nvPr>
-            <p:ph idx="2" type="sldImg"/>
-          </p:nvPr>
-        </p:nvSpPr>
-        <p:spPr>
-          <a:xfrm>
-            <a:off x="381300" y="685800"/>
-            <a:ext cx="6096000" cy="3429000"/>
-          </a:xfrm>
-          <a:custGeom>
-            <a:rect b="b" l="l" r="r" t="t"/>
-            <a:pathLst>
-              <a:path extrusionOk="0" h="120000" w="120000">
-                <a:moveTo>
-                  <a:pt x="0" y="0"/>
-                </a:moveTo>
-                <a:lnTo>
-                  <a:pt x="120000" y="0"/>
-                </a:lnTo>
-                <a:lnTo>
-                  <a:pt x="120000" y="120000"/>
-                </a:lnTo>
-                <a:lnTo>
-                  <a:pt x="0" y="120000"/>
-                </a:lnTo>
-                <a:close/>
-              </a:path>
-            </a:pathLst>
-          </a:custGeom>
-        </p:spPr>
-      </p:sp>
-      <p:sp>
-        <p:nvSpPr>
-          <p:cNvPr id="144" name="Google Shape;144;g1f111e194da_0_620:notes"/>
-          <p:cNvSpPr txBox="1"/>
-          <p:nvPr>
-            <p:ph idx="1" type="body"/>
-          </p:nvPr>
-        </p:nvSpPr>
-        <p:spPr>
-          <a:xfrm>
-            <a:off x="685800" y="4343400"/>
-            <a:ext cx="5486400" cy="4114800"/>
-          </a:xfrm>
-          <a:prstGeom prst="rect">
-            <a:avLst/>
-          </a:prstGeom>
-        </p:spPr>
-        <p:txBody>
-          <a:bodyPr anchorCtr="0" anchor="t" bIns="91425" lIns="91425" spcFirstLastPara="1" rIns="91425" wrap="square" tIns="91425">
-            <a:noAutofit/>
-          </a:bodyPr>
-          <a:lstStyle/>
-          <a:p>
-            <a:pPr indent="0" lvl="0" marL="0" rtl="0" algn="l">
-              <a:spcBef>
-                <a:spcPts val="0"/>
-              </a:spcBef>
-              <a:spcAft>
-                <a:spcPts val="0"/>
-              </a:spcAft>
-              <a:buNone/>
-            </a:pPr>
-            <a:r>
-              <a:t/>
-            </a:r>
-            <a:endParaRPr/>
-          </a:p>
-        </p:txBody>
-      </p:sp>
-    </p:spTree>
-  </p:cSld>
-  <p:clrMapOvr>
-    <a:masterClrMapping/>
-  </p:clrMapOvr>
-</p:notes>
-</file>
-
-<file path=ppt/notesSlides/notesSlide4.xml><?xml version="1.0" encoding="utf-8"?>
-<p:notes xmlns:a="http://schemas.openxmlformats.org/drawingml/2006/main" xmlns:r="http://schemas.openxmlformats.org/officeDocument/2006/relationships" xmlns:mc="http://schemas.openxmlformats.org/markup-compatibility/2006" xmlns:mv="urn:schemas-microsoft-com:mac:vml" xmlns:p="http://schemas.openxmlformats.org/presentationml/2006/main" xmlns:c="http://schemas.openxmlformats.org/drawingml/2006/chart" xmlns:dgm="http://schemas.openxmlformats.org/drawingml/2006/diagram" xmlns:o="urn:schemas-microsoft-com:office:office" xmlns:v="urn:schemas-microsoft-com:vml" xmlns:pvml="urn:schemas-microsoft-com:office:powerpoint" xmlns:com="http://schemas.openxmlformats.org/drawingml/2006/compatibility" xmlns:p14="http://schemas.microsoft.com/office/powerpoint/2010/main" xmlns:p15="http://schemas.microsoft.com/office/powerpoint/2012/main" xmlns:ahyp="http://schemas.microsoft.com/office/drawing/2018/hyperlinkcolor" showMasterPhAnim="0" showMasterSp="0">
-  <p:cSld>
-    <p:spTree>
-      <p:nvGrpSpPr>
-        <p:cNvPr id="148" name="Shape 148"/>
-        <p:cNvGrpSpPr/>
-        <p:nvPr/>
-      </p:nvGrpSpPr>
-      <p:grpSpPr>
-        <a:xfrm>
-          <a:off x="0" y="0"/>
-          <a:ext cx="0" cy="0"/>
-          <a:chOff x="0" y="0"/>
-          <a:chExt cx="0" cy="0"/>
-        </a:xfrm>
-      </p:grpSpPr>
-      <p:sp>
-        <p:nvSpPr>
-          <p:cNvPr id="149" name="Google Shape;149;g1f111e194da_0_625:notes"/>
-          <p:cNvSpPr/>
-          <p:nvPr>
-            <p:ph idx="2" type="sldImg"/>
-          </p:nvPr>
-        </p:nvSpPr>
-        <p:spPr>
-          <a:xfrm>
-            <a:off x="381300" y="685800"/>
-            <a:ext cx="6096000" cy="3429000"/>
-          </a:xfrm>
-          <a:custGeom>
-            <a:rect b="b" l="l" r="r" t="t"/>
-            <a:pathLst>
-              <a:path extrusionOk="0" h="120000" w="120000">
-                <a:moveTo>
-                  <a:pt x="0" y="0"/>
-                </a:moveTo>
-                <a:lnTo>
-                  <a:pt x="120000" y="0"/>
-                </a:lnTo>
-                <a:lnTo>
-                  <a:pt x="120000" y="120000"/>
-                </a:lnTo>
-                <a:lnTo>
-                  <a:pt x="0" y="120000"/>
-                </a:lnTo>
-                <a:close/>
-              </a:path>
-            </a:pathLst>
-          </a:custGeom>
-        </p:spPr>
-      </p:sp>
-      <p:sp>
-        <p:nvSpPr>
-          <p:cNvPr id="150" name="Google Shape;150;g1f111e194da_0_625:notes"/>
-          <p:cNvSpPr txBox="1"/>
-          <p:nvPr>
-            <p:ph idx="1" type="body"/>
-          </p:nvPr>
-        </p:nvSpPr>
-        <p:spPr>
-          <a:xfrm>
-            <a:off x="685800" y="4343400"/>
-            <a:ext cx="5486400" cy="4114800"/>
-          </a:xfrm>
-          <a:prstGeom prst="rect">
-            <a:avLst/>
-          </a:prstGeom>
-        </p:spPr>
-        <p:txBody>
-          <a:bodyPr anchorCtr="0" anchor="t" bIns="91425" lIns="91425" spcFirstLastPara="1" rIns="91425" wrap="square" tIns="91425">
-            <a:noAutofit/>
-          </a:bodyPr>
-          <a:lstStyle/>
-          <a:p>
-            <a:pPr indent="0" lvl="0" marL="0" rtl="0" algn="l">
-              <a:spcBef>
-                <a:spcPts val="0"/>
-              </a:spcBef>
-              <a:spcAft>
-                <a:spcPts val="0"/>
-              </a:spcAft>
-              <a:buNone/>
-            </a:pPr>
-            <a:r>
-              <a:t/>
-            </a:r>
-            <a:endParaRPr/>
-          </a:p>
-        </p:txBody>
-      </p:sp>
-    </p:spTree>
-  </p:cSld>
-  <p:clrMapOvr>
-    <a:masterClrMapping/>
-  </p:clrMapOvr>
-</p:notes>
-</file>
-
-<file path=ppt/notesSlides/notesSlide5.xml><?xml version="1.0" encoding="utf-8"?>
-<p:notes xmlns:a="http://schemas.openxmlformats.org/drawingml/2006/main" xmlns:r="http://schemas.openxmlformats.org/officeDocument/2006/relationships" xmlns:mc="http://schemas.openxmlformats.org/markup-compatibility/2006" xmlns:mv="urn:schemas-microsoft-com:mac:vml" xmlns:p="http://schemas.openxmlformats.org/presentationml/2006/main" xmlns:c="http://schemas.openxmlformats.org/drawingml/2006/chart" xmlns:dgm="http://schemas.openxmlformats.org/drawingml/2006/diagram" xmlns:o="urn:schemas-microsoft-com:office:office" xmlns:v="urn:schemas-microsoft-com:vml" xmlns:pvml="urn:schemas-microsoft-com:office:powerpoint" xmlns:com="http://schemas.openxmlformats.org/drawingml/2006/compatibility" xmlns:p14="http://schemas.microsoft.com/office/powerpoint/2010/main" xmlns:p15="http://schemas.microsoft.com/office/powerpoint/2012/main" xmlns:ahyp="http://schemas.microsoft.com/office/drawing/2018/hyperlinkcolor" showMasterPhAnim="0" showMasterSp="0">
-  <p:cSld>
-    <p:spTree>
-      <p:nvGrpSpPr>
-        <p:cNvPr id="154" name="Shape 154"/>
-        <p:cNvGrpSpPr/>
-        <p:nvPr/>
-      </p:nvGrpSpPr>
-      <p:grpSpPr>
-        <a:xfrm>
-          <a:off x="0" y="0"/>
-          <a:ext cx="0" cy="0"/>
-          <a:chOff x="0" y="0"/>
-          <a:chExt cx="0" cy="0"/>
-        </a:xfrm>
-      </p:grpSpPr>
-      <p:sp>
-        <p:nvSpPr>
-          <p:cNvPr id="155" name="Google Shape;155;g1f111e194da_0_630:notes"/>
-          <p:cNvSpPr/>
-          <p:nvPr>
-            <p:ph idx="2" type="sldImg"/>
-          </p:nvPr>
-        </p:nvSpPr>
-        <p:spPr>
-          <a:xfrm>
-            <a:off x="381300" y="685800"/>
-            <a:ext cx="6096000" cy="3429000"/>
-          </a:xfrm>
-          <a:custGeom>
-            <a:rect b="b" l="l" r="r" t="t"/>
-            <a:pathLst>
-              <a:path extrusionOk="0" h="120000" w="120000">
-                <a:moveTo>
-                  <a:pt x="0" y="0"/>
-                </a:moveTo>
-                <a:lnTo>
-                  <a:pt x="120000" y="0"/>
-                </a:lnTo>
-                <a:lnTo>
-                  <a:pt x="120000" y="120000"/>
-                </a:lnTo>
-                <a:lnTo>
-                  <a:pt x="0" y="120000"/>
-                </a:lnTo>
-                <a:close/>
-              </a:path>
-            </a:pathLst>
-          </a:custGeom>
-        </p:spPr>
-      </p:sp>
-      <p:sp>
-        <p:nvSpPr>
-          <p:cNvPr id="156" name="Google Shape;156;g1f111e194da_0_630:notes"/>
-          <p:cNvSpPr txBox="1"/>
-          <p:nvPr>
-            <p:ph idx="1" type="body"/>
-          </p:nvPr>
-        </p:nvSpPr>
-        <p:spPr>
-          <a:xfrm>
-            <a:off x="685800" y="4343400"/>
-            <a:ext cx="5486400" cy="4114800"/>
-          </a:xfrm>
-          <a:prstGeom prst="rect">
-            <a:avLst/>
-          </a:prstGeom>
-        </p:spPr>
-        <p:txBody>
-          <a:bodyPr anchorCtr="0" anchor="t" bIns="91425" lIns="91425" spcFirstLastPara="1" rIns="91425" wrap="square" tIns="91425">
-            <a:noAutofit/>
-          </a:bodyPr>
-          <a:lstStyle/>
-          <a:p>
-            <a:pPr indent="0" lvl="0" marL="0" rtl="0" algn="l">
-              <a:spcBef>
-                <a:spcPts val="0"/>
-              </a:spcBef>
-              <a:spcAft>
-                <a:spcPts val="0"/>
-              </a:spcAft>
-              <a:buNone/>
-            </a:pPr>
-            <a:r>
-              <a:t/>
-            </a:r>
-            <a:endParaRPr/>
-          </a:p>
-        </p:txBody>
-      </p:sp>
-    </p:spTree>
-  </p:cSld>
-  <p:clrMapOvr>
-    <a:masterClrMapping/>
-  </p:clrMapOvr>
-</p:notes>
-</file>
-
-<file path=ppt/notesSlides/notesSlide6.xml><?xml version="1.0" encoding="utf-8"?>
-<p:notes xmlns:a="http://schemas.openxmlformats.org/drawingml/2006/main" xmlns:r="http://schemas.openxmlformats.org/officeDocument/2006/relationships" xmlns:mc="http://schemas.openxmlformats.org/markup-compatibility/2006" xmlns:mv="urn:schemas-microsoft-com:mac:vml" xmlns:p="http://schemas.openxmlformats.org/presentationml/2006/main" xmlns:c="http://schemas.openxmlformats.org/drawingml/2006/chart" xmlns:dgm="http://schemas.openxmlformats.org/drawingml/2006/diagram" xmlns:o="urn:schemas-microsoft-com:office:office" xmlns:v="urn:schemas-microsoft-com:vml" xmlns:pvml="urn:schemas-microsoft-com:office:powerpoint" xmlns:com="http://schemas.openxmlformats.org/drawingml/2006/compatibility" xmlns:p14="http://schemas.microsoft.com/office/powerpoint/2010/main" xmlns:p15="http://schemas.microsoft.com/office/powerpoint/2012/main" xmlns:ahyp="http://schemas.microsoft.com/office/drawing/2018/hyperlinkcolor" showMasterPhAnim="0" showMasterSp="0">
-  <p:cSld>
-    <p:spTree>
-      <p:nvGrpSpPr>
-        <p:cNvPr id="160" name="Shape 160"/>
-        <p:cNvGrpSpPr/>
-        <p:nvPr/>
-      </p:nvGrpSpPr>
-      <p:grpSpPr>
-        <a:xfrm>
-          <a:off x="0" y="0"/>
-          <a:ext cx="0" cy="0"/>
-          <a:chOff x="0" y="0"/>
-          <a:chExt cx="0" cy="0"/>
-        </a:xfrm>
-      </p:grpSpPr>
-      <p:sp>
-        <p:nvSpPr>
-          <p:cNvPr id="161" name="Google Shape;161;g1f111e194da_0_641:notes"/>
-          <p:cNvSpPr/>
-          <p:nvPr>
-            <p:ph idx="2" type="sldImg"/>
-          </p:nvPr>
-        </p:nvSpPr>
-        <p:spPr>
-          <a:xfrm>
-            <a:off x="381300" y="685800"/>
-            <a:ext cx="6096000" cy="3429000"/>
-          </a:xfrm>
-          <a:custGeom>
-            <a:rect b="b" l="l" r="r" t="t"/>
-            <a:pathLst>
-              <a:path extrusionOk="0" h="120000" w="120000">
-                <a:moveTo>
-                  <a:pt x="0" y="0"/>
-                </a:moveTo>
-                <a:lnTo>
-                  <a:pt x="120000" y="0"/>
-                </a:lnTo>
-                <a:lnTo>
-                  <a:pt x="120000" y="120000"/>
-                </a:lnTo>
-                <a:lnTo>
-                  <a:pt x="0" y="120000"/>
-                </a:lnTo>
-                <a:close/>
-              </a:path>
-            </a:pathLst>
-          </a:custGeom>
-        </p:spPr>
-      </p:sp>
-      <p:sp>
-        <p:nvSpPr>
-          <p:cNvPr id="162" name="Google Shape;162;g1f111e194da_0_641:notes"/>
-          <p:cNvSpPr txBox="1"/>
-          <p:nvPr>
-            <p:ph idx="1" type="body"/>
-          </p:nvPr>
-        </p:nvSpPr>
-        <p:spPr>
-          <a:xfrm>
-            <a:off x="685800" y="4343400"/>
-            <a:ext cx="5486400" cy="4114800"/>
-          </a:xfrm>
-          <a:prstGeom prst="rect">
-            <a:avLst/>
-          </a:prstGeom>
-        </p:spPr>
-        <p:txBody>
-          <a:bodyPr anchorCtr="0" anchor="t" bIns="91425" lIns="91425" spcFirstLastPara="1" rIns="91425" wrap="square" tIns="91425">
-            <a:noAutofit/>
-          </a:bodyPr>
-          <a:lstStyle/>
-          <a:p>
-            <a:pPr indent="0" lvl="0" marL="0" rtl="0" algn="l">
-              <a:spcBef>
-                <a:spcPts val="0"/>
-              </a:spcBef>
-              <a:spcAft>
-                <a:spcPts val="0"/>
-              </a:spcAft>
-              <a:buNone/>
-            </a:pPr>
-            <a:r>
-              <a:t/>
-            </a:r>
-            <a:endParaRPr/>
-          </a:p>
-        </p:txBody>
-      </p:sp>
-    </p:spTree>
-  </p:cSld>
-  <p:clrMapOvr>
-    <a:masterClrMapping/>
-  </p:clrMapOvr>
-</p:notes>
-</file>
-
 <file path=ppt/slideLayouts/slideLayout1.xml><?xml version="1.0" encoding="utf-8"?>
 <p:sldLayout xmlns:a="http://schemas.openxmlformats.org/drawingml/2006/main" xmlns:r="http://schemas.openxmlformats.org/officeDocument/2006/relationships" xmlns:mc="http://schemas.openxmlformats.org/markup-compatibility/2006" xmlns:mv="urn:schemas-microsoft-com:mac:vml" xmlns:p="http://schemas.openxmlformats.org/presentationml/2006/main" xmlns:c="http://schemas.openxmlformats.org/drawingml/2006/chart" xmlns:dgm="http://schemas.openxmlformats.org/drawingml/2006/diagram" xmlns:o="urn:schemas-microsoft-com:office:office" xmlns:v="urn:schemas-microsoft-com:vml" xmlns:pvml="urn:schemas-microsoft-com:office:powerpoint" xmlns:com="http://schemas.openxmlformats.org/drawingml/2006/compatibility" xmlns:p14="http://schemas.microsoft.com/office/powerpoint/2010/main" xmlns:p15="http://schemas.microsoft.com/office/powerpoint/2012/main" xmlns:ahyp="http://schemas.microsoft.com/office/drawing/2018/hyperlinkcolor" matchingName="Title slide" type="title">
   <p:cSld name="TITLE">
+    <p:bg>
+      <p:bgPr>
+        <a:solidFill>
+          <a:schemeClr val="dk1"/>
+        </a:solidFill>
+      </p:bgPr>
+    </p:bg>
     <p:spTree>
       <p:nvGrpSpPr>
         <p:cNvPr id="9" name="Shape 9"/>
@@ -1325,248 +932,41 @@
           <p:nvPr/>
         </p:nvSpPr>
         <p:spPr>
-          <a:xfrm rot="5400000">
-            <a:off x="7500300" y="505"/>
-            <a:ext cx="1643700" cy="1643700"/>
+          <a:xfrm>
+            <a:off x="-125" y="0"/>
+            <a:ext cx="9144250" cy="4398100"/>
           </a:xfrm>
-          <a:prstGeom prst="diagStripe">
-            <a:avLst>
-              <a:gd fmla="val 0" name="adj"/>
-            </a:avLst>
-          </a:prstGeom>
+          <a:custGeom>
+            <a:rect b="b" l="l" r="r" t="t"/>
+            <a:pathLst>
+              <a:path extrusionOk="0" h="175924" w="365770">
+                <a:moveTo>
+                  <a:pt x="0" y="0"/>
+                </a:moveTo>
+                <a:lnTo>
+                  <a:pt x="365770" y="0"/>
+                </a:lnTo>
+                <a:lnTo>
+                  <a:pt x="365760" y="70914"/>
+                </a:lnTo>
+                <a:lnTo>
+                  <a:pt x="0" y="175924"/>
+                </a:lnTo>
+                <a:close/>
+              </a:path>
+            </a:pathLst>
+          </a:custGeom>
           <a:solidFill>
-            <a:schemeClr val="lt1">
-              <a:alpha val="3030"/>
-            </a:schemeClr>
+            <a:schemeClr val="lt1"/>
           </a:solidFill>
           <a:ln>
             <a:noFill/>
           </a:ln>
         </p:spPr>
-        <p:txBody>
-          <a:bodyPr anchorCtr="0" anchor="ctr" bIns="91425" lIns="91425" spcFirstLastPara="1" rIns="91425" wrap="square" tIns="91425">
-            <a:noAutofit/>
-          </a:bodyPr>
-          <a:lstStyle/>
-          <a:p>
-            <a:pPr indent="0" lvl="0" marL="0" rtl="0" algn="l">
-              <a:spcBef>
-                <a:spcPts val="0"/>
-              </a:spcBef>
-              <a:spcAft>
-                <a:spcPts val="0"/>
-              </a:spcAft>
-              <a:buNone/>
-            </a:pPr>
-            <a:r>
-              <a:t/>
-            </a:r>
-            <a:endParaRPr/>
-          </a:p>
-        </p:txBody>
       </p:sp>
-      <p:grpSp>
-        <p:nvGrpSpPr>
-          <p:cNvPr id="11" name="Google Shape;11;p2"/>
-          <p:cNvGrpSpPr/>
-          <p:nvPr/>
-        </p:nvGrpSpPr>
-        <p:grpSpPr>
-          <a:xfrm>
-            <a:off x="0" y="490"/>
-            <a:ext cx="5153705" cy="5134399"/>
-            <a:chOff x="0" y="75"/>
-            <a:chExt cx="5153705" cy="5152950"/>
-          </a:xfrm>
-        </p:grpSpPr>
-        <p:sp>
-          <p:nvSpPr>
-            <p:cNvPr id="12" name="Google Shape;12;p2"/>
-            <p:cNvSpPr/>
-            <p:nvPr/>
-          </p:nvSpPr>
-          <p:spPr>
-            <a:xfrm rot="-5400000">
-              <a:off x="455" y="-225"/>
-              <a:ext cx="5152800" cy="5153700"/>
-            </a:xfrm>
-            <a:prstGeom prst="diagStripe">
-              <a:avLst>
-                <a:gd fmla="val 50000" name="adj"/>
-              </a:avLst>
-            </a:prstGeom>
-            <a:solidFill>
-              <a:schemeClr val="lt1">
-                <a:alpha val="3030"/>
-              </a:schemeClr>
-            </a:solidFill>
-            <a:ln>
-              <a:noFill/>
-            </a:ln>
-          </p:spPr>
-          <p:txBody>
-            <a:bodyPr anchorCtr="0" anchor="ctr" bIns="91425" lIns="91425" spcFirstLastPara="1" rIns="91425" wrap="square" tIns="91425">
-              <a:noAutofit/>
-            </a:bodyPr>
-            <a:lstStyle/>
-            <a:p>
-              <a:pPr indent="0" lvl="0" marL="0" rtl="0" algn="l">
-                <a:spcBef>
-                  <a:spcPts val="0"/>
-                </a:spcBef>
-                <a:spcAft>
-                  <a:spcPts val="0"/>
-                </a:spcAft>
-                <a:buNone/>
-              </a:pPr>
-              <a:r>
-                <a:t/>
-              </a:r>
-              <a:endParaRPr/>
-            </a:p>
-          </p:txBody>
-        </p:sp>
-        <p:sp>
-          <p:nvSpPr>
-            <p:cNvPr id="13" name="Google Shape;13;p2"/>
-            <p:cNvSpPr/>
-            <p:nvPr/>
-          </p:nvSpPr>
-          <p:spPr>
-            <a:xfrm rot="-5400000">
-              <a:off x="150" y="1145825"/>
-              <a:ext cx="3996600" cy="3996900"/>
-            </a:xfrm>
-            <a:prstGeom prst="diagStripe">
-              <a:avLst>
-                <a:gd fmla="val 58774" name="adj"/>
-              </a:avLst>
-            </a:prstGeom>
-            <a:solidFill>
-              <a:schemeClr val="lt1">
-                <a:alpha val="3030"/>
-              </a:schemeClr>
-            </a:solidFill>
-            <a:ln>
-              <a:noFill/>
-            </a:ln>
-          </p:spPr>
-          <p:txBody>
-            <a:bodyPr anchorCtr="0" anchor="ctr" bIns="91425" lIns="91425" spcFirstLastPara="1" rIns="91425" wrap="square" tIns="91425">
-              <a:noAutofit/>
-            </a:bodyPr>
-            <a:lstStyle/>
-            <a:p>
-              <a:pPr indent="0" lvl="0" marL="0" rtl="0" algn="l">
-                <a:spcBef>
-                  <a:spcPts val="0"/>
-                </a:spcBef>
-                <a:spcAft>
-                  <a:spcPts val="0"/>
-                </a:spcAft>
-                <a:buNone/>
-              </a:pPr>
-              <a:r>
-                <a:t/>
-              </a:r>
-              <a:endParaRPr/>
-            </a:p>
-          </p:txBody>
-        </p:sp>
-        <p:sp>
-          <p:nvSpPr>
-            <p:cNvPr id="14" name="Google Shape;14;p2"/>
-            <p:cNvSpPr/>
-            <p:nvPr/>
-          </p:nvSpPr>
-          <p:spPr>
-            <a:xfrm rot="-5400000">
-              <a:off x="1646" y="-75"/>
-              <a:ext cx="2299800" cy="2300100"/>
-            </a:xfrm>
-            <a:prstGeom prst="diagStripe">
-              <a:avLst>
-                <a:gd fmla="val 50000" name="adj"/>
-              </a:avLst>
-            </a:prstGeom>
-            <a:solidFill>
-              <a:schemeClr val="accent1"/>
-            </a:solidFill>
-            <a:ln>
-              <a:noFill/>
-            </a:ln>
-          </p:spPr>
-          <p:txBody>
-            <a:bodyPr anchorCtr="0" anchor="ctr" bIns="91425" lIns="91425" spcFirstLastPara="1" rIns="91425" wrap="square" tIns="91425">
-              <a:noAutofit/>
-            </a:bodyPr>
-            <a:lstStyle/>
-            <a:p>
-              <a:pPr indent="0" lvl="0" marL="0" rtl="0" algn="l">
-                <a:spcBef>
-                  <a:spcPts val="0"/>
-                </a:spcBef>
-                <a:spcAft>
-                  <a:spcPts val="0"/>
-                </a:spcAft>
-                <a:buNone/>
-              </a:pPr>
-              <a:r>
-                <a:t/>
-              </a:r>
-              <a:endParaRPr/>
-            </a:p>
-          </p:txBody>
-        </p:sp>
-        <p:sp>
-          <p:nvSpPr>
-            <p:cNvPr id="15" name="Google Shape;15;p2"/>
-            <p:cNvSpPr/>
-            <p:nvPr/>
-          </p:nvSpPr>
-          <p:spPr>
-            <a:xfrm flipH="1">
-              <a:off x="652821" y="590035"/>
-              <a:ext cx="2300100" cy="2299800"/>
-            </a:xfrm>
-            <a:prstGeom prst="diagStripe">
-              <a:avLst>
-                <a:gd fmla="val 50000" name="adj"/>
-              </a:avLst>
-            </a:prstGeom>
-            <a:solidFill>
-              <a:schemeClr val="lt2"/>
-            </a:solidFill>
-            <a:ln>
-              <a:noFill/>
-            </a:ln>
-          </p:spPr>
-          <p:txBody>
-            <a:bodyPr anchorCtr="0" anchor="ctr" bIns="91425" lIns="91425" spcFirstLastPara="1" rIns="91425" wrap="square" tIns="91425">
-              <a:noAutofit/>
-            </a:bodyPr>
-            <a:lstStyle/>
-            <a:p>
-              <a:pPr indent="0" lvl="0" marL="0" rtl="0" algn="l">
-                <a:spcBef>
-                  <a:spcPts val="0"/>
-                </a:spcBef>
-                <a:spcAft>
-                  <a:spcPts val="0"/>
-                </a:spcAft>
-                <a:buNone/>
-              </a:pPr>
-              <a:r>
-                <a:t/>
-              </a:r>
-              <a:endParaRPr/>
-            </a:p>
-          </p:txBody>
-        </p:sp>
-      </p:grpSp>
       <p:sp>
         <p:nvSpPr>
-          <p:cNvPr id="16" name="Google Shape;16;p2"/>
+          <p:cNvPr id="11" name="Google Shape;11;p2"/>
           <p:cNvSpPr txBox="1"/>
           <p:nvPr>
             <p:ph type="ctrTitle"/>
@@ -1574,8 +974,8 @@
         </p:nvSpPr>
         <p:spPr>
           <a:xfrm>
-            <a:off x="3537150" y="1578400"/>
-            <a:ext cx="5017500" cy="1578900"/>
+            <a:off x="311700" y="539725"/>
+            <a:ext cx="8520600" cy="1282500"/>
           </a:xfrm>
           <a:prstGeom prst="rect">
             <a:avLst/>
@@ -1593,9 +993,9 @@
               <a:spcAft>
                 <a:spcPts val="0"/>
               </a:spcAft>
-              <a:buSzPts val="4000"/>
-              <a:buNone/>
-              <a:defRPr sz="4000"/>
+              <a:buSzPts val="3600"/>
+              <a:buNone/>
+              <a:defRPr sz="3600"/>
             </a:lvl1pPr>
             <a:lvl2pPr lvl="1">
               <a:spcBef>
@@ -1604,9 +1004,9 @@
               <a:spcAft>
                 <a:spcPts val="0"/>
               </a:spcAft>
-              <a:buSzPts val="4000"/>
-              <a:buNone/>
-              <a:defRPr sz="4000"/>
+              <a:buSzPts val="3600"/>
+              <a:buNone/>
+              <a:defRPr sz="3600"/>
             </a:lvl2pPr>
             <a:lvl3pPr lvl="2">
               <a:spcBef>
@@ -1615,9 +1015,9 @@
               <a:spcAft>
                 <a:spcPts val="0"/>
               </a:spcAft>
-              <a:buSzPts val="4000"/>
-              <a:buNone/>
-              <a:defRPr sz="4000"/>
+              <a:buSzPts val="3600"/>
+              <a:buNone/>
+              <a:defRPr sz="3600"/>
             </a:lvl3pPr>
             <a:lvl4pPr lvl="3">
               <a:spcBef>
@@ -1626,9 +1026,9 @@
               <a:spcAft>
                 <a:spcPts val="0"/>
               </a:spcAft>
-              <a:buSzPts val="4000"/>
-              <a:buNone/>
-              <a:defRPr sz="4000"/>
+              <a:buSzPts val="3600"/>
+              <a:buNone/>
+              <a:defRPr sz="3600"/>
             </a:lvl4pPr>
             <a:lvl5pPr lvl="4">
               <a:spcBef>
@@ -1637,9 +1037,9 @@
               <a:spcAft>
                 <a:spcPts val="0"/>
               </a:spcAft>
-              <a:buSzPts val="4000"/>
-              <a:buNone/>
-              <a:defRPr sz="4000"/>
+              <a:buSzPts val="3600"/>
+              <a:buNone/>
+              <a:defRPr sz="3600"/>
             </a:lvl5pPr>
             <a:lvl6pPr lvl="5">
               <a:spcBef>
@@ -1648,9 +1048,9 @@
               <a:spcAft>
                 <a:spcPts val="0"/>
               </a:spcAft>
-              <a:buSzPts val="4000"/>
-              <a:buNone/>
-              <a:defRPr sz="4000"/>
+              <a:buSzPts val="3600"/>
+              <a:buNone/>
+              <a:defRPr sz="3600"/>
             </a:lvl6pPr>
             <a:lvl7pPr lvl="6">
               <a:spcBef>
@@ -1659,9 +1059,9 @@
               <a:spcAft>
                 <a:spcPts val="0"/>
               </a:spcAft>
-              <a:buSzPts val="4000"/>
-              <a:buNone/>
-              <a:defRPr sz="4000"/>
+              <a:buSzPts val="3600"/>
+              <a:buNone/>
+              <a:defRPr sz="3600"/>
             </a:lvl7pPr>
             <a:lvl8pPr lvl="7">
               <a:spcBef>
@@ -1670,9 +1070,9 @@
               <a:spcAft>
                 <a:spcPts val="0"/>
               </a:spcAft>
-              <a:buSzPts val="4000"/>
-              <a:buNone/>
-              <a:defRPr sz="4000"/>
+              <a:buSzPts val="3600"/>
+              <a:buNone/>
+              <a:defRPr sz="3600"/>
             </a:lvl8pPr>
             <a:lvl9pPr lvl="8">
               <a:spcBef>
@@ -1681,9 +1081,9 @@
               <a:spcAft>
                 <a:spcPts val="0"/>
               </a:spcAft>
-              <a:buSzPts val="4000"/>
-              <a:buNone/>
-              <a:defRPr sz="4000"/>
+              <a:buSzPts val="3600"/>
+              <a:buNone/>
+              <a:defRPr sz="3600"/>
             </a:lvl9pPr>
           </a:lstStyle>
           <a:p/>
@@ -1691,7 +1091,7 @@
       </p:sp>
       <p:sp>
         <p:nvSpPr>
-          <p:cNvPr id="17" name="Google Shape;17;p2"/>
+          <p:cNvPr id="12" name="Google Shape;12;p2"/>
           <p:cNvSpPr txBox="1"/>
           <p:nvPr>
             <p:ph idx="1" type="subTitle"/>
@@ -1699,8 +1099,8 @@
         </p:nvSpPr>
         <p:spPr>
           <a:xfrm>
-            <a:off x="5083950" y="3924925"/>
-            <a:ext cx="3470700" cy="506100"/>
+            <a:off x="311700" y="1878560"/>
+            <a:ext cx="4242600" cy="738300"/>
           </a:xfrm>
           <a:prstGeom prst="rect">
             <a:avLst/>
@@ -1721,9 +1121,16 @@
               <a:spcAft>
                 <a:spcPts val="0"/>
               </a:spcAft>
-              <a:buSzPts val="1300"/>
-              <a:buNone/>
-              <a:defRPr/>
+              <a:buClr>
+                <a:schemeClr val="lt2"/>
+              </a:buClr>
+              <a:buSzPts val="1600"/>
+              <a:buNone/>
+              <a:defRPr sz="1600">
+                <a:solidFill>
+                  <a:schemeClr val="lt2"/>
+                </a:solidFill>
+              </a:defRPr>
             </a:lvl1pPr>
             <a:lvl2pPr lvl="1">
               <a:lnSpc>
@@ -1735,9 +1142,16 @@
               <a:spcAft>
                 <a:spcPts val="0"/>
               </a:spcAft>
-              <a:buSzPts val="1300"/>
-              <a:buNone/>
-              <a:defRPr sz="1300"/>
+              <a:buClr>
+                <a:schemeClr val="lt2"/>
+              </a:buClr>
+              <a:buSzPts val="1600"/>
+              <a:buNone/>
+              <a:defRPr sz="1600">
+                <a:solidFill>
+                  <a:schemeClr val="lt2"/>
+                </a:solidFill>
+              </a:defRPr>
             </a:lvl2pPr>
             <a:lvl3pPr lvl="2">
               <a:lnSpc>
@@ -1749,9 +1163,16 @@
               <a:spcAft>
                 <a:spcPts val="0"/>
               </a:spcAft>
-              <a:buSzPts val="1300"/>
-              <a:buNone/>
-              <a:defRPr sz="1300"/>
+              <a:buClr>
+                <a:schemeClr val="lt2"/>
+              </a:buClr>
+              <a:buSzPts val="1600"/>
+              <a:buNone/>
+              <a:defRPr sz="1600">
+                <a:solidFill>
+                  <a:schemeClr val="lt2"/>
+                </a:solidFill>
+              </a:defRPr>
             </a:lvl3pPr>
             <a:lvl4pPr lvl="3">
               <a:lnSpc>
@@ -1763,9 +1184,16 @@
               <a:spcAft>
                 <a:spcPts val="0"/>
               </a:spcAft>
-              <a:buSzPts val="1300"/>
-              <a:buNone/>
-              <a:defRPr sz="1300"/>
+              <a:buClr>
+                <a:schemeClr val="lt2"/>
+              </a:buClr>
+              <a:buSzPts val="1600"/>
+              <a:buNone/>
+              <a:defRPr sz="1600">
+                <a:solidFill>
+                  <a:schemeClr val="lt2"/>
+                </a:solidFill>
+              </a:defRPr>
             </a:lvl4pPr>
             <a:lvl5pPr lvl="4">
               <a:lnSpc>
@@ -1777,9 +1205,16 @@
               <a:spcAft>
                 <a:spcPts val="0"/>
               </a:spcAft>
-              <a:buSzPts val="1300"/>
-              <a:buNone/>
-              <a:defRPr sz="1300"/>
+              <a:buClr>
+                <a:schemeClr val="lt2"/>
+              </a:buClr>
+              <a:buSzPts val="1600"/>
+              <a:buNone/>
+              <a:defRPr sz="1600">
+                <a:solidFill>
+                  <a:schemeClr val="lt2"/>
+                </a:solidFill>
+              </a:defRPr>
             </a:lvl5pPr>
             <a:lvl6pPr lvl="5">
               <a:lnSpc>
@@ -1791,9 +1226,16 @@
               <a:spcAft>
                 <a:spcPts val="0"/>
               </a:spcAft>
-              <a:buSzPts val="1300"/>
-              <a:buNone/>
-              <a:defRPr sz="1300"/>
+              <a:buClr>
+                <a:schemeClr val="lt2"/>
+              </a:buClr>
+              <a:buSzPts val="1600"/>
+              <a:buNone/>
+              <a:defRPr sz="1600">
+                <a:solidFill>
+                  <a:schemeClr val="lt2"/>
+                </a:solidFill>
+              </a:defRPr>
             </a:lvl6pPr>
             <a:lvl7pPr lvl="6">
               <a:lnSpc>
@@ -1805,9 +1247,16 @@
               <a:spcAft>
                 <a:spcPts val="0"/>
               </a:spcAft>
-              <a:buSzPts val="1300"/>
-              <a:buNone/>
-              <a:defRPr sz="1300"/>
+              <a:buClr>
+                <a:schemeClr val="lt2"/>
+              </a:buClr>
+              <a:buSzPts val="1600"/>
+              <a:buNone/>
+              <a:defRPr sz="1600">
+                <a:solidFill>
+                  <a:schemeClr val="lt2"/>
+                </a:solidFill>
+              </a:defRPr>
             </a:lvl7pPr>
             <a:lvl8pPr lvl="7">
               <a:lnSpc>
@@ -1819,9 +1268,16 @@
               <a:spcAft>
                 <a:spcPts val="0"/>
               </a:spcAft>
-              <a:buSzPts val="1300"/>
-              <a:buNone/>
-              <a:defRPr sz="1300"/>
+              <a:buClr>
+                <a:schemeClr val="lt2"/>
+              </a:buClr>
+              <a:buSzPts val="1600"/>
+              <a:buNone/>
+              <a:defRPr sz="1600">
+                <a:solidFill>
+                  <a:schemeClr val="lt2"/>
+                </a:solidFill>
+              </a:defRPr>
             </a:lvl8pPr>
             <a:lvl9pPr lvl="8">
               <a:lnSpc>
@@ -1833,9 +1289,16 @@
               <a:spcAft>
                 <a:spcPts val="0"/>
               </a:spcAft>
-              <a:buSzPts val="1300"/>
-              <a:buNone/>
-              <a:defRPr sz="1300"/>
+              <a:buClr>
+                <a:schemeClr val="lt2"/>
+              </a:buClr>
+              <a:buSzPts val="1600"/>
+              <a:buNone/>
+              <a:defRPr sz="1600">
+                <a:solidFill>
+                  <a:schemeClr val="lt2"/>
+                </a:solidFill>
+              </a:defRPr>
             </a:lvl9pPr>
           </a:lstStyle>
           <a:p/>
@@ -1843,7 +1306,7 @@
       </p:sp>
       <p:sp>
         <p:nvSpPr>
-          <p:cNvPr id="18" name="Google Shape;18;p2"/>
+          <p:cNvPr id="13" name="Google Shape;13;p2"/>
           <p:cNvSpPr txBox="1"/>
           <p:nvPr>
             <p:ph idx="12" type="sldNum"/>
@@ -1865,39 +1328,75 @@
           <a:lstStyle>
             <a:lvl1pPr lvl="0">
               <a:buNone/>
-              <a:defRPr/>
+              <a:defRPr>
+                <a:solidFill>
+                  <a:schemeClr val="lt1"/>
+                </a:solidFill>
+              </a:defRPr>
             </a:lvl1pPr>
             <a:lvl2pPr lvl="1">
               <a:buNone/>
-              <a:defRPr/>
+              <a:defRPr>
+                <a:solidFill>
+                  <a:schemeClr val="lt1"/>
+                </a:solidFill>
+              </a:defRPr>
             </a:lvl2pPr>
             <a:lvl3pPr lvl="2">
               <a:buNone/>
-              <a:defRPr/>
+              <a:defRPr>
+                <a:solidFill>
+                  <a:schemeClr val="lt1"/>
+                </a:solidFill>
+              </a:defRPr>
             </a:lvl3pPr>
             <a:lvl4pPr lvl="3">
               <a:buNone/>
-              <a:defRPr/>
+              <a:defRPr>
+                <a:solidFill>
+                  <a:schemeClr val="lt1"/>
+                </a:solidFill>
+              </a:defRPr>
             </a:lvl4pPr>
             <a:lvl5pPr lvl="4">
               <a:buNone/>
-              <a:defRPr/>
+              <a:defRPr>
+                <a:solidFill>
+                  <a:schemeClr val="lt1"/>
+                </a:solidFill>
+              </a:defRPr>
             </a:lvl5pPr>
             <a:lvl6pPr lvl="5">
               <a:buNone/>
-              <a:defRPr/>
+              <a:defRPr>
+                <a:solidFill>
+                  <a:schemeClr val="lt1"/>
+                </a:solidFill>
+              </a:defRPr>
             </a:lvl6pPr>
             <a:lvl7pPr lvl="6">
               <a:buNone/>
-              <a:defRPr/>
+              <a:defRPr>
+                <a:solidFill>
+                  <a:schemeClr val="lt1"/>
+                </a:solidFill>
+              </a:defRPr>
             </a:lvl7pPr>
             <a:lvl8pPr lvl="7">
               <a:buNone/>
-              <a:defRPr/>
+              <a:defRPr>
+                <a:solidFill>
+                  <a:schemeClr val="lt1"/>
+                </a:solidFill>
+              </a:defRPr>
             </a:lvl8pPr>
             <a:lvl9pPr lvl="8">
               <a:buNone/>
-              <a:defRPr/>
+              <a:defRPr>
+                <a:solidFill>
+                  <a:schemeClr val="lt1"/>
+                </a:solidFill>
+              </a:defRPr>
             </a:lvl9pPr>
           </a:lstStyle>
           <a:p>
@@ -1929,9 +1428,16 @@
 <file path=ppt/slideLayouts/slideLayout10.xml><?xml version="1.0" encoding="utf-8"?>
 <p:sldLayout xmlns:a="http://schemas.openxmlformats.org/drawingml/2006/main" xmlns:r="http://schemas.openxmlformats.org/officeDocument/2006/relationships" xmlns:mc="http://schemas.openxmlformats.org/markup-compatibility/2006" xmlns:mv="urn:schemas-microsoft-com:mac:vml" xmlns:p="http://schemas.openxmlformats.org/presentationml/2006/main" xmlns:c="http://schemas.openxmlformats.org/drawingml/2006/chart" xmlns:dgm="http://schemas.openxmlformats.org/drawingml/2006/diagram" xmlns:o="urn:schemas-microsoft-com:office:office" xmlns:v="urn:schemas-microsoft-com:vml" xmlns:pvml="urn:schemas-microsoft-com:office:powerpoint" xmlns:com="http://schemas.openxmlformats.org/drawingml/2006/compatibility" xmlns:p14="http://schemas.microsoft.com/office/powerpoint/2010/main" xmlns:p15="http://schemas.microsoft.com/office/powerpoint/2012/main" xmlns:ahyp="http://schemas.microsoft.com/office/drawing/2018/hyperlinkcolor" matchingName="Big number">
   <p:cSld name="BIG_NUMBER">
+    <p:bg>
+      <p:bgPr>
+        <a:solidFill>
+          <a:schemeClr val="dk1"/>
+        </a:solidFill>
+      </p:bgPr>
+    </p:bg>
     <p:spTree>
       <p:nvGrpSpPr>
-        <p:cNvPr id="105" name="Shape 105"/>
+        <p:cNvPr id="54" name="Shape 54"/>
         <p:cNvGrpSpPr/>
         <p:nvPr/>
       </p:nvGrpSpPr>
@@ -1943,866 +1449,9 @@
           <a:chExt cx="0" cy="0"/>
         </a:xfrm>
       </p:grpSpPr>
-      <p:grpSp>
-        <p:nvGrpSpPr>
-          <p:cNvPr id="106" name="Google Shape;106;p11"/>
-          <p:cNvGrpSpPr/>
-          <p:nvPr/>
-        </p:nvGrpSpPr>
-        <p:grpSpPr>
-          <a:xfrm>
-            <a:off x="4406400" y="0"/>
-            <a:ext cx="4737600" cy="5143065"/>
-            <a:chOff x="4406400" y="0"/>
-            <a:chExt cx="4737600" cy="5143065"/>
-          </a:xfrm>
-        </p:grpSpPr>
-        <p:sp>
-          <p:nvSpPr>
-            <p:cNvPr id="107" name="Google Shape;107;p11"/>
-            <p:cNvSpPr/>
-            <p:nvPr/>
-          </p:nvSpPr>
-          <p:spPr>
-            <a:xfrm rot="5400000">
-              <a:off x="4408200" y="-1800"/>
-              <a:ext cx="4734000" cy="4737600"/>
-            </a:xfrm>
-            <a:prstGeom prst="diagStripe">
-              <a:avLst>
-                <a:gd fmla="val 49469" name="adj"/>
-              </a:avLst>
-            </a:prstGeom>
-            <a:solidFill>
-              <a:schemeClr val="lt1">
-                <a:alpha val="3460"/>
-              </a:schemeClr>
-            </a:solidFill>
-            <a:ln>
-              <a:noFill/>
-            </a:ln>
-          </p:spPr>
-          <p:txBody>
-            <a:bodyPr anchorCtr="0" anchor="ctr" bIns="91425" lIns="91425" spcFirstLastPara="1" rIns="91425" wrap="square" tIns="91425">
-              <a:noAutofit/>
-            </a:bodyPr>
-            <a:lstStyle/>
-            <a:p>
-              <a:pPr indent="0" lvl="0" marL="0" rtl="0" algn="l">
-                <a:spcBef>
-                  <a:spcPts val="0"/>
-                </a:spcBef>
-                <a:spcAft>
-                  <a:spcPts val="0"/>
-                </a:spcAft>
-                <a:buNone/>
-              </a:pPr>
-              <a:r>
-                <a:t/>
-              </a:r>
-              <a:endParaRPr/>
-            </a:p>
-          </p:txBody>
-        </p:sp>
-        <p:sp>
-          <p:nvSpPr>
-            <p:cNvPr id="108" name="Google Shape;108;p11"/>
-            <p:cNvSpPr/>
-            <p:nvPr/>
-          </p:nvSpPr>
-          <p:spPr>
-            <a:xfrm rot="5400000">
-              <a:off x="4841125" y="5700"/>
-              <a:ext cx="4298100" cy="4286700"/>
-            </a:xfrm>
-            <a:prstGeom prst="diagStripe">
-              <a:avLst>
-                <a:gd fmla="val 0" name="adj"/>
-              </a:avLst>
-            </a:prstGeom>
-            <a:solidFill>
-              <a:schemeClr val="lt1">
-                <a:alpha val="3460"/>
-              </a:schemeClr>
-            </a:solidFill>
-            <a:ln>
-              <a:noFill/>
-            </a:ln>
-          </p:spPr>
-          <p:txBody>
-            <a:bodyPr anchorCtr="0" anchor="ctr" bIns="91425" lIns="91425" spcFirstLastPara="1" rIns="91425" wrap="square" tIns="91425">
-              <a:noAutofit/>
-            </a:bodyPr>
-            <a:lstStyle/>
-            <a:p>
-              <a:pPr indent="0" lvl="0" marL="0" rtl="0" algn="l">
-                <a:spcBef>
-                  <a:spcPts val="0"/>
-                </a:spcBef>
-                <a:spcAft>
-                  <a:spcPts val="0"/>
-                </a:spcAft>
-                <a:buNone/>
-              </a:pPr>
-              <a:r>
-                <a:t/>
-              </a:r>
-              <a:endParaRPr/>
-            </a:p>
-          </p:txBody>
-        </p:sp>
-        <p:sp>
-          <p:nvSpPr>
-            <p:cNvPr id="109" name="Google Shape;109;p11"/>
-            <p:cNvSpPr/>
-            <p:nvPr/>
-          </p:nvSpPr>
-          <p:spPr>
-            <a:xfrm rot="-5400000">
-              <a:off x="5618399" y="1236468"/>
-              <a:ext cx="808800" cy="808800"/>
-            </a:xfrm>
-            <a:prstGeom prst="diagStripe">
-              <a:avLst>
-                <a:gd fmla="val 50000" name="adj"/>
-              </a:avLst>
-            </a:prstGeom>
-            <a:solidFill>
-              <a:schemeClr val="lt1">
-                <a:alpha val="7310"/>
-              </a:schemeClr>
-            </a:solidFill>
-            <a:ln>
-              <a:noFill/>
-            </a:ln>
-          </p:spPr>
-          <p:txBody>
-            <a:bodyPr anchorCtr="0" anchor="ctr" bIns="91425" lIns="91425" spcFirstLastPara="1" rIns="91425" wrap="square" tIns="91425">
-              <a:noAutofit/>
-            </a:bodyPr>
-            <a:lstStyle/>
-            <a:p>
-              <a:pPr indent="0" lvl="0" marL="0" rtl="0" algn="l">
-                <a:spcBef>
-                  <a:spcPts val="0"/>
-                </a:spcBef>
-                <a:spcAft>
-                  <a:spcPts val="0"/>
-                </a:spcAft>
-                <a:buNone/>
-              </a:pPr>
-              <a:r>
-                <a:t/>
-              </a:r>
-              <a:endParaRPr/>
-            </a:p>
-          </p:txBody>
-        </p:sp>
-        <p:sp>
-          <p:nvSpPr>
-            <p:cNvPr id="110" name="Google Shape;110;p11"/>
-            <p:cNvSpPr/>
-            <p:nvPr/>
-          </p:nvSpPr>
-          <p:spPr>
-            <a:xfrm flipH="1">
-              <a:off x="5849857" y="1443956"/>
-              <a:ext cx="808800" cy="808800"/>
-            </a:xfrm>
-            <a:prstGeom prst="diagStripe">
-              <a:avLst>
-                <a:gd fmla="val 50000" name="adj"/>
-              </a:avLst>
-            </a:prstGeom>
-            <a:solidFill>
-              <a:schemeClr val="lt1">
-                <a:alpha val="7310"/>
-              </a:schemeClr>
-            </a:solidFill>
-            <a:ln>
-              <a:noFill/>
-            </a:ln>
-          </p:spPr>
-          <p:txBody>
-            <a:bodyPr anchorCtr="0" anchor="ctr" bIns="91425" lIns="91425" spcFirstLastPara="1" rIns="91425" wrap="square" tIns="91425">
-              <a:noAutofit/>
-            </a:bodyPr>
-            <a:lstStyle/>
-            <a:p>
-              <a:pPr indent="0" lvl="0" marL="0" rtl="0" algn="l">
-                <a:spcBef>
-                  <a:spcPts val="0"/>
-                </a:spcBef>
-                <a:spcAft>
-                  <a:spcPts val="0"/>
-                </a:spcAft>
-                <a:buNone/>
-              </a:pPr>
-              <a:r>
-                <a:t/>
-              </a:r>
-              <a:endParaRPr/>
-            </a:p>
-          </p:txBody>
-        </p:sp>
-        <p:sp>
-          <p:nvSpPr>
-            <p:cNvPr id="111" name="Google Shape;111;p11"/>
-            <p:cNvSpPr/>
-            <p:nvPr/>
-          </p:nvSpPr>
-          <p:spPr>
-            <a:xfrm rot="-5400000">
-              <a:off x="5987081" y="2469465"/>
-              <a:ext cx="808800" cy="808800"/>
-            </a:xfrm>
-            <a:prstGeom prst="diagStripe">
-              <a:avLst>
-                <a:gd fmla="val 50000" name="adj"/>
-              </a:avLst>
-            </a:prstGeom>
-            <a:solidFill>
-              <a:schemeClr val="lt1">
-                <a:alpha val="7310"/>
-              </a:schemeClr>
-            </a:solidFill>
-            <a:ln>
-              <a:noFill/>
-            </a:ln>
-          </p:spPr>
-          <p:txBody>
-            <a:bodyPr anchorCtr="0" anchor="ctr" bIns="91425" lIns="91425" spcFirstLastPara="1" rIns="91425" wrap="square" tIns="91425">
-              <a:noAutofit/>
-            </a:bodyPr>
-            <a:lstStyle/>
-            <a:p>
-              <a:pPr indent="0" lvl="0" marL="0" rtl="0" algn="l">
-                <a:spcBef>
-                  <a:spcPts val="0"/>
-                </a:spcBef>
-                <a:spcAft>
-                  <a:spcPts val="0"/>
-                </a:spcAft>
-                <a:buNone/>
-              </a:pPr>
-              <a:r>
-                <a:t/>
-              </a:r>
-              <a:endParaRPr/>
-            </a:p>
-          </p:txBody>
-        </p:sp>
-        <p:sp>
-          <p:nvSpPr>
-            <p:cNvPr id="112" name="Google Shape;112;p11"/>
-            <p:cNvSpPr/>
-            <p:nvPr/>
-          </p:nvSpPr>
-          <p:spPr>
-            <a:xfrm flipH="1">
-              <a:off x="6222115" y="2676953"/>
-              <a:ext cx="808800" cy="808800"/>
-            </a:xfrm>
-            <a:prstGeom prst="diagStripe">
-              <a:avLst>
-                <a:gd fmla="val 50000" name="adj"/>
-              </a:avLst>
-            </a:prstGeom>
-            <a:solidFill>
-              <a:schemeClr val="lt1">
-                <a:alpha val="7310"/>
-              </a:schemeClr>
-            </a:solidFill>
-            <a:ln>
-              <a:noFill/>
-            </a:ln>
-          </p:spPr>
-          <p:txBody>
-            <a:bodyPr anchorCtr="0" anchor="ctr" bIns="91425" lIns="91425" spcFirstLastPara="1" rIns="91425" wrap="square" tIns="91425">
-              <a:noAutofit/>
-            </a:bodyPr>
-            <a:lstStyle/>
-            <a:p>
-              <a:pPr indent="0" lvl="0" marL="0" rtl="0" algn="l">
-                <a:spcBef>
-                  <a:spcPts val="0"/>
-                </a:spcBef>
-                <a:spcAft>
-                  <a:spcPts val="0"/>
-                </a:spcAft>
-                <a:buNone/>
-              </a:pPr>
-              <a:r>
-                <a:t/>
-              </a:r>
-              <a:endParaRPr/>
-            </a:p>
-          </p:txBody>
-        </p:sp>
-        <p:sp>
-          <p:nvSpPr>
-            <p:cNvPr id="113" name="Google Shape;113;p11"/>
-            <p:cNvSpPr/>
-            <p:nvPr/>
-          </p:nvSpPr>
-          <p:spPr>
-            <a:xfrm rot="-5400000">
-              <a:off x="6675341" y="1862018"/>
-              <a:ext cx="808800" cy="808800"/>
-            </a:xfrm>
-            <a:prstGeom prst="diagStripe">
-              <a:avLst>
-                <a:gd fmla="val 50000" name="adj"/>
-              </a:avLst>
-            </a:prstGeom>
-            <a:solidFill>
-              <a:schemeClr val="lt1">
-                <a:alpha val="7310"/>
-              </a:schemeClr>
-            </a:solidFill>
-            <a:ln>
-              <a:noFill/>
-            </a:ln>
-          </p:spPr>
-          <p:txBody>
-            <a:bodyPr anchorCtr="0" anchor="ctr" bIns="91425" lIns="91425" spcFirstLastPara="1" rIns="91425" wrap="square" tIns="91425">
-              <a:noAutofit/>
-            </a:bodyPr>
-            <a:lstStyle/>
-            <a:p>
-              <a:pPr indent="0" lvl="0" marL="0" rtl="0" algn="l">
-                <a:spcBef>
-                  <a:spcPts val="0"/>
-                </a:spcBef>
-                <a:spcAft>
-                  <a:spcPts val="0"/>
-                </a:spcAft>
-                <a:buNone/>
-              </a:pPr>
-              <a:r>
-                <a:t/>
-              </a:r>
-              <a:endParaRPr/>
-            </a:p>
-          </p:txBody>
-        </p:sp>
-        <p:sp>
-          <p:nvSpPr>
-            <p:cNvPr id="114" name="Google Shape;114;p11"/>
-            <p:cNvSpPr/>
-            <p:nvPr/>
-          </p:nvSpPr>
-          <p:spPr>
-            <a:xfrm flipH="1">
-              <a:off x="6908099" y="2069505"/>
-              <a:ext cx="808800" cy="808800"/>
-            </a:xfrm>
-            <a:prstGeom prst="diagStripe">
-              <a:avLst>
-                <a:gd fmla="val 50000" name="adj"/>
-              </a:avLst>
-            </a:prstGeom>
-            <a:solidFill>
-              <a:schemeClr val="lt2"/>
-            </a:solidFill>
-            <a:ln>
-              <a:noFill/>
-            </a:ln>
-          </p:spPr>
-          <p:txBody>
-            <a:bodyPr anchorCtr="0" anchor="ctr" bIns="91425" lIns="91425" spcFirstLastPara="1" rIns="91425" wrap="square" tIns="91425">
-              <a:noAutofit/>
-            </a:bodyPr>
-            <a:lstStyle/>
-            <a:p>
-              <a:pPr indent="0" lvl="0" marL="0" rtl="0" algn="l">
-                <a:spcBef>
-                  <a:spcPts val="0"/>
-                </a:spcBef>
-                <a:spcAft>
-                  <a:spcPts val="0"/>
-                </a:spcAft>
-                <a:buNone/>
-              </a:pPr>
-              <a:r>
-                <a:t/>
-              </a:r>
-              <a:endParaRPr/>
-            </a:p>
-          </p:txBody>
-        </p:sp>
-        <p:sp>
-          <p:nvSpPr>
-            <p:cNvPr id="115" name="Google Shape;115;p11"/>
-            <p:cNvSpPr/>
-            <p:nvPr/>
-          </p:nvSpPr>
-          <p:spPr>
-            <a:xfrm rot="-5400000">
-              <a:off x="6861141" y="2477810"/>
-              <a:ext cx="808800" cy="808800"/>
-            </a:xfrm>
-            <a:prstGeom prst="diagStripe">
-              <a:avLst>
-                <a:gd fmla="val 50000" name="adj"/>
-              </a:avLst>
-            </a:prstGeom>
-            <a:solidFill>
-              <a:schemeClr val="lt1">
-                <a:alpha val="7310"/>
-              </a:schemeClr>
-            </a:solidFill>
-            <a:ln>
-              <a:noFill/>
-            </a:ln>
-          </p:spPr>
-          <p:txBody>
-            <a:bodyPr anchorCtr="0" anchor="ctr" bIns="91425" lIns="91425" spcFirstLastPara="1" rIns="91425" wrap="square" tIns="91425">
-              <a:noAutofit/>
-            </a:bodyPr>
-            <a:lstStyle/>
-            <a:p>
-              <a:pPr indent="0" lvl="0" marL="0" rtl="0" algn="l">
-                <a:spcBef>
-                  <a:spcPts val="0"/>
-                </a:spcBef>
-                <a:spcAft>
-                  <a:spcPts val="0"/>
-                </a:spcAft>
-                <a:buNone/>
-              </a:pPr>
-              <a:r>
-                <a:t/>
-              </a:r>
-              <a:endParaRPr/>
-            </a:p>
-          </p:txBody>
-        </p:sp>
-        <p:sp>
-          <p:nvSpPr>
-            <p:cNvPr id="116" name="Google Shape;116;p11"/>
-            <p:cNvSpPr/>
-            <p:nvPr/>
-          </p:nvSpPr>
-          <p:spPr>
-            <a:xfrm flipH="1">
-              <a:off x="7965266" y="2692963"/>
-              <a:ext cx="808800" cy="808800"/>
-            </a:xfrm>
-            <a:prstGeom prst="diagStripe">
-              <a:avLst>
-                <a:gd fmla="val 50000" name="adj"/>
-              </a:avLst>
-            </a:prstGeom>
-            <a:solidFill>
-              <a:schemeClr val="lt1">
-                <a:alpha val="7310"/>
-              </a:schemeClr>
-            </a:solidFill>
-            <a:ln>
-              <a:noFill/>
-            </a:ln>
-          </p:spPr>
-          <p:txBody>
-            <a:bodyPr anchorCtr="0" anchor="ctr" bIns="91425" lIns="91425" spcFirstLastPara="1" rIns="91425" wrap="square" tIns="91425">
-              <a:noAutofit/>
-            </a:bodyPr>
-            <a:lstStyle/>
-            <a:p>
-              <a:pPr indent="0" lvl="0" marL="0" rtl="0" algn="l">
-                <a:spcBef>
-                  <a:spcPts val="0"/>
-                </a:spcBef>
-                <a:spcAft>
-                  <a:spcPts val="0"/>
-                </a:spcAft>
-                <a:buNone/>
-              </a:pPr>
-              <a:r>
-                <a:t/>
-              </a:r>
-              <a:endParaRPr/>
-            </a:p>
-          </p:txBody>
-        </p:sp>
-        <p:sp>
-          <p:nvSpPr>
-            <p:cNvPr id="117" name="Google Shape;117;p11"/>
-            <p:cNvSpPr/>
-            <p:nvPr/>
-          </p:nvSpPr>
-          <p:spPr>
-            <a:xfrm flipH="1">
-              <a:off x="8145082" y="3308755"/>
-              <a:ext cx="808800" cy="808800"/>
-            </a:xfrm>
-            <a:prstGeom prst="diagStripe">
-              <a:avLst>
-                <a:gd fmla="val 50000" name="adj"/>
-              </a:avLst>
-            </a:prstGeom>
-            <a:solidFill>
-              <a:schemeClr val="lt1">
-                <a:alpha val="7310"/>
-              </a:schemeClr>
-            </a:solidFill>
-            <a:ln>
-              <a:noFill/>
-            </a:ln>
-          </p:spPr>
-          <p:txBody>
-            <a:bodyPr anchorCtr="0" anchor="ctr" bIns="91425" lIns="91425" spcFirstLastPara="1" rIns="91425" wrap="square" tIns="91425">
-              <a:noAutofit/>
-            </a:bodyPr>
-            <a:lstStyle/>
-            <a:p>
-              <a:pPr indent="0" lvl="0" marL="0" rtl="0" algn="l">
-                <a:spcBef>
-                  <a:spcPts val="0"/>
-                </a:spcBef>
-                <a:spcAft>
-                  <a:spcPts val="0"/>
-                </a:spcAft>
-                <a:buNone/>
-              </a:pPr>
-              <a:r>
-                <a:t/>
-              </a:r>
-              <a:endParaRPr/>
-            </a:p>
-          </p:txBody>
-        </p:sp>
-        <p:sp>
-          <p:nvSpPr>
-            <p:cNvPr id="118" name="Google Shape;118;p11"/>
-            <p:cNvSpPr/>
-            <p:nvPr/>
-          </p:nvSpPr>
-          <p:spPr>
-            <a:xfrm rot="-5400000">
-              <a:off x="7047599" y="3095015"/>
-              <a:ext cx="808800" cy="808800"/>
-            </a:xfrm>
-            <a:prstGeom prst="diagStripe">
-              <a:avLst>
-                <a:gd fmla="val 50000" name="adj"/>
-              </a:avLst>
-            </a:prstGeom>
-            <a:solidFill>
-              <a:schemeClr val="lt1">
-                <a:alpha val="7310"/>
-              </a:schemeClr>
-            </a:solidFill>
-            <a:ln>
-              <a:noFill/>
-            </a:ln>
-          </p:spPr>
-          <p:txBody>
-            <a:bodyPr anchorCtr="0" anchor="ctr" bIns="91425" lIns="91425" spcFirstLastPara="1" rIns="91425" wrap="square" tIns="91425">
-              <a:noAutofit/>
-            </a:bodyPr>
-            <a:lstStyle/>
-            <a:p>
-              <a:pPr indent="0" lvl="0" marL="0" rtl="0" algn="l">
-                <a:spcBef>
-                  <a:spcPts val="0"/>
-                </a:spcBef>
-                <a:spcAft>
-                  <a:spcPts val="0"/>
-                </a:spcAft>
-                <a:buNone/>
-              </a:pPr>
-              <a:r>
-                <a:t/>
-              </a:r>
-              <a:endParaRPr/>
-            </a:p>
-          </p:txBody>
-        </p:sp>
-        <p:sp>
-          <p:nvSpPr>
-            <p:cNvPr id="119" name="Google Shape;119;p11"/>
-            <p:cNvSpPr/>
-            <p:nvPr/>
-          </p:nvSpPr>
-          <p:spPr>
-            <a:xfrm flipH="1">
-              <a:off x="7276649" y="3302502"/>
-              <a:ext cx="808800" cy="808800"/>
-            </a:xfrm>
-            <a:prstGeom prst="diagStripe">
-              <a:avLst>
-                <a:gd fmla="val 50000" name="adj"/>
-              </a:avLst>
-            </a:prstGeom>
-            <a:solidFill>
-              <a:schemeClr val="lt1">
-                <a:alpha val="7310"/>
-              </a:schemeClr>
-            </a:solidFill>
-            <a:ln>
-              <a:noFill/>
-            </a:ln>
-          </p:spPr>
-          <p:txBody>
-            <a:bodyPr anchorCtr="0" anchor="ctr" bIns="91425" lIns="91425" spcFirstLastPara="1" rIns="91425" wrap="square" tIns="91425">
-              <a:noAutofit/>
-            </a:bodyPr>
-            <a:lstStyle/>
-            <a:p>
-              <a:pPr indent="0" lvl="0" marL="0" rtl="0" algn="l">
-                <a:spcBef>
-                  <a:spcPts val="0"/>
-                </a:spcBef>
-                <a:spcAft>
-                  <a:spcPts val="0"/>
-                </a:spcAft>
-                <a:buNone/>
-              </a:pPr>
-              <a:r>
-                <a:t/>
-              </a:r>
-              <a:endParaRPr/>
-            </a:p>
-          </p:txBody>
-        </p:sp>
-        <p:sp>
-          <p:nvSpPr>
-            <p:cNvPr id="120" name="Google Shape;120;p11"/>
-            <p:cNvSpPr/>
-            <p:nvPr/>
-          </p:nvSpPr>
-          <p:spPr>
-            <a:xfrm rot="-5400000">
-              <a:off x="7227414" y="3710807"/>
-              <a:ext cx="808800" cy="808800"/>
-            </a:xfrm>
-            <a:prstGeom prst="diagStripe">
-              <a:avLst>
-                <a:gd fmla="val 50000" name="adj"/>
-              </a:avLst>
-            </a:prstGeom>
-            <a:solidFill>
-              <a:schemeClr val="accent1"/>
-            </a:solidFill>
-            <a:ln>
-              <a:noFill/>
-            </a:ln>
-          </p:spPr>
-          <p:txBody>
-            <a:bodyPr anchorCtr="0" anchor="ctr" bIns="91425" lIns="91425" spcFirstLastPara="1" rIns="91425" wrap="square" tIns="91425">
-              <a:noAutofit/>
-            </a:bodyPr>
-            <a:lstStyle/>
-            <a:p>
-              <a:pPr indent="0" lvl="0" marL="0" rtl="0" algn="l">
-                <a:spcBef>
-                  <a:spcPts val="0"/>
-                </a:spcBef>
-                <a:spcAft>
-                  <a:spcPts val="0"/>
-                </a:spcAft>
-                <a:buNone/>
-              </a:pPr>
-              <a:r>
-                <a:t/>
-              </a:r>
-              <a:endParaRPr/>
-            </a:p>
-          </p:txBody>
-        </p:sp>
-        <p:sp>
-          <p:nvSpPr>
-            <p:cNvPr id="121" name="Google Shape;121;p11"/>
-            <p:cNvSpPr/>
-            <p:nvPr/>
-          </p:nvSpPr>
-          <p:spPr>
-            <a:xfrm flipH="1">
-              <a:off x="7462448" y="3918294"/>
-              <a:ext cx="808800" cy="808800"/>
-            </a:xfrm>
-            <a:prstGeom prst="diagStripe">
-              <a:avLst>
-                <a:gd fmla="val 50000" name="adj"/>
-              </a:avLst>
-            </a:prstGeom>
-            <a:solidFill>
-              <a:schemeClr val="lt1">
-                <a:alpha val="7310"/>
-              </a:schemeClr>
-            </a:solidFill>
-            <a:ln>
-              <a:noFill/>
-            </a:ln>
-          </p:spPr>
-          <p:txBody>
-            <a:bodyPr anchorCtr="0" anchor="ctr" bIns="91425" lIns="91425" spcFirstLastPara="1" rIns="91425" wrap="square" tIns="91425">
-              <a:noAutofit/>
-            </a:bodyPr>
-            <a:lstStyle/>
-            <a:p>
-              <a:pPr indent="0" lvl="0" marL="0" rtl="0" algn="l">
-                <a:spcBef>
-                  <a:spcPts val="0"/>
-                </a:spcBef>
-                <a:spcAft>
-                  <a:spcPts val="0"/>
-                </a:spcAft>
-                <a:buNone/>
-              </a:pPr>
-              <a:r>
-                <a:t/>
-              </a:r>
-              <a:endParaRPr/>
-            </a:p>
-          </p:txBody>
-        </p:sp>
-        <p:sp>
-          <p:nvSpPr>
-            <p:cNvPr id="122" name="Google Shape;122;p11"/>
-            <p:cNvSpPr/>
-            <p:nvPr/>
-          </p:nvSpPr>
-          <p:spPr>
-            <a:xfrm rot="-5400000">
-              <a:off x="8102491" y="3718473"/>
-              <a:ext cx="808800" cy="808800"/>
-            </a:xfrm>
-            <a:prstGeom prst="diagStripe">
-              <a:avLst>
-                <a:gd fmla="val 50000" name="adj"/>
-              </a:avLst>
-            </a:prstGeom>
-            <a:solidFill>
-              <a:schemeClr val="lt1">
-                <a:alpha val="7310"/>
-              </a:schemeClr>
-            </a:solidFill>
-            <a:ln>
-              <a:noFill/>
-            </a:ln>
-          </p:spPr>
-          <p:txBody>
-            <a:bodyPr anchorCtr="0" anchor="ctr" bIns="91425" lIns="91425" spcFirstLastPara="1" rIns="91425" wrap="square" tIns="91425">
-              <a:noAutofit/>
-            </a:bodyPr>
-            <a:lstStyle/>
-            <a:p>
-              <a:pPr indent="0" lvl="0" marL="0" rtl="0" algn="l">
-                <a:spcBef>
-                  <a:spcPts val="0"/>
-                </a:spcBef>
-                <a:spcAft>
-                  <a:spcPts val="0"/>
-                </a:spcAft>
-                <a:buNone/>
-              </a:pPr>
-              <a:r>
-                <a:t/>
-              </a:r>
-              <a:endParaRPr/>
-            </a:p>
-          </p:txBody>
-        </p:sp>
-        <p:sp>
-          <p:nvSpPr>
-            <p:cNvPr id="123" name="Google Shape;123;p11"/>
-            <p:cNvSpPr/>
-            <p:nvPr/>
-          </p:nvSpPr>
-          <p:spPr>
-            <a:xfrm flipH="1">
-              <a:off x="8334533" y="3925960"/>
-              <a:ext cx="808800" cy="808800"/>
-            </a:xfrm>
-            <a:prstGeom prst="diagStripe">
-              <a:avLst>
-                <a:gd fmla="val 50000" name="adj"/>
-              </a:avLst>
-            </a:prstGeom>
-            <a:solidFill>
-              <a:schemeClr val="lt1">
-                <a:alpha val="7310"/>
-              </a:schemeClr>
-            </a:solidFill>
-            <a:ln>
-              <a:noFill/>
-            </a:ln>
-          </p:spPr>
-          <p:txBody>
-            <a:bodyPr anchorCtr="0" anchor="ctr" bIns="91425" lIns="91425" spcFirstLastPara="1" rIns="91425" wrap="square" tIns="91425">
-              <a:noAutofit/>
-            </a:bodyPr>
-            <a:lstStyle/>
-            <a:p>
-              <a:pPr indent="0" lvl="0" marL="0" rtl="0" algn="l">
-                <a:spcBef>
-                  <a:spcPts val="0"/>
-                </a:spcBef>
-                <a:spcAft>
-                  <a:spcPts val="0"/>
-                </a:spcAft>
-                <a:buNone/>
-              </a:pPr>
-              <a:r>
-                <a:t/>
-              </a:r>
-              <a:endParaRPr/>
-            </a:p>
-          </p:txBody>
-        </p:sp>
-        <p:sp>
-          <p:nvSpPr>
-            <p:cNvPr id="124" name="Google Shape;124;p11"/>
-            <p:cNvSpPr/>
-            <p:nvPr/>
-          </p:nvSpPr>
-          <p:spPr>
-            <a:xfrm rot="-5400000">
-              <a:off x="8288290" y="4334265"/>
-              <a:ext cx="808800" cy="808800"/>
-            </a:xfrm>
-            <a:prstGeom prst="diagStripe">
-              <a:avLst>
-                <a:gd fmla="val 50000" name="adj"/>
-              </a:avLst>
-            </a:prstGeom>
-            <a:solidFill>
-              <a:schemeClr val="lt1">
-                <a:alpha val="7310"/>
-              </a:schemeClr>
-            </a:solidFill>
-            <a:ln>
-              <a:noFill/>
-            </a:ln>
-          </p:spPr>
-          <p:txBody>
-            <a:bodyPr anchorCtr="0" anchor="ctr" bIns="91425" lIns="91425" spcFirstLastPara="1" rIns="91425" wrap="square" tIns="91425">
-              <a:noAutofit/>
-            </a:bodyPr>
-            <a:lstStyle/>
-            <a:p>
-              <a:pPr indent="0" lvl="0" marL="0" rtl="0" algn="l">
-                <a:spcBef>
-                  <a:spcPts val="0"/>
-                </a:spcBef>
-                <a:spcAft>
-                  <a:spcPts val="0"/>
-                </a:spcAft>
-                <a:buNone/>
-              </a:pPr>
-              <a:r>
-                <a:t/>
-              </a:r>
-              <a:endParaRPr/>
-            </a:p>
-          </p:txBody>
-        </p:sp>
-      </p:grpSp>
       <p:sp>
         <p:nvSpPr>
-          <p:cNvPr id="125" name="Google Shape;125;p11"/>
+          <p:cNvPr id="55" name="Google Shape;55;p11"/>
           <p:cNvSpPr txBox="1"/>
           <p:nvPr>
             <p:ph hasCustomPrompt="1" type="title"/>
@@ -2810,15 +1459,15 @@
         </p:nvSpPr>
         <p:spPr>
           <a:xfrm>
-            <a:off x="823850" y="1284675"/>
-            <a:ext cx="4776000" cy="1300800"/>
+            <a:off x="311750" y="831175"/>
+            <a:ext cx="5334900" cy="1244700"/>
           </a:xfrm>
           <a:prstGeom prst="rect">
             <a:avLst/>
           </a:prstGeom>
         </p:spPr>
         <p:txBody>
-          <a:bodyPr anchorCtr="0" anchor="t" bIns="91425" lIns="91425" spcFirstLastPara="1" rIns="91425" wrap="square" tIns="91425">
+          <a:bodyPr anchorCtr="0" anchor="b" bIns="91425" lIns="91425" spcFirstLastPara="1" rIns="91425" wrap="square" tIns="91425">
             <a:normAutofit/>
           </a:bodyPr>
           <a:lstStyle>
@@ -2829,9 +1478,16 @@
               <a:spcAft>
                 <a:spcPts val="0"/>
               </a:spcAft>
-              <a:buSzPts val="8000"/>
-              <a:buNone/>
-              <a:defRPr sz="8000"/>
+              <a:buClr>
+                <a:schemeClr val="lt1"/>
+              </a:buClr>
+              <a:buSzPts val="10000"/>
+              <a:buNone/>
+              <a:defRPr sz="10000">
+                <a:solidFill>
+                  <a:schemeClr val="lt1"/>
+                </a:solidFill>
+              </a:defRPr>
             </a:lvl1pPr>
             <a:lvl2pPr lvl="1">
               <a:spcBef>
@@ -2840,9 +1496,16 @@
               <a:spcAft>
                 <a:spcPts val="0"/>
               </a:spcAft>
-              <a:buSzPts val="8000"/>
-              <a:buNone/>
-              <a:defRPr sz="8000"/>
+              <a:buClr>
+                <a:schemeClr val="lt1"/>
+              </a:buClr>
+              <a:buSzPts val="10000"/>
+              <a:buNone/>
+              <a:defRPr sz="10000">
+                <a:solidFill>
+                  <a:schemeClr val="lt1"/>
+                </a:solidFill>
+              </a:defRPr>
             </a:lvl2pPr>
             <a:lvl3pPr lvl="2">
               <a:spcBef>
@@ -2851,9 +1514,16 @@
               <a:spcAft>
                 <a:spcPts val="0"/>
               </a:spcAft>
-              <a:buSzPts val="8000"/>
-              <a:buNone/>
-              <a:defRPr sz="8000"/>
+              <a:buClr>
+                <a:schemeClr val="lt1"/>
+              </a:buClr>
+              <a:buSzPts val="10000"/>
+              <a:buNone/>
+              <a:defRPr sz="10000">
+                <a:solidFill>
+                  <a:schemeClr val="lt1"/>
+                </a:solidFill>
+              </a:defRPr>
             </a:lvl3pPr>
             <a:lvl4pPr lvl="3">
               <a:spcBef>
@@ -2862,9 +1532,16 @@
               <a:spcAft>
                 <a:spcPts val="0"/>
               </a:spcAft>
-              <a:buSzPts val="8000"/>
-              <a:buNone/>
-              <a:defRPr sz="8000"/>
+              <a:buClr>
+                <a:schemeClr val="lt1"/>
+              </a:buClr>
+              <a:buSzPts val="10000"/>
+              <a:buNone/>
+              <a:defRPr sz="10000">
+                <a:solidFill>
+                  <a:schemeClr val="lt1"/>
+                </a:solidFill>
+              </a:defRPr>
             </a:lvl4pPr>
             <a:lvl5pPr lvl="4">
               <a:spcBef>
@@ -2873,9 +1550,16 @@
               <a:spcAft>
                 <a:spcPts val="0"/>
               </a:spcAft>
-              <a:buSzPts val="8000"/>
-              <a:buNone/>
-              <a:defRPr sz="8000"/>
+              <a:buClr>
+                <a:schemeClr val="lt1"/>
+              </a:buClr>
+              <a:buSzPts val="10000"/>
+              <a:buNone/>
+              <a:defRPr sz="10000">
+                <a:solidFill>
+                  <a:schemeClr val="lt1"/>
+                </a:solidFill>
+              </a:defRPr>
             </a:lvl5pPr>
             <a:lvl6pPr lvl="5">
               <a:spcBef>
@@ -2884,9 +1568,16 @@
               <a:spcAft>
                 <a:spcPts val="0"/>
               </a:spcAft>
-              <a:buSzPts val="8000"/>
-              <a:buNone/>
-              <a:defRPr sz="8000"/>
+              <a:buClr>
+                <a:schemeClr val="lt1"/>
+              </a:buClr>
+              <a:buSzPts val="10000"/>
+              <a:buNone/>
+              <a:defRPr sz="10000">
+                <a:solidFill>
+                  <a:schemeClr val="lt1"/>
+                </a:solidFill>
+              </a:defRPr>
             </a:lvl6pPr>
             <a:lvl7pPr lvl="6">
               <a:spcBef>
@@ -2895,9 +1586,16 @@
               <a:spcAft>
                 <a:spcPts val="0"/>
               </a:spcAft>
-              <a:buSzPts val="8000"/>
-              <a:buNone/>
-              <a:defRPr sz="8000"/>
+              <a:buClr>
+                <a:schemeClr val="lt1"/>
+              </a:buClr>
+              <a:buSzPts val="10000"/>
+              <a:buNone/>
+              <a:defRPr sz="10000">
+                <a:solidFill>
+                  <a:schemeClr val="lt1"/>
+                </a:solidFill>
+              </a:defRPr>
             </a:lvl7pPr>
             <a:lvl8pPr lvl="7">
               <a:spcBef>
@@ -2906,9 +1604,16 @@
               <a:spcAft>
                 <a:spcPts val="0"/>
               </a:spcAft>
-              <a:buSzPts val="8000"/>
-              <a:buNone/>
-              <a:defRPr sz="8000"/>
+              <a:buClr>
+                <a:schemeClr val="lt1"/>
+              </a:buClr>
+              <a:buSzPts val="10000"/>
+              <a:buNone/>
+              <a:defRPr sz="10000">
+                <a:solidFill>
+                  <a:schemeClr val="lt1"/>
+                </a:solidFill>
+              </a:defRPr>
             </a:lvl8pPr>
             <a:lvl9pPr lvl="8">
               <a:spcBef>
@@ -2917,9 +1622,16 @@
               <a:spcAft>
                 <a:spcPts val="0"/>
               </a:spcAft>
-              <a:buSzPts val="8000"/>
-              <a:buNone/>
-              <a:defRPr sz="8000"/>
+              <a:buClr>
+                <a:schemeClr val="lt1"/>
+              </a:buClr>
+              <a:buSzPts val="10000"/>
+              <a:buNone/>
+              <a:defRPr sz="10000">
+                <a:solidFill>
+                  <a:schemeClr val="lt1"/>
+                </a:solidFill>
+              </a:defRPr>
             </a:lvl9pPr>
           </a:lstStyle>
           <a:p>
@@ -2931,7 +1643,7 @@
       </p:sp>
       <p:sp>
         <p:nvSpPr>
-          <p:cNvPr id="126" name="Google Shape;126;p11"/>
+          <p:cNvPr id="56" name="Google Shape;56;p11"/>
           <p:cNvSpPr txBox="1"/>
           <p:nvPr>
             <p:ph idx="1" type="body"/>
@@ -2939,8 +1651,8 @@
         </p:nvSpPr>
         <p:spPr>
           <a:xfrm>
-            <a:off x="823850" y="2643124"/>
-            <a:ext cx="4776000" cy="1218900"/>
+            <a:off x="311700" y="2121425"/>
+            <a:ext cx="5334900" cy="942600"/>
           </a:xfrm>
           <a:prstGeom prst="rect">
             <a:avLst/>
@@ -2958,9 +1670,16 @@
               <a:spcAft>
                 <a:spcPts val="0"/>
               </a:spcAft>
+              <a:buClr>
+                <a:schemeClr val="accent2"/>
+              </a:buClr>
               <a:buSzPts val="1300"/>
               <a:buChar char="●"/>
-              <a:defRPr/>
+              <a:defRPr>
+                <a:solidFill>
+                  <a:schemeClr val="accent2"/>
+                </a:solidFill>
+              </a:defRPr>
             </a:lvl1pPr>
             <a:lvl2pPr indent="-298450" lvl="1" marL="914400">
               <a:spcBef>
@@ -2969,9 +1688,16 @@
               <a:spcAft>
                 <a:spcPts val="0"/>
               </a:spcAft>
+              <a:buClr>
+                <a:schemeClr val="accent2"/>
+              </a:buClr>
               <a:buSzPts val="1100"/>
               <a:buChar char="○"/>
-              <a:defRPr/>
+              <a:defRPr>
+                <a:solidFill>
+                  <a:schemeClr val="accent2"/>
+                </a:solidFill>
+              </a:defRPr>
             </a:lvl2pPr>
             <a:lvl3pPr indent="-298450" lvl="2" marL="1371600">
               <a:spcBef>
@@ -2980,9 +1706,16 @@
               <a:spcAft>
                 <a:spcPts val="0"/>
               </a:spcAft>
+              <a:buClr>
+                <a:schemeClr val="accent2"/>
+              </a:buClr>
               <a:buSzPts val="1100"/>
               <a:buChar char="■"/>
-              <a:defRPr/>
+              <a:defRPr>
+                <a:solidFill>
+                  <a:schemeClr val="accent2"/>
+                </a:solidFill>
+              </a:defRPr>
             </a:lvl3pPr>
             <a:lvl4pPr indent="-298450" lvl="3" marL="1828800">
               <a:spcBef>
@@ -2991,9 +1724,16 @@
               <a:spcAft>
                 <a:spcPts val="0"/>
               </a:spcAft>
+              <a:buClr>
+                <a:schemeClr val="accent2"/>
+              </a:buClr>
               <a:buSzPts val="1100"/>
               <a:buChar char="●"/>
-              <a:defRPr/>
+              <a:defRPr>
+                <a:solidFill>
+                  <a:schemeClr val="accent2"/>
+                </a:solidFill>
+              </a:defRPr>
             </a:lvl4pPr>
             <a:lvl5pPr indent="-298450" lvl="4" marL="2286000">
               <a:spcBef>
@@ -3002,9 +1742,16 @@
               <a:spcAft>
                 <a:spcPts val="0"/>
               </a:spcAft>
+              <a:buClr>
+                <a:schemeClr val="accent2"/>
+              </a:buClr>
               <a:buSzPts val="1100"/>
               <a:buChar char="○"/>
-              <a:defRPr/>
+              <a:defRPr>
+                <a:solidFill>
+                  <a:schemeClr val="accent2"/>
+                </a:solidFill>
+              </a:defRPr>
             </a:lvl5pPr>
             <a:lvl6pPr indent="-298450" lvl="5" marL="2743200">
               <a:spcBef>
@@ -3013,9 +1760,16 @@
               <a:spcAft>
                 <a:spcPts val="0"/>
               </a:spcAft>
+              <a:buClr>
+                <a:schemeClr val="accent2"/>
+              </a:buClr>
               <a:buSzPts val="1100"/>
               <a:buChar char="■"/>
-              <a:defRPr/>
+              <a:defRPr>
+                <a:solidFill>
+                  <a:schemeClr val="accent2"/>
+                </a:solidFill>
+              </a:defRPr>
             </a:lvl6pPr>
             <a:lvl7pPr indent="-298450" lvl="6" marL="3200400">
               <a:spcBef>
@@ -3024,9 +1778,16 @@
               <a:spcAft>
                 <a:spcPts val="0"/>
               </a:spcAft>
+              <a:buClr>
+                <a:schemeClr val="accent2"/>
+              </a:buClr>
               <a:buSzPts val="1100"/>
               <a:buChar char="●"/>
-              <a:defRPr/>
+              <a:defRPr>
+                <a:solidFill>
+                  <a:schemeClr val="accent2"/>
+                </a:solidFill>
+              </a:defRPr>
             </a:lvl7pPr>
             <a:lvl8pPr indent="-298450" lvl="7" marL="3657600">
               <a:spcBef>
@@ -3035,9 +1796,16 @@
               <a:spcAft>
                 <a:spcPts val="0"/>
               </a:spcAft>
+              <a:buClr>
+                <a:schemeClr val="accent2"/>
+              </a:buClr>
               <a:buSzPts val="1100"/>
               <a:buChar char="○"/>
-              <a:defRPr/>
+              <a:defRPr>
+                <a:solidFill>
+                  <a:schemeClr val="accent2"/>
+                </a:solidFill>
+              </a:defRPr>
             </a:lvl8pPr>
             <a:lvl9pPr indent="-298450" lvl="8" marL="4114800">
               <a:spcBef>
@@ -3046,9 +1814,16 @@
               <a:spcAft>
                 <a:spcPts val="0"/>
               </a:spcAft>
+              <a:buClr>
+                <a:schemeClr val="accent2"/>
+              </a:buClr>
               <a:buSzPts val="1100"/>
               <a:buChar char="■"/>
-              <a:defRPr/>
+              <a:defRPr>
+                <a:solidFill>
+                  <a:schemeClr val="accent2"/>
+                </a:solidFill>
+              </a:defRPr>
             </a:lvl9pPr>
           </a:lstStyle>
           <a:p/>
@@ -3056,7 +1831,7 @@
       </p:sp>
       <p:sp>
         <p:nvSpPr>
-          <p:cNvPr id="127" name="Google Shape;127;p11"/>
+          <p:cNvPr id="57" name="Google Shape;57;p11"/>
           <p:cNvSpPr txBox="1"/>
           <p:nvPr>
             <p:ph idx="12" type="sldNum"/>
@@ -3078,39 +1853,75 @@
           <a:lstStyle>
             <a:lvl1pPr lvl="0">
               <a:buNone/>
-              <a:defRPr/>
+              <a:defRPr>
+                <a:solidFill>
+                  <a:schemeClr val="lt1"/>
+                </a:solidFill>
+              </a:defRPr>
             </a:lvl1pPr>
             <a:lvl2pPr lvl="1">
               <a:buNone/>
-              <a:defRPr/>
+              <a:defRPr>
+                <a:solidFill>
+                  <a:schemeClr val="lt1"/>
+                </a:solidFill>
+              </a:defRPr>
             </a:lvl2pPr>
             <a:lvl3pPr lvl="2">
               <a:buNone/>
-              <a:defRPr/>
+              <a:defRPr>
+                <a:solidFill>
+                  <a:schemeClr val="lt1"/>
+                </a:solidFill>
+              </a:defRPr>
             </a:lvl3pPr>
             <a:lvl4pPr lvl="3">
               <a:buNone/>
-              <a:defRPr/>
+              <a:defRPr>
+                <a:solidFill>
+                  <a:schemeClr val="lt1"/>
+                </a:solidFill>
+              </a:defRPr>
             </a:lvl4pPr>
             <a:lvl5pPr lvl="4">
               <a:buNone/>
-              <a:defRPr/>
+              <a:defRPr>
+                <a:solidFill>
+                  <a:schemeClr val="lt1"/>
+                </a:solidFill>
+              </a:defRPr>
             </a:lvl5pPr>
             <a:lvl6pPr lvl="5">
               <a:buNone/>
-              <a:defRPr/>
+              <a:defRPr>
+                <a:solidFill>
+                  <a:schemeClr val="lt1"/>
+                </a:solidFill>
+              </a:defRPr>
             </a:lvl6pPr>
             <a:lvl7pPr lvl="6">
               <a:buNone/>
-              <a:defRPr/>
+              <a:defRPr>
+                <a:solidFill>
+                  <a:schemeClr val="lt1"/>
+                </a:solidFill>
+              </a:defRPr>
             </a:lvl7pPr>
             <a:lvl8pPr lvl="7">
               <a:buNone/>
-              <a:defRPr/>
+              <a:defRPr>
+                <a:solidFill>
+                  <a:schemeClr val="lt1"/>
+                </a:solidFill>
+              </a:defRPr>
             </a:lvl8pPr>
             <a:lvl9pPr lvl="8">
               <a:buNone/>
-              <a:defRPr/>
+              <a:defRPr>
+                <a:solidFill>
+                  <a:schemeClr val="lt1"/>
+                </a:solidFill>
+              </a:defRPr>
             </a:lvl9pPr>
           </a:lstStyle>
           <a:p>
@@ -3144,7 +1955,7 @@
   <p:cSld name="BLANK">
     <p:spTree>
       <p:nvGrpSpPr>
-        <p:cNvPr id="128" name="Shape 128"/>
+        <p:cNvPr id="58" name="Shape 58"/>
         <p:cNvGrpSpPr/>
         <p:nvPr/>
       </p:nvGrpSpPr>
@@ -3158,7 +1969,7 @@
       </p:grpSpPr>
       <p:sp>
         <p:nvSpPr>
-          <p:cNvPr id="129" name="Google Shape;129;p12"/>
+          <p:cNvPr id="59" name="Google Shape;59;p12"/>
           <p:cNvSpPr txBox="1"/>
           <p:nvPr>
             <p:ph idx="12" type="sldNum"/>
@@ -3244,9 +2055,16 @@
 <file path=ppt/slideLayouts/slideLayout2.xml><?xml version="1.0" encoding="utf-8"?>
 <p:sldLayout xmlns:a="http://schemas.openxmlformats.org/drawingml/2006/main" xmlns:r="http://schemas.openxmlformats.org/officeDocument/2006/relationships" xmlns:mc="http://schemas.openxmlformats.org/markup-compatibility/2006" xmlns:mv="urn:schemas-microsoft-com:mac:vml" xmlns:p="http://schemas.openxmlformats.org/presentationml/2006/main" xmlns:c="http://schemas.openxmlformats.org/drawingml/2006/chart" xmlns:dgm="http://schemas.openxmlformats.org/drawingml/2006/diagram" xmlns:o="urn:schemas-microsoft-com:office:office" xmlns:v="urn:schemas-microsoft-com:vml" xmlns:pvml="urn:schemas-microsoft-com:office:powerpoint" xmlns:com="http://schemas.openxmlformats.org/drawingml/2006/compatibility" xmlns:p14="http://schemas.microsoft.com/office/powerpoint/2010/main" xmlns:p15="http://schemas.microsoft.com/office/powerpoint/2012/main" xmlns:ahyp="http://schemas.microsoft.com/office/drawing/2018/hyperlinkcolor" matchingName="Section header" type="secHead">
   <p:cSld name="SECTION_HEADER">
+    <p:bg>
+      <p:bgPr>
+        <a:solidFill>
+          <a:schemeClr val="accent3"/>
+        </a:solidFill>
+      </p:bgPr>
+    </p:bg>
     <p:spTree>
       <p:nvGrpSpPr>
-        <p:cNvPr id="19" name="Shape 19"/>
+        <p:cNvPr id="14" name="Shape 14"/>
         <p:cNvGrpSpPr/>
         <p:nvPr/>
       </p:nvGrpSpPr>
@@ -3258,866 +2076,87 @@
           <a:chExt cx="0" cy="0"/>
         </a:xfrm>
       </p:grpSpPr>
-      <p:grpSp>
-        <p:nvGrpSpPr>
-          <p:cNvPr id="20" name="Google Shape;20;p3"/>
-          <p:cNvGrpSpPr/>
-          <p:nvPr/>
-        </p:nvGrpSpPr>
-        <p:grpSpPr>
-          <a:xfrm>
-            <a:off x="4406400" y="0"/>
-            <a:ext cx="4737600" cy="5143065"/>
-            <a:chOff x="4406400" y="0"/>
-            <a:chExt cx="4737600" cy="5143065"/>
-          </a:xfrm>
-        </p:grpSpPr>
-        <p:sp>
-          <p:nvSpPr>
-            <p:cNvPr id="21" name="Google Shape;21;p3"/>
-            <p:cNvSpPr/>
-            <p:nvPr/>
-          </p:nvSpPr>
-          <p:spPr>
-            <a:xfrm rot="5400000">
-              <a:off x="4408200" y="-1800"/>
-              <a:ext cx="4734000" cy="4737600"/>
-            </a:xfrm>
-            <a:prstGeom prst="diagStripe">
-              <a:avLst>
-                <a:gd fmla="val 49469" name="adj"/>
-              </a:avLst>
-            </a:prstGeom>
-            <a:solidFill>
-              <a:schemeClr val="lt1">
-                <a:alpha val="3460"/>
-              </a:schemeClr>
-            </a:solidFill>
-            <a:ln>
-              <a:noFill/>
-            </a:ln>
-          </p:spPr>
-          <p:txBody>
-            <a:bodyPr anchorCtr="0" anchor="ctr" bIns="91425" lIns="91425" spcFirstLastPara="1" rIns="91425" wrap="square" tIns="91425">
-              <a:noAutofit/>
-            </a:bodyPr>
-            <a:lstStyle/>
-            <a:p>
-              <a:pPr indent="0" lvl="0" marL="0" rtl="0" algn="l">
-                <a:spcBef>
-                  <a:spcPts val="0"/>
-                </a:spcBef>
-                <a:spcAft>
-                  <a:spcPts val="0"/>
-                </a:spcAft>
-                <a:buNone/>
-              </a:pPr>
-              <a:r>
-                <a:t/>
-              </a:r>
-              <a:endParaRPr/>
-            </a:p>
-          </p:txBody>
-        </p:sp>
-        <p:sp>
-          <p:nvSpPr>
-            <p:cNvPr id="22" name="Google Shape;22;p3"/>
-            <p:cNvSpPr/>
-            <p:nvPr/>
-          </p:nvSpPr>
-          <p:spPr>
-            <a:xfrm rot="5400000">
-              <a:off x="4841125" y="5700"/>
-              <a:ext cx="4298100" cy="4286700"/>
-            </a:xfrm>
-            <a:prstGeom prst="diagStripe">
-              <a:avLst>
-                <a:gd fmla="val 0" name="adj"/>
-              </a:avLst>
-            </a:prstGeom>
-            <a:solidFill>
-              <a:schemeClr val="lt1">
-                <a:alpha val="3460"/>
-              </a:schemeClr>
-            </a:solidFill>
-            <a:ln>
-              <a:noFill/>
-            </a:ln>
-          </p:spPr>
-          <p:txBody>
-            <a:bodyPr anchorCtr="0" anchor="ctr" bIns="91425" lIns="91425" spcFirstLastPara="1" rIns="91425" wrap="square" tIns="91425">
-              <a:noAutofit/>
-            </a:bodyPr>
-            <a:lstStyle/>
-            <a:p>
-              <a:pPr indent="0" lvl="0" marL="0" rtl="0" algn="l">
-                <a:spcBef>
-                  <a:spcPts val="0"/>
-                </a:spcBef>
-                <a:spcAft>
-                  <a:spcPts val="0"/>
-                </a:spcAft>
-                <a:buNone/>
-              </a:pPr>
-              <a:r>
-                <a:t/>
-              </a:r>
-              <a:endParaRPr/>
-            </a:p>
-          </p:txBody>
-        </p:sp>
-        <p:sp>
-          <p:nvSpPr>
-            <p:cNvPr id="23" name="Google Shape;23;p3"/>
-            <p:cNvSpPr/>
-            <p:nvPr/>
-          </p:nvSpPr>
-          <p:spPr>
-            <a:xfrm rot="-5400000">
-              <a:off x="5618399" y="1236468"/>
-              <a:ext cx="808800" cy="808800"/>
-            </a:xfrm>
-            <a:prstGeom prst="diagStripe">
-              <a:avLst>
-                <a:gd fmla="val 50000" name="adj"/>
-              </a:avLst>
-            </a:prstGeom>
-            <a:solidFill>
-              <a:schemeClr val="lt1">
-                <a:alpha val="7310"/>
-              </a:schemeClr>
-            </a:solidFill>
-            <a:ln>
-              <a:noFill/>
-            </a:ln>
-          </p:spPr>
-          <p:txBody>
-            <a:bodyPr anchorCtr="0" anchor="ctr" bIns="91425" lIns="91425" spcFirstLastPara="1" rIns="91425" wrap="square" tIns="91425">
-              <a:noAutofit/>
-            </a:bodyPr>
-            <a:lstStyle/>
-            <a:p>
-              <a:pPr indent="0" lvl="0" marL="0" rtl="0" algn="l">
-                <a:spcBef>
-                  <a:spcPts val="0"/>
-                </a:spcBef>
-                <a:spcAft>
-                  <a:spcPts val="0"/>
-                </a:spcAft>
-                <a:buNone/>
-              </a:pPr>
-              <a:r>
-                <a:t/>
-              </a:r>
-              <a:endParaRPr/>
-            </a:p>
-          </p:txBody>
-        </p:sp>
-        <p:sp>
-          <p:nvSpPr>
-            <p:cNvPr id="24" name="Google Shape;24;p3"/>
-            <p:cNvSpPr/>
-            <p:nvPr/>
-          </p:nvSpPr>
-          <p:spPr>
-            <a:xfrm flipH="1">
-              <a:off x="5849857" y="1443956"/>
-              <a:ext cx="808800" cy="808800"/>
-            </a:xfrm>
-            <a:prstGeom prst="diagStripe">
-              <a:avLst>
-                <a:gd fmla="val 50000" name="adj"/>
-              </a:avLst>
-            </a:prstGeom>
-            <a:solidFill>
-              <a:schemeClr val="lt1">
-                <a:alpha val="7310"/>
-              </a:schemeClr>
-            </a:solidFill>
-            <a:ln>
-              <a:noFill/>
-            </a:ln>
-          </p:spPr>
-          <p:txBody>
-            <a:bodyPr anchorCtr="0" anchor="ctr" bIns="91425" lIns="91425" spcFirstLastPara="1" rIns="91425" wrap="square" tIns="91425">
-              <a:noAutofit/>
-            </a:bodyPr>
-            <a:lstStyle/>
-            <a:p>
-              <a:pPr indent="0" lvl="0" marL="0" rtl="0" algn="l">
-                <a:spcBef>
-                  <a:spcPts val="0"/>
-                </a:spcBef>
-                <a:spcAft>
-                  <a:spcPts val="0"/>
-                </a:spcAft>
-                <a:buNone/>
-              </a:pPr>
-              <a:r>
-                <a:t/>
-              </a:r>
-              <a:endParaRPr/>
-            </a:p>
-          </p:txBody>
-        </p:sp>
-        <p:sp>
-          <p:nvSpPr>
-            <p:cNvPr id="25" name="Google Shape;25;p3"/>
-            <p:cNvSpPr/>
-            <p:nvPr/>
-          </p:nvSpPr>
-          <p:spPr>
-            <a:xfrm rot="-5400000">
-              <a:off x="5987081" y="2469465"/>
-              <a:ext cx="808800" cy="808800"/>
-            </a:xfrm>
-            <a:prstGeom prst="diagStripe">
-              <a:avLst>
-                <a:gd fmla="val 50000" name="adj"/>
-              </a:avLst>
-            </a:prstGeom>
-            <a:solidFill>
-              <a:schemeClr val="lt1">
-                <a:alpha val="7310"/>
-              </a:schemeClr>
-            </a:solidFill>
-            <a:ln>
-              <a:noFill/>
-            </a:ln>
-          </p:spPr>
-          <p:txBody>
-            <a:bodyPr anchorCtr="0" anchor="ctr" bIns="91425" lIns="91425" spcFirstLastPara="1" rIns="91425" wrap="square" tIns="91425">
-              <a:noAutofit/>
-            </a:bodyPr>
-            <a:lstStyle/>
-            <a:p>
-              <a:pPr indent="0" lvl="0" marL="0" rtl="0" algn="l">
-                <a:spcBef>
-                  <a:spcPts val="0"/>
-                </a:spcBef>
-                <a:spcAft>
-                  <a:spcPts val="0"/>
-                </a:spcAft>
-                <a:buNone/>
-              </a:pPr>
-              <a:r>
-                <a:t/>
-              </a:r>
-              <a:endParaRPr/>
-            </a:p>
-          </p:txBody>
-        </p:sp>
-        <p:sp>
-          <p:nvSpPr>
-            <p:cNvPr id="26" name="Google Shape;26;p3"/>
-            <p:cNvSpPr/>
-            <p:nvPr/>
-          </p:nvSpPr>
-          <p:spPr>
-            <a:xfrm flipH="1">
-              <a:off x="6222115" y="2676953"/>
-              <a:ext cx="808800" cy="808800"/>
-            </a:xfrm>
-            <a:prstGeom prst="diagStripe">
-              <a:avLst>
-                <a:gd fmla="val 50000" name="adj"/>
-              </a:avLst>
-            </a:prstGeom>
-            <a:solidFill>
-              <a:schemeClr val="lt1">
-                <a:alpha val="7310"/>
-              </a:schemeClr>
-            </a:solidFill>
-            <a:ln>
-              <a:noFill/>
-            </a:ln>
-          </p:spPr>
-          <p:txBody>
-            <a:bodyPr anchorCtr="0" anchor="ctr" bIns="91425" lIns="91425" spcFirstLastPara="1" rIns="91425" wrap="square" tIns="91425">
-              <a:noAutofit/>
-            </a:bodyPr>
-            <a:lstStyle/>
-            <a:p>
-              <a:pPr indent="0" lvl="0" marL="0" rtl="0" algn="l">
-                <a:spcBef>
-                  <a:spcPts val="0"/>
-                </a:spcBef>
-                <a:spcAft>
-                  <a:spcPts val="0"/>
-                </a:spcAft>
-                <a:buNone/>
-              </a:pPr>
-              <a:r>
-                <a:t/>
-              </a:r>
-              <a:endParaRPr/>
-            </a:p>
-          </p:txBody>
-        </p:sp>
-        <p:sp>
-          <p:nvSpPr>
-            <p:cNvPr id="27" name="Google Shape;27;p3"/>
-            <p:cNvSpPr/>
-            <p:nvPr/>
-          </p:nvSpPr>
-          <p:spPr>
-            <a:xfrm rot="-5400000">
-              <a:off x="6675341" y="1862018"/>
-              <a:ext cx="808800" cy="808800"/>
-            </a:xfrm>
-            <a:prstGeom prst="diagStripe">
-              <a:avLst>
-                <a:gd fmla="val 50000" name="adj"/>
-              </a:avLst>
-            </a:prstGeom>
-            <a:solidFill>
-              <a:schemeClr val="lt1">
-                <a:alpha val="7310"/>
-              </a:schemeClr>
-            </a:solidFill>
-            <a:ln>
-              <a:noFill/>
-            </a:ln>
-          </p:spPr>
-          <p:txBody>
-            <a:bodyPr anchorCtr="0" anchor="ctr" bIns="91425" lIns="91425" spcFirstLastPara="1" rIns="91425" wrap="square" tIns="91425">
-              <a:noAutofit/>
-            </a:bodyPr>
-            <a:lstStyle/>
-            <a:p>
-              <a:pPr indent="0" lvl="0" marL="0" rtl="0" algn="l">
-                <a:spcBef>
-                  <a:spcPts val="0"/>
-                </a:spcBef>
-                <a:spcAft>
-                  <a:spcPts val="0"/>
-                </a:spcAft>
-                <a:buNone/>
-              </a:pPr>
-              <a:r>
-                <a:t/>
-              </a:r>
-              <a:endParaRPr/>
-            </a:p>
-          </p:txBody>
-        </p:sp>
-        <p:sp>
-          <p:nvSpPr>
-            <p:cNvPr id="28" name="Google Shape;28;p3"/>
-            <p:cNvSpPr/>
-            <p:nvPr/>
-          </p:nvSpPr>
-          <p:spPr>
-            <a:xfrm flipH="1">
-              <a:off x="6908099" y="2069505"/>
-              <a:ext cx="808800" cy="808800"/>
-            </a:xfrm>
-            <a:prstGeom prst="diagStripe">
-              <a:avLst>
-                <a:gd fmla="val 50000" name="adj"/>
-              </a:avLst>
-            </a:prstGeom>
-            <a:solidFill>
-              <a:schemeClr val="lt2"/>
-            </a:solidFill>
-            <a:ln>
-              <a:noFill/>
-            </a:ln>
-          </p:spPr>
-          <p:txBody>
-            <a:bodyPr anchorCtr="0" anchor="ctr" bIns="91425" lIns="91425" spcFirstLastPara="1" rIns="91425" wrap="square" tIns="91425">
-              <a:noAutofit/>
-            </a:bodyPr>
-            <a:lstStyle/>
-            <a:p>
-              <a:pPr indent="0" lvl="0" marL="0" rtl="0" algn="l">
-                <a:spcBef>
-                  <a:spcPts val="0"/>
-                </a:spcBef>
-                <a:spcAft>
-                  <a:spcPts val="0"/>
-                </a:spcAft>
-                <a:buNone/>
-              </a:pPr>
-              <a:r>
-                <a:t/>
-              </a:r>
-              <a:endParaRPr/>
-            </a:p>
-          </p:txBody>
-        </p:sp>
-        <p:sp>
-          <p:nvSpPr>
-            <p:cNvPr id="29" name="Google Shape;29;p3"/>
-            <p:cNvSpPr/>
-            <p:nvPr/>
-          </p:nvSpPr>
-          <p:spPr>
-            <a:xfrm rot="-5400000">
-              <a:off x="6861141" y="2477810"/>
-              <a:ext cx="808800" cy="808800"/>
-            </a:xfrm>
-            <a:prstGeom prst="diagStripe">
-              <a:avLst>
-                <a:gd fmla="val 50000" name="adj"/>
-              </a:avLst>
-            </a:prstGeom>
-            <a:solidFill>
-              <a:schemeClr val="lt1">
-                <a:alpha val="7310"/>
-              </a:schemeClr>
-            </a:solidFill>
-            <a:ln>
-              <a:noFill/>
-            </a:ln>
-          </p:spPr>
-          <p:txBody>
-            <a:bodyPr anchorCtr="0" anchor="ctr" bIns="91425" lIns="91425" spcFirstLastPara="1" rIns="91425" wrap="square" tIns="91425">
-              <a:noAutofit/>
-            </a:bodyPr>
-            <a:lstStyle/>
-            <a:p>
-              <a:pPr indent="0" lvl="0" marL="0" rtl="0" algn="l">
-                <a:spcBef>
-                  <a:spcPts val="0"/>
-                </a:spcBef>
-                <a:spcAft>
-                  <a:spcPts val="0"/>
-                </a:spcAft>
-                <a:buNone/>
-              </a:pPr>
-              <a:r>
-                <a:t/>
-              </a:r>
-              <a:endParaRPr/>
-            </a:p>
-          </p:txBody>
-        </p:sp>
-        <p:sp>
-          <p:nvSpPr>
-            <p:cNvPr id="30" name="Google Shape;30;p3"/>
-            <p:cNvSpPr/>
-            <p:nvPr/>
-          </p:nvSpPr>
-          <p:spPr>
-            <a:xfrm flipH="1">
-              <a:off x="7965266" y="2692963"/>
-              <a:ext cx="808800" cy="808800"/>
-            </a:xfrm>
-            <a:prstGeom prst="diagStripe">
-              <a:avLst>
-                <a:gd fmla="val 50000" name="adj"/>
-              </a:avLst>
-            </a:prstGeom>
-            <a:solidFill>
-              <a:schemeClr val="lt1">
-                <a:alpha val="7310"/>
-              </a:schemeClr>
-            </a:solidFill>
-            <a:ln>
-              <a:noFill/>
-            </a:ln>
-          </p:spPr>
-          <p:txBody>
-            <a:bodyPr anchorCtr="0" anchor="ctr" bIns="91425" lIns="91425" spcFirstLastPara="1" rIns="91425" wrap="square" tIns="91425">
-              <a:noAutofit/>
-            </a:bodyPr>
-            <a:lstStyle/>
-            <a:p>
-              <a:pPr indent="0" lvl="0" marL="0" rtl="0" algn="l">
-                <a:spcBef>
-                  <a:spcPts val="0"/>
-                </a:spcBef>
-                <a:spcAft>
-                  <a:spcPts val="0"/>
-                </a:spcAft>
-                <a:buNone/>
-              </a:pPr>
-              <a:r>
-                <a:t/>
-              </a:r>
-              <a:endParaRPr/>
-            </a:p>
-          </p:txBody>
-        </p:sp>
-        <p:sp>
-          <p:nvSpPr>
-            <p:cNvPr id="31" name="Google Shape;31;p3"/>
-            <p:cNvSpPr/>
-            <p:nvPr/>
-          </p:nvSpPr>
-          <p:spPr>
-            <a:xfrm flipH="1">
-              <a:off x="8145082" y="3308755"/>
-              <a:ext cx="808800" cy="808800"/>
-            </a:xfrm>
-            <a:prstGeom prst="diagStripe">
-              <a:avLst>
-                <a:gd fmla="val 50000" name="adj"/>
-              </a:avLst>
-            </a:prstGeom>
-            <a:solidFill>
-              <a:schemeClr val="lt1">
-                <a:alpha val="7310"/>
-              </a:schemeClr>
-            </a:solidFill>
-            <a:ln>
-              <a:noFill/>
-            </a:ln>
-          </p:spPr>
-          <p:txBody>
-            <a:bodyPr anchorCtr="0" anchor="ctr" bIns="91425" lIns="91425" spcFirstLastPara="1" rIns="91425" wrap="square" tIns="91425">
-              <a:noAutofit/>
-            </a:bodyPr>
-            <a:lstStyle/>
-            <a:p>
-              <a:pPr indent="0" lvl="0" marL="0" rtl="0" algn="l">
-                <a:spcBef>
-                  <a:spcPts val="0"/>
-                </a:spcBef>
-                <a:spcAft>
-                  <a:spcPts val="0"/>
-                </a:spcAft>
-                <a:buNone/>
-              </a:pPr>
-              <a:r>
-                <a:t/>
-              </a:r>
-              <a:endParaRPr/>
-            </a:p>
-          </p:txBody>
-        </p:sp>
-        <p:sp>
-          <p:nvSpPr>
-            <p:cNvPr id="32" name="Google Shape;32;p3"/>
-            <p:cNvSpPr/>
-            <p:nvPr/>
-          </p:nvSpPr>
-          <p:spPr>
-            <a:xfrm rot="-5400000">
-              <a:off x="7047599" y="3095015"/>
-              <a:ext cx="808800" cy="808800"/>
-            </a:xfrm>
-            <a:prstGeom prst="diagStripe">
-              <a:avLst>
-                <a:gd fmla="val 50000" name="adj"/>
-              </a:avLst>
-            </a:prstGeom>
-            <a:solidFill>
-              <a:schemeClr val="lt1">
-                <a:alpha val="7310"/>
-              </a:schemeClr>
-            </a:solidFill>
-            <a:ln>
-              <a:noFill/>
-            </a:ln>
-          </p:spPr>
-          <p:txBody>
-            <a:bodyPr anchorCtr="0" anchor="ctr" bIns="91425" lIns="91425" spcFirstLastPara="1" rIns="91425" wrap="square" tIns="91425">
-              <a:noAutofit/>
-            </a:bodyPr>
-            <a:lstStyle/>
-            <a:p>
-              <a:pPr indent="0" lvl="0" marL="0" rtl="0" algn="l">
-                <a:spcBef>
-                  <a:spcPts val="0"/>
-                </a:spcBef>
-                <a:spcAft>
-                  <a:spcPts val="0"/>
-                </a:spcAft>
-                <a:buNone/>
-              </a:pPr>
-              <a:r>
-                <a:t/>
-              </a:r>
-              <a:endParaRPr/>
-            </a:p>
-          </p:txBody>
-        </p:sp>
-        <p:sp>
-          <p:nvSpPr>
-            <p:cNvPr id="33" name="Google Shape;33;p3"/>
-            <p:cNvSpPr/>
-            <p:nvPr/>
-          </p:nvSpPr>
-          <p:spPr>
-            <a:xfrm flipH="1">
-              <a:off x="7276649" y="3302502"/>
-              <a:ext cx="808800" cy="808800"/>
-            </a:xfrm>
-            <a:prstGeom prst="diagStripe">
-              <a:avLst>
-                <a:gd fmla="val 50000" name="adj"/>
-              </a:avLst>
-            </a:prstGeom>
-            <a:solidFill>
-              <a:schemeClr val="lt1">
-                <a:alpha val="7310"/>
-              </a:schemeClr>
-            </a:solidFill>
-            <a:ln>
-              <a:noFill/>
-            </a:ln>
-          </p:spPr>
-          <p:txBody>
-            <a:bodyPr anchorCtr="0" anchor="ctr" bIns="91425" lIns="91425" spcFirstLastPara="1" rIns="91425" wrap="square" tIns="91425">
-              <a:noAutofit/>
-            </a:bodyPr>
-            <a:lstStyle/>
-            <a:p>
-              <a:pPr indent="0" lvl="0" marL="0" rtl="0" algn="l">
-                <a:spcBef>
-                  <a:spcPts val="0"/>
-                </a:spcBef>
-                <a:spcAft>
-                  <a:spcPts val="0"/>
-                </a:spcAft>
-                <a:buNone/>
-              </a:pPr>
-              <a:r>
-                <a:t/>
-              </a:r>
-              <a:endParaRPr/>
-            </a:p>
-          </p:txBody>
-        </p:sp>
-        <p:sp>
-          <p:nvSpPr>
-            <p:cNvPr id="34" name="Google Shape;34;p3"/>
-            <p:cNvSpPr/>
-            <p:nvPr/>
-          </p:nvSpPr>
-          <p:spPr>
-            <a:xfrm rot="-5400000">
-              <a:off x="7227414" y="3710807"/>
-              <a:ext cx="808800" cy="808800"/>
-            </a:xfrm>
-            <a:prstGeom prst="diagStripe">
-              <a:avLst>
-                <a:gd fmla="val 50000" name="adj"/>
-              </a:avLst>
-            </a:prstGeom>
-            <a:solidFill>
-              <a:schemeClr val="accent1"/>
-            </a:solidFill>
-            <a:ln>
-              <a:noFill/>
-            </a:ln>
-          </p:spPr>
-          <p:txBody>
-            <a:bodyPr anchorCtr="0" anchor="ctr" bIns="91425" lIns="91425" spcFirstLastPara="1" rIns="91425" wrap="square" tIns="91425">
-              <a:noAutofit/>
-            </a:bodyPr>
-            <a:lstStyle/>
-            <a:p>
-              <a:pPr indent="0" lvl="0" marL="0" rtl="0" algn="l">
-                <a:spcBef>
-                  <a:spcPts val="0"/>
-                </a:spcBef>
-                <a:spcAft>
-                  <a:spcPts val="0"/>
-                </a:spcAft>
-                <a:buNone/>
-              </a:pPr>
-              <a:r>
-                <a:t/>
-              </a:r>
-              <a:endParaRPr/>
-            </a:p>
-          </p:txBody>
-        </p:sp>
-        <p:sp>
-          <p:nvSpPr>
-            <p:cNvPr id="35" name="Google Shape;35;p3"/>
-            <p:cNvSpPr/>
-            <p:nvPr/>
-          </p:nvSpPr>
-          <p:spPr>
-            <a:xfrm flipH="1">
-              <a:off x="7462448" y="3918294"/>
-              <a:ext cx="808800" cy="808800"/>
-            </a:xfrm>
-            <a:prstGeom prst="diagStripe">
-              <a:avLst>
-                <a:gd fmla="val 50000" name="adj"/>
-              </a:avLst>
-            </a:prstGeom>
-            <a:solidFill>
-              <a:schemeClr val="lt1">
-                <a:alpha val="7310"/>
-              </a:schemeClr>
-            </a:solidFill>
-            <a:ln>
-              <a:noFill/>
-            </a:ln>
-          </p:spPr>
-          <p:txBody>
-            <a:bodyPr anchorCtr="0" anchor="ctr" bIns="91425" lIns="91425" spcFirstLastPara="1" rIns="91425" wrap="square" tIns="91425">
-              <a:noAutofit/>
-            </a:bodyPr>
-            <a:lstStyle/>
-            <a:p>
-              <a:pPr indent="0" lvl="0" marL="0" rtl="0" algn="l">
-                <a:spcBef>
-                  <a:spcPts val="0"/>
-                </a:spcBef>
-                <a:spcAft>
-                  <a:spcPts val="0"/>
-                </a:spcAft>
-                <a:buNone/>
-              </a:pPr>
-              <a:r>
-                <a:t/>
-              </a:r>
-              <a:endParaRPr/>
-            </a:p>
-          </p:txBody>
-        </p:sp>
-        <p:sp>
-          <p:nvSpPr>
-            <p:cNvPr id="36" name="Google Shape;36;p3"/>
-            <p:cNvSpPr/>
-            <p:nvPr/>
-          </p:nvSpPr>
-          <p:spPr>
-            <a:xfrm rot="-5400000">
-              <a:off x="8102491" y="3718473"/>
-              <a:ext cx="808800" cy="808800"/>
-            </a:xfrm>
-            <a:prstGeom prst="diagStripe">
-              <a:avLst>
-                <a:gd fmla="val 50000" name="adj"/>
-              </a:avLst>
-            </a:prstGeom>
-            <a:solidFill>
-              <a:schemeClr val="lt1">
-                <a:alpha val="7310"/>
-              </a:schemeClr>
-            </a:solidFill>
-            <a:ln>
-              <a:noFill/>
-            </a:ln>
-          </p:spPr>
-          <p:txBody>
-            <a:bodyPr anchorCtr="0" anchor="ctr" bIns="91425" lIns="91425" spcFirstLastPara="1" rIns="91425" wrap="square" tIns="91425">
-              <a:noAutofit/>
-            </a:bodyPr>
-            <a:lstStyle/>
-            <a:p>
-              <a:pPr indent="0" lvl="0" marL="0" rtl="0" algn="l">
-                <a:spcBef>
-                  <a:spcPts val="0"/>
-                </a:spcBef>
-                <a:spcAft>
-                  <a:spcPts val="0"/>
-                </a:spcAft>
-                <a:buNone/>
-              </a:pPr>
-              <a:r>
-                <a:t/>
-              </a:r>
-              <a:endParaRPr/>
-            </a:p>
-          </p:txBody>
-        </p:sp>
-        <p:sp>
-          <p:nvSpPr>
-            <p:cNvPr id="37" name="Google Shape;37;p3"/>
-            <p:cNvSpPr/>
-            <p:nvPr/>
-          </p:nvSpPr>
-          <p:spPr>
-            <a:xfrm flipH="1">
-              <a:off x="8334533" y="3925960"/>
-              <a:ext cx="808800" cy="808800"/>
-            </a:xfrm>
-            <a:prstGeom prst="diagStripe">
-              <a:avLst>
-                <a:gd fmla="val 50000" name="adj"/>
-              </a:avLst>
-            </a:prstGeom>
-            <a:solidFill>
-              <a:schemeClr val="lt1">
-                <a:alpha val="7310"/>
-              </a:schemeClr>
-            </a:solidFill>
-            <a:ln>
-              <a:noFill/>
-            </a:ln>
-          </p:spPr>
-          <p:txBody>
-            <a:bodyPr anchorCtr="0" anchor="ctr" bIns="91425" lIns="91425" spcFirstLastPara="1" rIns="91425" wrap="square" tIns="91425">
-              <a:noAutofit/>
-            </a:bodyPr>
-            <a:lstStyle/>
-            <a:p>
-              <a:pPr indent="0" lvl="0" marL="0" rtl="0" algn="l">
-                <a:spcBef>
-                  <a:spcPts val="0"/>
-                </a:spcBef>
-                <a:spcAft>
-                  <a:spcPts val="0"/>
-                </a:spcAft>
-                <a:buNone/>
-              </a:pPr>
-              <a:r>
-                <a:t/>
-              </a:r>
-              <a:endParaRPr/>
-            </a:p>
-          </p:txBody>
-        </p:sp>
-        <p:sp>
-          <p:nvSpPr>
-            <p:cNvPr id="38" name="Google Shape;38;p3"/>
-            <p:cNvSpPr/>
-            <p:nvPr/>
-          </p:nvSpPr>
-          <p:spPr>
-            <a:xfrm rot="-5400000">
-              <a:off x="8288290" y="4334265"/>
-              <a:ext cx="808800" cy="808800"/>
-            </a:xfrm>
-            <a:prstGeom prst="diagStripe">
-              <a:avLst>
-                <a:gd fmla="val 50000" name="adj"/>
-              </a:avLst>
-            </a:prstGeom>
-            <a:solidFill>
-              <a:schemeClr val="lt1">
-                <a:alpha val="7310"/>
-              </a:schemeClr>
-            </a:solidFill>
-            <a:ln>
-              <a:noFill/>
-            </a:ln>
-          </p:spPr>
-          <p:txBody>
-            <a:bodyPr anchorCtr="0" anchor="ctr" bIns="91425" lIns="91425" spcFirstLastPara="1" rIns="91425" wrap="square" tIns="91425">
-              <a:noAutofit/>
-            </a:bodyPr>
-            <a:lstStyle/>
-            <a:p>
-              <a:pPr indent="0" lvl="0" marL="0" rtl="0" algn="l">
-                <a:spcBef>
-                  <a:spcPts val="0"/>
-                </a:spcBef>
-                <a:spcAft>
-                  <a:spcPts val="0"/>
-                </a:spcAft>
-                <a:buNone/>
-              </a:pPr>
-              <a:r>
-                <a:t/>
-              </a:r>
-              <a:endParaRPr/>
-            </a:p>
-          </p:txBody>
-        </p:sp>
-      </p:grpSp>
       <p:sp>
         <p:nvSpPr>
-          <p:cNvPr id="39" name="Google Shape;39;p3"/>
+          <p:cNvPr id="15" name="Google Shape;15;p3"/>
+          <p:cNvSpPr/>
+          <p:nvPr/>
+        </p:nvSpPr>
+        <p:spPr>
+          <a:xfrm>
+            <a:off x="0" y="48099"/>
+            <a:ext cx="9144250" cy="4398100"/>
+          </a:xfrm>
+          <a:custGeom>
+            <a:rect b="b" l="l" r="r" t="t"/>
+            <a:pathLst>
+              <a:path extrusionOk="0" h="175924" w="365770">
+                <a:moveTo>
+                  <a:pt x="0" y="0"/>
+                </a:moveTo>
+                <a:lnTo>
+                  <a:pt x="365770" y="0"/>
+                </a:lnTo>
+                <a:lnTo>
+                  <a:pt x="365760" y="70914"/>
+                </a:lnTo>
+                <a:lnTo>
+                  <a:pt x="0" y="175924"/>
+                </a:lnTo>
+                <a:close/>
+              </a:path>
+            </a:pathLst>
+          </a:custGeom>
+          <a:solidFill>
+            <a:schemeClr val="lt1"/>
+          </a:solidFill>
+          <a:ln>
+            <a:noFill/>
+          </a:ln>
+        </p:spPr>
+      </p:sp>
+      <p:sp>
+        <p:nvSpPr>
+          <p:cNvPr id="16" name="Google Shape;16;p3"/>
+          <p:cNvSpPr/>
+          <p:nvPr/>
+        </p:nvSpPr>
+        <p:spPr>
+          <a:xfrm>
+            <a:off x="0" y="0"/>
+            <a:ext cx="9144250" cy="4398100"/>
+          </a:xfrm>
+          <a:custGeom>
+            <a:rect b="b" l="l" r="r" t="t"/>
+            <a:pathLst>
+              <a:path extrusionOk="0" h="175924" w="365770">
+                <a:moveTo>
+                  <a:pt x="0" y="0"/>
+                </a:moveTo>
+                <a:lnTo>
+                  <a:pt x="365770" y="0"/>
+                </a:lnTo>
+                <a:lnTo>
+                  <a:pt x="365760" y="70914"/>
+                </a:lnTo>
+                <a:lnTo>
+                  <a:pt x="0" y="175924"/>
+                </a:lnTo>
+                <a:close/>
+              </a:path>
+            </a:pathLst>
+          </a:custGeom>
+          <a:solidFill>
+            <a:schemeClr val="accent3"/>
+          </a:solidFill>
+          <a:ln>
+            <a:noFill/>
+          </a:ln>
+        </p:spPr>
+      </p:sp>
+      <p:sp>
+        <p:nvSpPr>
+          <p:cNvPr id="17" name="Google Shape;17;p3"/>
           <p:cNvSpPr txBox="1"/>
           <p:nvPr>
             <p:ph type="title"/>
@@ -4125,15 +2164,15 @@
         </p:nvSpPr>
         <p:spPr>
           <a:xfrm>
-            <a:off x="823850" y="2053000"/>
-            <a:ext cx="4587000" cy="1148700"/>
+            <a:off x="311700" y="539725"/>
+            <a:ext cx="8520600" cy="1282500"/>
           </a:xfrm>
           <a:prstGeom prst="rect">
             <a:avLst/>
           </a:prstGeom>
         </p:spPr>
         <p:txBody>
-          <a:bodyPr anchorCtr="0" anchor="ctr" bIns="91425" lIns="91425" spcFirstLastPara="1" rIns="91425" wrap="square" tIns="91425">
+          <a:bodyPr anchorCtr="0" anchor="t" bIns="91425" lIns="91425" spcFirstLastPara="1" rIns="91425" wrap="square" tIns="91425">
             <a:normAutofit/>
           </a:bodyPr>
           <a:lstStyle>
@@ -4144,9 +2183,9 @@
               <a:spcAft>
                 <a:spcPts val="0"/>
               </a:spcAft>
-              <a:buSzPts val="2800"/>
-              <a:buNone/>
-              <a:defRPr/>
+              <a:buSzPts val="3600"/>
+              <a:buNone/>
+              <a:defRPr sz="3600"/>
             </a:lvl1pPr>
             <a:lvl2pPr lvl="1">
               <a:spcBef>
@@ -4155,9 +2194,9 @@
               <a:spcAft>
                 <a:spcPts val="0"/>
               </a:spcAft>
-              <a:buSzPts val="2800"/>
-              <a:buNone/>
-              <a:defRPr/>
+              <a:buSzPts val="3600"/>
+              <a:buNone/>
+              <a:defRPr sz="3600"/>
             </a:lvl2pPr>
             <a:lvl3pPr lvl="2">
               <a:spcBef>
@@ -4166,9 +2205,9 @@
               <a:spcAft>
                 <a:spcPts val="0"/>
               </a:spcAft>
-              <a:buSzPts val="2800"/>
-              <a:buNone/>
-              <a:defRPr/>
+              <a:buSzPts val="3600"/>
+              <a:buNone/>
+              <a:defRPr sz="3600"/>
             </a:lvl3pPr>
             <a:lvl4pPr lvl="3">
               <a:spcBef>
@@ -4177,9 +2216,9 @@
               <a:spcAft>
                 <a:spcPts val="0"/>
               </a:spcAft>
-              <a:buSzPts val="2800"/>
-              <a:buNone/>
-              <a:defRPr/>
+              <a:buSzPts val="3600"/>
+              <a:buNone/>
+              <a:defRPr sz="3600"/>
             </a:lvl4pPr>
             <a:lvl5pPr lvl="4">
               <a:spcBef>
@@ -4188,9 +2227,9 @@
               <a:spcAft>
                 <a:spcPts val="0"/>
               </a:spcAft>
-              <a:buSzPts val="2800"/>
-              <a:buNone/>
-              <a:defRPr/>
+              <a:buSzPts val="3600"/>
+              <a:buNone/>
+              <a:defRPr sz="3600"/>
             </a:lvl5pPr>
             <a:lvl6pPr lvl="5">
               <a:spcBef>
@@ -4199,9 +2238,9 @@
               <a:spcAft>
                 <a:spcPts val="0"/>
               </a:spcAft>
-              <a:buSzPts val="2800"/>
-              <a:buNone/>
-              <a:defRPr/>
+              <a:buSzPts val="3600"/>
+              <a:buNone/>
+              <a:defRPr sz="3600"/>
             </a:lvl6pPr>
             <a:lvl7pPr lvl="6">
               <a:spcBef>
@@ -4210,9 +2249,9 @@
               <a:spcAft>
                 <a:spcPts val="0"/>
               </a:spcAft>
-              <a:buSzPts val="2800"/>
-              <a:buNone/>
-              <a:defRPr/>
+              <a:buSzPts val="3600"/>
+              <a:buNone/>
+              <a:defRPr sz="3600"/>
             </a:lvl7pPr>
             <a:lvl8pPr lvl="7">
               <a:spcBef>
@@ -4221,9 +2260,9 @@
               <a:spcAft>
                 <a:spcPts val="0"/>
               </a:spcAft>
-              <a:buSzPts val="2800"/>
-              <a:buNone/>
-              <a:defRPr/>
+              <a:buSzPts val="3600"/>
+              <a:buNone/>
+              <a:defRPr sz="3600"/>
             </a:lvl8pPr>
             <a:lvl9pPr lvl="8">
               <a:spcBef>
@@ -4232,9 +2271,9 @@
               <a:spcAft>
                 <a:spcPts val="0"/>
               </a:spcAft>
-              <a:buSzPts val="2800"/>
-              <a:buNone/>
-              <a:defRPr/>
+              <a:buSzPts val="3600"/>
+              <a:buNone/>
+              <a:defRPr sz="3600"/>
             </a:lvl9pPr>
           </a:lstStyle>
           <a:p/>
@@ -4242,7 +2281,7 @@
       </p:sp>
       <p:sp>
         <p:nvSpPr>
-          <p:cNvPr id="40" name="Google Shape;40;p3"/>
+          <p:cNvPr id="18" name="Google Shape;18;p3"/>
           <p:cNvSpPr txBox="1"/>
           <p:nvPr>
             <p:ph idx="12" type="sldNum"/>
@@ -4264,39 +2303,75 @@
           <a:lstStyle>
             <a:lvl1pPr lvl="0">
               <a:buNone/>
-              <a:defRPr/>
+              <a:defRPr>
+                <a:solidFill>
+                  <a:schemeClr val="accent1"/>
+                </a:solidFill>
+              </a:defRPr>
             </a:lvl1pPr>
             <a:lvl2pPr lvl="1">
               <a:buNone/>
-              <a:defRPr/>
+              <a:defRPr>
+                <a:solidFill>
+                  <a:schemeClr val="accent1"/>
+                </a:solidFill>
+              </a:defRPr>
             </a:lvl2pPr>
             <a:lvl3pPr lvl="2">
               <a:buNone/>
-              <a:defRPr/>
+              <a:defRPr>
+                <a:solidFill>
+                  <a:schemeClr val="accent1"/>
+                </a:solidFill>
+              </a:defRPr>
             </a:lvl3pPr>
             <a:lvl4pPr lvl="3">
               <a:buNone/>
-              <a:defRPr/>
+              <a:defRPr>
+                <a:solidFill>
+                  <a:schemeClr val="accent1"/>
+                </a:solidFill>
+              </a:defRPr>
             </a:lvl4pPr>
             <a:lvl5pPr lvl="4">
               <a:buNone/>
-              <a:defRPr/>
+              <a:defRPr>
+                <a:solidFill>
+                  <a:schemeClr val="accent1"/>
+                </a:solidFill>
+              </a:defRPr>
             </a:lvl5pPr>
             <a:lvl6pPr lvl="5">
               <a:buNone/>
-              <a:defRPr/>
+              <a:defRPr>
+                <a:solidFill>
+                  <a:schemeClr val="accent1"/>
+                </a:solidFill>
+              </a:defRPr>
             </a:lvl6pPr>
             <a:lvl7pPr lvl="6">
               <a:buNone/>
-              <a:defRPr/>
+              <a:defRPr>
+                <a:solidFill>
+                  <a:schemeClr val="accent1"/>
+                </a:solidFill>
+              </a:defRPr>
             </a:lvl7pPr>
             <a:lvl8pPr lvl="7">
               <a:buNone/>
-              <a:defRPr/>
+              <a:defRPr>
+                <a:solidFill>
+                  <a:schemeClr val="accent1"/>
+                </a:solidFill>
+              </a:defRPr>
             </a:lvl8pPr>
             <a:lvl9pPr lvl="8">
               <a:buNone/>
-              <a:defRPr/>
+              <a:defRPr>
+                <a:solidFill>
+                  <a:schemeClr val="accent1"/>
+                </a:solidFill>
+              </a:defRPr>
             </a:lvl9pPr>
           </a:lstStyle>
           <a:p>
@@ -4330,7 +2405,7 @@
   <p:cSld name="TITLE_AND_BODY">
     <p:spTree>
       <p:nvGrpSpPr>
-        <p:cNvPr id="41" name="Shape 41"/>
+        <p:cNvPr id="19" name="Shape 19"/>
         <p:cNvGrpSpPr/>
         <p:nvPr/>
       </p:nvGrpSpPr>
@@ -4342,114 +2417,130 @@
           <a:chExt cx="0" cy="0"/>
         </a:xfrm>
       </p:grpSpPr>
-      <p:grpSp>
-        <p:nvGrpSpPr>
-          <p:cNvPr id="42" name="Google Shape;42;p4"/>
-          <p:cNvGrpSpPr/>
-          <p:nvPr/>
-        </p:nvGrpSpPr>
-        <p:grpSpPr>
-          <a:xfrm>
-            <a:off x="0" y="381001"/>
-            <a:ext cx="1037850" cy="1016287"/>
-            <a:chOff x="0" y="381001"/>
-            <a:chExt cx="1037850" cy="1016287"/>
-          </a:xfrm>
-        </p:grpSpPr>
-        <p:sp>
-          <p:nvSpPr>
-            <p:cNvPr id="43" name="Google Shape;43;p4"/>
-            <p:cNvSpPr/>
-            <p:nvPr/>
-          </p:nvSpPr>
-          <p:spPr>
-            <a:xfrm rot="-5400000">
-              <a:off x="0" y="381001"/>
-              <a:ext cx="808800" cy="808800"/>
-            </a:xfrm>
-            <a:prstGeom prst="diagStripe">
-              <a:avLst>
-                <a:gd fmla="val 50000" name="adj"/>
-              </a:avLst>
-            </a:prstGeom>
-            <a:solidFill>
-              <a:schemeClr val="accent1"/>
-            </a:solidFill>
-            <a:ln>
-              <a:noFill/>
-            </a:ln>
-          </p:spPr>
-          <p:txBody>
-            <a:bodyPr anchorCtr="0" anchor="ctr" bIns="91425" lIns="91425" spcFirstLastPara="1" rIns="91425" wrap="square" tIns="91425">
-              <a:noAutofit/>
-            </a:bodyPr>
-            <a:lstStyle/>
-            <a:p>
-              <a:pPr indent="0" lvl="0" marL="0" rtl="0" algn="l">
-                <a:spcBef>
-                  <a:spcPts val="0"/>
-                </a:spcBef>
-                <a:spcAft>
-                  <a:spcPts val="0"/>
-                </a:spcAft>
-                <a:buNone/>
-              </a:pPr>
-              <a:r>
-                <a:t/>
-              </a:r>
-              <a:endParaRPr/>
-            </a:p>
-          </p:txBody>
-        </p:sp>
-        <p:sp>
-          <p:nvSpPr>
-            <p:cNvPr id="44" name="Google Shape;44;p4"/>
-            <p:cNvSpPr/>
-            <p:nvPr/>
-          </p:nvSpPr>
-          <p:spPr>
-            <a:xfrm flipH="1">
-              <a:off x="229050" y="588489"/>
-              <a:ext cx="808800" cy="808800"/>
-            </a:xfrm>
-            <a:prstGeom prst="diagStripe">
-              <a:avLst>
-                <a:gd fmla="val 50000" name="adj"/>
-              </a:avLst>
-            </a:prstGeom>
-            <a:solidFill>
-              <a:schemeClr val="lt2"/>
-            </a:solidFill>
-            <a:ln>
-              <a:noFill/>
-            </a:ln>
-          </p:spPr>
-          <p:txBody>
-            <a:bodyPr anchorCtr="0" anchor="ctr" bIns="91425" lIns="91425" spcFirstLastPara="1" rIns="91425" wrap="square" tIns="91425">
-              <a:noAutofit/>
-            </a:bodyPr>
-            <a:lstStyle/>
-            <a:p>
-              <a:pPr indent="0" lvl="0" marL="0" rtl="0" algn="l">
-                <a:spcBef>
-                  <a:spcPts val="0"/>
-                </a:spcBef>
-                <a:spcAft>
-                  <a:spcPts val="0"/>
-                </a:spcAft>
-                <a:buNone/>
-              </a:pPr>
-              <a:r>
-                <a:t/>
-              </a:r>
-              <a:endParaRPr/>
-            </a:p>
-          </p:txBody>
-        </p:sp>
-      </p:grpSp>
       <p:sp>
         <p:nvSpPr>
-          <p:cNvPr id="45" name="Google Shape;45;p4"/>
+          <p:cNvPr id="20" name="Google Shape;20;p4"/>
+          <p:cNvSpPr/>
+          <p:nvPr/>
+        </p:nvSpPr>
+        <p:spPr>
+          <a:xfrm>
+            <a:off x="0" y="0"/>
+            <a:ext cx="4314000" cy="5143500"/>
+          </a:xfrm>
+          <a:prstGeom prst="rect">
+            <a:avLst/>
+          </a:prstGeom>
+          <a:solidFill>
+            <a:schemeClr val="dk1"/>
+          </a:solidFill>
+          <a:ln>
+            <a:noFill/>
+          </a:ln>
+        </p:spPr>
+        <p:txBody>
+          <a:bodyPr anchorCtr="0" anchor="ctr" bIns="91425" lIns="91425" spcFirstLastPara="1" rIns="91425" wrap="square" tIns="91425">
+            <a:noAutofit/>
+          </a:bodyPr>
+          <a:lstStyle/>
+          <a:p>
+            <a:pPr indent="0" lvl="0" marL="0" rtl="0" algn="l">
+              <a:spcBef>
+                <a:spcPts val="0"/>
+              </a:spcBef>
+              <a:spcAft>
+                <a:spcPts val="0"/>
+              </a:spcAft>
+              <a:buNone/>
+            </a:pPr>
+            <a:r>
+              <a:t/>
+            </a:r>
+            <a:endParaRPr/>
+          </a:p>
+        </p:txBody>
+      </p:sp>
+      <p:sp>
+        <p:nvSpPr>
+          <p:cNvPr id="21" name="Google Shape;21;p4"/>
+          <p:cNvSpPr/>
+          <p:nvPr/>
+        </p:nvSpPr>
+        <p:spPr>
+          <a:xfrm>
+            <a:off x="0" y="44125"/>
+            <a:ext cx="4313625" cy="4399375"/>
+          </a:xfrm>
+          <a:custGeom>
+            <a:rect b="b" l="l" r="r" t="t"/>
+            <a:pathLst>
+              <a:path extrusionOk="0" h="175975" w="172545">
+                <a:moveTo>
+                  <a:pt x="0" y="157"/>
+                </a:moveTo>
+                <a:lnTo>
+                  <a:pt x="172419" y="0"/>
+                </a:lnTo>
+                <a:lnTo>
+                  <a:pt x="172545" y="126541"/>
+                </a:lnTo>
+                <a:lnTo>
+                  <a:pt x="0" y="175975"/>
+                </a:lnTo>
+                <a:close/>
+              </a:path>
+            </a:pathLst>
+          </a:custGeom>
+          <a:solidFill>
+            <a:schemeClr val="accent2"/>
+          </a:solidFill>
+          <a:ln>
+            <a:noFill/>
+          </a:ln>
+        </p:spPr>
+      </p:sp>
+      <p:sp>
+        <p:nvSpPr>
+          <p:cNvPr id="22" name="Google Shape;22;p4"/>
+          <p:cNvSpPr/>
+          <p:nvPr/>
+        </p:nvSpPr>
+        <p:spPr>
+          <a:xfrm>
+            <a:off x="-125" y="0"/>
+            <a:ext cx="4316900" cy="4395600"/>
+          </a:xfrm>
+          <a:custGeom>
+            <a:rect b="b" l="l" r="r" t="t"/>
+            <a:pathLst>
+              <a:path extrusionOk="0" h="175824" w="172676">
+                <a:moveTo>
+                  <a:pt x="0" y="6"/>
+                </a:moveTo>
+                <a:lnTo>
+                  <a:pt x="172676" y="0"/>
+                </a:lnTo>
+                <a:lnTo>
+                  <a:pt x="172562" y="126442"/>
+                </a:lnTo>
+                <a:lnTo>
+                  <a:pt x="0" y="175824"/>
+                </a:lnTo>
+                <a:close/>
+              </a:path>
+            </a:pathLst>
+          </a:custGeom>
+          <a:solidFill>
+            <a:schemeClr val="dk1"/>
+          </a:solidFill>
+          <a:ln>
+            <a:noFill/>
+          </a:ln>
+        </p:spPr>
+      </p:sp>
+      <p:sp>
+        <p:nvSpPr>
+          <p:cNvPr id="23" name="Google Shape;23;p4"/>
           <p:cNvSpPr txBox="1"/>
           <p:nvPr>
             <p:ph type="title"/>
@@ -4457,8 +2548,8 @@
         </p:nvSpPr>
         <p:spPr>
           <a:xfrm>
-            <a:off x="1297500" y="393750"/>
-            <a:ext cx="7038900" cy="914100"/>
+            <a:off x="311725" y="500925"/>
+            <a:ext cx="3706500" cy="2508900"/>
           </a:xfrm>
           <a:prstGeom prst="rect">
             <a:avLst/>
@@ -4476,9 +2567,16 @@
               <a:spcAft>
                 <a:spcPts val="0"/>
               </a:spcAft>
-              <a:buSzPts val="2400"/>
-              <a:buNone/>
-              <a:defRPr sz="2400"/>
+              <a:buClr>
+                <a:schemeClr val="lt1"/>
+              </a:buClr>
+              <a:buSzPts val="2800"/>
+              <a:buNone/>
+              <a:defRPr>
+                <a:solidFill>
+                  <a:schemeClr val="lt1"/>
+                </a:solidFill>
+              </a:defRPr>
             </a:lvl1pPr>
             <a:lvl2pPr lvl="1">
               <a:spcBef>
@@ -4487,9 +2585,16 @@
               <a:spcAft>
                 <a:spcPts val="0"/>
               </a:spcAft>
-              <a:buSzPts val="2400"/>
-              <a:buNone/>
-              <a:defRPr sz="2400"/>
+              <a:buClr>
+                <a:schemeClr val="lt1"/>
+              </a:buClr>
+              <a:buSzPts val="2800"/>
+              <a:buNone/>
+              <a:defRPr>
+                <a:solidFill>
+                  <a:schemeClr val="lt1"/>
+                </a:solidFill>
+              </a:defRPr>
             </a:lvl2pPr>
             <a:lvl3pPr lvl="2">
               <a:spcBef>
@@ -4498,9 +2603,16 @@
               <a:spcAft>
                 <a:spcPts val="0"/>
               </a:spcAft>
-              <a:buSzPts val="2400"/>
-              <a:buNone/>
-              <a:defRPr sz="2400"/>
+              <a:buClr>
+                <a:schemeClr val="lt1"/>
+              </a:buClr>
+              <a:buSzPts val="2800"/>
+              <a:buNone/>
+              <a:defRPr>
+                <a:solidFill>
+                  <a:schemeClr val="lt1"/>
+                </a:solidFill>
+              </a:defRPr>
             </a:lvl3pPr>
             <a:lvl4pPr lvl="3">
               <a:spcBef>
@@ -4509,9 +2621,16 @@
               <a:spcAft>
                 <a:spcPts val="0"/>
               </a:spcAft>
-              <a:buSzPts val="2400"/>
-              <a:buNone/>
-              <a:defRPr sz="2400"/>
+              <a:buClr>
+                <a:schemeClr val="lt1"/>
+              </a:buClr>
+              <a:buSzPts val="2800"/>
+              <a:buNone/>
+              <a:defRPr>
+                <a:solidFill>
+                  <a:schemeClr val="lt1"/>
+                </a:solidFill>
+              </a:defRPr>
             </a:lvl4pPr>
             <a:lvl5pPr lvl="4">
               <a:spcBef>
@@ -4520,9 +2639,16 @@
               <a:spcAft>
                 <a:spcPts val="0"/>
               </a:spcAft>
-              <a:buSzPts val="2400"/>
-              <a:buNone/>
-              <a:defRPr sz="2400"/>
+              <a:buClr>
+                <a:schemeClr val="lt1"/>
+              </a:buClr>
+              <a:buSzPts val="2800"/>
+              <a:buNone/>
+              <a:defRPr>
+                <a:solidFill>
+                  <a:schemeClr val="lt1"/>
+                </a:solidFill>
+              </a:defRPr>
             </a:lvl5pPr>
             <a:lvl6pPr lvl="5">
               <a:spcBef>
@@ -4531,9 +2657,16 @@
               <a:spcAft>
                 <a:spcPts val="0"/>
               </a:spcAft>
-              <a:buSzPts val="2400"/>
-              <a:buNone/>
-              <a:defRPr sz="2400"/>
+              <a:buClr>
+                <a:schemeClr val="lt1"/>
+              </a:buClr>
+              <a:buSzPts val="2800"/>
+              <a:buNone/>
+              <a:defRPr>
+                <a:solidFill>
+                  <a:schemeClr val="lt1"/>
+                </a:solidFill>
+              </a:defRPr>
             </a:lvl6pPr>
             <a:lvl7pPr lvl="6">
               <a:spcBef>
@@ -4542,9 +2675,16 @@
               <a:spcAft>
                 <a:spcPts val="0"/>
               </a:spcAft>
-              <a:buSzPts val="2400"/>
-              <a:buNone/>
-              <a:defRPr sz="2400"/>
+              <a:buClr>
+                <a:schemeClr val="lt1"/>
+              </a:buClr>
+              <a:buSzPts val="2800"/>
+              <a:buNone/>
+              <a:defRPr>
+                <a:solidFill>
+                  <a:schemeClr val="lt1"/>
+                </a:solidFill>
+              </a:defRPr>
             </a:lvl7pPr>
             <a:lvl8pPr lvl="7">
               <a:spcBef>
@@ -4553,9 +2693,16 @@
               <a:spcAft>
                 <a:spcPts val="0"/>
               </a:spcAft>
-              <a:buSzPts val="2400"/>
-              <a:buNone/>
-              <a:defRPr sz="2400"/>
+              <a:buClr>
+                <a:schemeClr val="lt1"/>
+              </a:buClr>
+              <a:buSzPts val="2800"/>
+              <a:buNone/>
+              <a:defRPr>
+                <a:solidFill>
+                  <a:schemeClr val="lt1"/>
+                </a:solidFill>
+              </a:defRPr>
             </a:lvl8pPr>
             <a:lvl9pPr lvl="8">
               <a:spcBef>
@@ -4564,9 +2711,16 @@
               <a:spcAft>
                 <a:spcPts val="0"/>
               </a:spcAft>
-              <a:buSzPts val="2400"/>
-              <a:buNone/>
-              <a:defRPr sz="2400"/>
+              <a:buClr>
+                <a:schemeClr val="lt1"/>
+              </a:buClr>
+              <a:buSzPts val="2800"/>
+              <a:buNone/>
+              <a:defRPr>
+                <a:solidFill>
+                  <a:schemeClr val="lt1"/>
+                </a:solidFill>
+              </a:defRPr>
             </a:lvl9pPr>
           </a:lstStyle>
           <a:p/>
@@ -4574,7 +2728,7 @@
       </p:sp>
       <p:sp>
         <p:nvSpPr>
-          <p:cNvPr id="46" name="Google Shape;46;p4"/>
+          <p:cNvPr id="24" name="Google Shape;24;p4"/>
           <p:cNvSpPr txBox="1"/>
           <p:nvPr>
             <p:ph idx="1" type="body"/>
@@ -4582,8 +2736,8 @@
         </p:nvSpPr>
         <p:spPr>
           <a:xfrm>
-            <a:off x="1297500" y="1567550"/>
-            <a:ext cx="7038900" cy="2911200"/>
+            <a:off x="4644675" y="500925"/>
+            <a:ext cx="4166400" cy="4098600"/>
           </a:xfrm>
           <a:prstGeom prst="rect">
             <a:avLst/>
@@ -4699,7 +2853,7 @@
       </p:sp>
       <p:sp>
         <p:nvSpPr>
-          <p:cNvPr id="47" name="Google Shape;47;p4"/>
+          <p:cNvPr id="25" name="Google Shape;25;p4"/>
           <p:cNvSpPr txBox="1"/>
           <p:nvPr>
             <p:ph idx="12" type="sldNum"/>
@@ -4787,7 +2941,7 @@
   <p:cSld name="TITLE_AND_TWO_COLUMNS">
     <p:spTree>
       <p:nvGrpSpPr>
-        <p:cNvPr id="48" name="Shape 48"/>
+        <p:cNvPr id="26" name="Shape 26"/>
         <p:cNvGrpSpPr/>
         <p:nvPr/>
       </p:nvGrpSpPr>
@@ -4799,114 +2953,52 @@
           <a:chExt cx="0" cy="0"/>
         </a:xfrm>
       </p:grpSpPr>
-      <p:grpSp>
-        <p:nvGrpSpPr>
-          <p:cNvPr id="49" name="Google Shape;49;p5"/>
-          <p:cNvGrpSpPr/>
-          <p:nvPr/>
-        </p:nvGrpSpPr>
-        <p:grpSpPr>
-          <a:xfrm>
-            <a:off x="0" y="381001"/>
-            <a:ext cx="1037850" cy="1016287"/>
-            <a:chOff x="0" y="381001"/>
-            <a:chExt cx="1037850" cy="1016287"/>
-          </a:xfrm>
-        </p:grpSpPr>
-        <p:sp>
-          <p:nvSpPr>
-            <p:cNvPr id="50" name="Google Shape;50;p5"/>
-            <p:cNvSpPr/>
-            <p:nvPr/>
-          </p:nvSpPr>
-          <p:spPr>
-            <a:xfrm rot="-5400000">
-              <a:off x="0" y="381001"/>
-              <a:ext cx="808800" cy="808800"/>
-            </a:xfrm>
-            <a:prstGeom prst="diagStripe">
-              <a:avLst>
-                <a:gd fmla="val 50000" name="adj"/>
-              </a:avLst>
-            </a:prstGeom>
-            <a:solidFill>
-              <a:schemeClr val="accent1"/>
-            </a:solidFill>
-            <a:ln>
-              <a:noFill/>
-            </a:ln>
-          </p:spPr>
-          <p:txBody>
-            <a:bodyPr anchorCtr="0" anchor="ctr" bIns="91425" lIns="91425" spcFirstLastPara="1" rIns="91425" wrap="square" tIns="91425">
-              <a:noAutofit/>
-            </a:bodyPr>
-            <a:lstStyle/>
-            <a:p>
-              <a:pPr indent="0" lvl="0" marL="0" rtl="0" algn="l">
-                <a:spcBef>
-                  <a:spcPts val="0"/>
-                </a:spcBef>
-                <a:spcAft>
-                  <a:spcPts val="0"/>
-                </a:spcAft>
-                <a:buNone/>
-              </a:pPr>
-              <a:r>
-                <a:t/>
-              </a:r>
-              <a:endParaRPr/>
-            </a:p>
-          </p:txBody>
-        </p:sp>
-        <p:sp>
-          <p:nvSpPr>
-            <p:cNvPr id="51" name="Google Shape;51;p5"/>
-            <p:cNvSpPr/>
-            <p:nvPr/>
-          </p:nvSpPr>
-          <p:spPr>
-            <a:xfrm flipH="1">
-              <a:off x="229050" y="588489"/>
-              <a:ext cx="808800" cy="808800"/>
-            </a:xfrm>
-            <a:prstGeom prst="diagStripe">
-              <a:avLst>
-                <a:gd fmla="val 50000" name="adj"/>
-              </a:avLst>
-            </a:prstGeom>
-            <a:solidFill>
-              <a:schemeClr val="lt2"/>
-            </a:solidFill>
-            <a:ln>
-              <a:noFill/>
-            </a:ln>
-          </p:spPr>
-          <p:txBody>
-            <a:bodyPr anchorCtr="0" anchor="ctr" bIns="91425" lIns="91425" spcFirstLastPara="1" rIns="91425" wrap="square" tIns="91425">
-              <a:noAutofit/>
-            </a:bodyPr>
-            <a:lstStyle/>
-            <a:p>
-              <a:pPr indent="0" lvl="0" marL="0" rtl="0" algn="l">
-                <a:spcBef>
-                  <a:spcPts val="0"/>
-                </a:spcBef>
-                <a:spcAft>
-                  <a:spcPts val="0"/>
-                </a:spcAft>
-                <a:buNone/>
-              </a:pPr>
-              <a:r>
-                <a:t/>
-              </a:r>
-              <a:endParaRPr/>
-            </a:p>
-          </p:txBody>
-        </p:sp>
-      </p:grpSp>
       <p:sp>
         <p:nvSpPr>
-          <p:cNvPr id="52" name="Google Shape;52;p5"/>
+          <p:cNvPr id="27" name="Google Shape;27;p5"/>
+          <p:cNvSpPr/>
+          <p:nvPr/>
+        </p:nvSpPr>
+        <p:spPr>
+          <a:xfrm>
+            <a:off x="0" y="0"/>
+            <a:ext cx="9144000" cy="1277100"/>
+          </a:xfrm>
+          <a:prstGeom prst="rect">
+            <a:avLst/>
+          </a:prstGeom>
+          <a:solidFill>
+            <a:schemeClr val="dk1"/>
+          </a:solidFill>
+          <a:ln>
+            <a:noFill/>
+          </a:ln>
+        </p:spPr>
+        <p:txBody>
+          <a:bodyPr anchorCtr="0" anchor="ctr" bIns="91425" lIns="91425" spcFirstLastPara="1" rIns="91425" wrap="square" tIns="91425">
+            <a:noAutofit/>
+          </a:bodyPr>
+          <a:lstStyle/>
+          <a:p>
+            <a:pPr indent="0" lvl="0" marL="0" rtl="0" algn="l">
+              <a:spcBef>
+                <a:spcPts val="0"/>
+              </a:spcBef>
+              <a:spcAft>
+                <a:spcPts val="0"/>
+              </a:spcAft>
+              <a:buNone/>
+            </a:pPr>
+            <a:r>
+              <a:t/>
+            </a:r>
+            <a:endParaRPr/>
+          </a:p>
+        </p:txBody>
+      </p:sp>
+      <p:sp>
+        <p:nvSpPr>
+          <p:cNvPr id="28" name="Google Shape;28;p5"/>
           <p:cNvSpPr txBox="1"/>
           <p:nvPr>
             <p:ph type="title"/>
@@ -4914,8 +3006,8 @@
         </p:nvSpPr>
         <p:spPr>
           <a:xfrm>
-            <a:off x="1297500" y="393750"/>
-            <a:ext cx="7038900" cy="914100"/>
+            <a:off x="311725" y="500925"/>
+            <a:ext cx="8520600" cy="623700"/>
           </a:xfrm>
           <a:prstGeom prst="rect">
             <a:avLst/>
@@ -4933,9 +3025,16 @@
               <a:spcAft>
                 <a:spcPts val="0"/>
               </a:spcAft>
-              <a:buSzPts val="2400"/>
-              <a:buNone/>
-              <a:defRPr sz="2400"/>
+              <a:buClr>
+                <a:schemeClr val="lt1"/>
+              </a:buClr>
+              <a:buSzPts val="2800"/>
+              <a:buNone/>
+              <a:defRPr>
+                <a:solidFill>
+                  <a:schemeClr val="lt1"/>
+                </a:solidFill>
+              </a:defRPr>
             </a:lvl1pPr>
             <a:lvl2pPr lvl="1">
               <a:spcBef>
@@ -4944,9 +3043,16 @@
               <a:spcAft>
                 <a:spcPts val="0"/>
               </a:spcAft>
-              <a:buSzPts val="2400"/>
-              <a:buNone/>
-              <a:defRPr sz="2400"/>
+              <a:buClr>
+                <a:schemeClr val="lt1"/>
+              </a:buClr>
+              <a:buSzPts val="2800"/>
+              <a:buNone/>
+              <a:defRPr>
+                <a:solidFill>
+                  <a:schemeClr val="lt1"/>
+                </a:solidFill>
+              </a:defRPr>
             </a:lvl2pPr>
             <a:lvl3pPr lvl="2">
               <a:spcBef>
@@ -4955,9 +3061,16 @@
               <a:spcAft>
                 <a:spcPts val="0"/>
               </a:spcAft>
-              <a:buSzPts val="2400"/>
-              <a:buNone/>
-              <a:defRPr sz="2400"/>
+              <a:buClr>
+                <a:schemeClr val="lt1"/>
+              </a:buClr>
+              <a:buSzPts val="2800"/>
+              <a:buNone/>
+              <a:defRPr>
+                <a:solidFill>
+                  <a:schemeClr val="lt1"/>
+                </a:solidFill>
+              </a:defRPr>
             </a:lvl3pPr>
             <a:lvl4pPr lvl="3">
               <a:spcBef>
@@ -4966,9 +3079,16 @@
               <a:spcAft>
                 <a:spcPts val="0"/>
               </a:spcAft>
-              <a:buSzPts val="2400"/>
-              <a:buNone/>
-              <a:defRPr sz="2400"/>
+              <a:buClr>
+                <a:schemeClr val="lt1"/>
+              </a:buClr>
+              <a:buSzPts val="2800"/>
+              <a:buNone/>
+              <a:defRPr>
+                <a:solidFill>
+                  <a:schemeClr val="lt1"/>
+                </a:solidFill>
+              </a:defRPr>
             </a:lvl4pPr>
             <a:lvl5pPr lvl="4">
               <a:spcBef>
@@ -4977,9 +3097,16 @@
               <a:spcAft>
                 <a:spcPts val="0"/>
               </a:spcAft>
-              <a:buSzPts val="2400"/>
-              <a:buNone/>
-              <a:defRPr sz="2400"/>
+              <a:buClr>
+                <a:schemeClr val="lt1"/>
+              </a:buClr>
+              <a:buSzPts val="2800"/>
+              <a:buNone/>
+              <a:defRPr>
+                <a:solidFill>
+                  <a:schemeClr val="lt1"/>
+                </a:solidFill>
+              </a:defRPr>
             </a:lvl5pPr>
             <a:lvl6pPr lvl="5">
               <a:spcBef>
@@ -4988,9 +3115,16 @@
               <a:spcAft>
                 <a:spcPts val="0"/>
               </a:spcAft>
-              <a:buSzPts val="2400"/>
-              <a:buNone/>
-              <a:defRPr sz="2400"/>
+              <a:buClr>
+                <a:schemeClr val="lt1"/>
+              </a:buClr>
+              <a:buSzPts val="2800"/>
+              <a:buNone/>
+              <a:defRPr>
+                <a:solidFill>
+                  <a:schemeClr val="lt1"/>
+                </a:solidFill>
+              </a:defRPr>
             </a:lvl6pPr>
             <a:lvl7pPr lvl="6">
               <a:spcBef>
@@ -4999,9 +3133,16 @@
               <a:spcAft>
                 <a:spcPts val="0"/>
               </a:spcAft>
-              <a:buSzPts val="2400"/>
-              <a:buNone/>
-              <a:defRPr sz="2400"/>
+              <a:buClr>
+                <a:schemeClr val="lt1"/>
+              </a:buClr>
+              <a:buSzPts val="2800"/>
+              <a:buNone/>
+              <a:defRPr>
+                <a:solidFill>
+                  <a:schemeClr val="lt1"/>
+                </a:solidFill>
+              </a:defRPr>
             </a:lvl7pPr>
             <a:lvl8pPr lvl="7">
               <a:spcBef>
@@ -5010,9 +3151,16 @@
               <a:spcAft>
                 <a:spcPts val="0"/>
               </a:spcAft>
-              <a:buSzPts val="2400"/>
-              <a:buNone/>
-              <a:defRPr sz="2400"/>
+              <a:buClr>
+                <a:schemeClr val="lt1"/>
+              </a:buClr>
+              <a:buSzPts val="2800"/>
+              <a:buNone/>
+              <a:defRPr>
+                <a:solidFill>
+                  <a:schemeClr val="lt1"/>
+                </a:solidFill>
+              </a:defRPr>
             </a:lvl8pPr>
             <a:lvl9pPr lvl="8">
               <a:spcBef>
@@ -5021,9 +3169,16 @@
               <a:spcAft>
                 <a:spcPts val="0"/>
               </a:spcAft>
-              <a:buSzPts val="2400"/>
-              <a:buNone/>
-              <a:defRPr sz="2400"/>
+              <a:buClr>
+                <a:schemeClr val="lt1"/>
+              </a:buClr>
+              <a:buSzPts val="2800"/>
+              <a:buNone/>
+              <a:defRPr>
+                <a:solidFill>
+                  <a:schemeClr val="lt1"/>
+                </a:solidFill>
+              </a:defRPr>
             </a:lvl9pPr>
           </a:lstStyle>
           <a:p/>
@@ -5031,7 +3186,7 @@
       </p:sp>
       <p:sp>
         <p:nvSpPr>
-          <p:cNvPr id="53" name="Google Shape;53;p5"/>
+          <p:cNvPr id="29" name="Google Shape;29;p5"/>
           <p:cNvSpPr txBox="1"/>
           <p:nvPr>
             <p:ph idx="1" type="body"/>
@@ -5039,8 +3194,8 @@
         </p:nvSpPr>
         <p:spPr>
           <a:xfrm>
-            <a:off x="1297500" y="1567550"/>
-            <a:ext cx="3403200" cy="2911200"/>
+            <a:off x="311700" y="1505700"/>
+            <a:ext cx="3999900" cy="3076200"/>
           </a:xfrm>
           <a:prstGeom prst="rect">
             <a:avLst/>
@@ -5156,7 +3311,7 @@
       </p:sp>
       <p:sp>
         <p:nvSpPr>
-          <p:cNvPr id="54" name="Google Shape;54;p5"/>
+          <p:cNvPr id="30" name="Google Shape;30;p5"/>
           <p:cNvSpPr txBox="1"/>
           <p:nvPr>
             <p:ph idx="2" type="body"/>
@@ -5164,8 +3319,8 @@
         </p:nvSpPr>
         <p:spPr>
           <a:xfrm>
-            <a:off x="4933221" y="1567550"/>
-            <a:ext cx="3403200" cy="2911200"/>
+            <a:off x="4832400" y="1505700"/>
+            <a:ext cx="3999900" cy="3076200"/>
           </a:xfrm>
           <a:prstGeom prst="rect">
             <a:avLst/>
@@ -5281,7 +3436,7 @@
       </p:sp>
       <p:sp>
         <p:nvSpPr>
-          <p:cNvPr id="55" name="Google Shape;55;p5"/>
+          <p:cNvPr id="31" name="Google Shape;31;p5"/>
           <p:cNvSpPr txBox="1"/>
           <p:nvPr>
             <p:ph idx="12" type="sldNum"/>
@@ -5369,7 +3524,7 @@
   <p:cSld name="TITLE_ONLY">
     <p:spTree>
       <p:nvGrpSpPr>
-        <p:cNvPr id="56" name="Shape 56"/>
+        <p:cNvPr id="32" name="Shape 32"/>
         <p:cNvGrpSpPr/>
         <p:nvPr/>
       </p:nvGrpSpPr>
@@ -5381,114 +3536,52 @@
           <a:chExt cx="0" cy="0"/>
         </a:xfrm>
       </p:grpSpPr>
-      <p:grpSp>
-        <p:nvGrpSpPr>
-          <p:cNvPr id="57" name="Google Shape;57;p6"/>
-          <p:cNvGrpSpPr/>
-          <p:nvPr/>
-        </p:nvGrpSpPr>
-        <p:grpSpPr>
-          <a:xfrm>
-            <a:off x="0" y="381001"/>
-            <a:ext cx="1037850" cy="1016287"/>
-            <a:chOff x="0" y="381001"/>
-            <a:chExt cx="1037850" cy="1016287"/>
-          </a:xfrm>
-        </p:grpSpPr>
-        <p:sp>
-          <p:nvSpPr>
-            <p:cNvPr id="58" name="Google Shape;58;p6"/>
-            <p:cNvSpPr/>
-            <p:nvPr/>
-          </p:nvSpPr>
-          <p:spPr>
-            <a:xfrm rot="-5400000">
-              <a:off x="0" y="381001"/>
-              <a:ext cx="808800" cy="808800"/>
-            </a:xfrm>
-            <a:prstGeom prst="diagStripe">
-              <a:avLst>
-                <a:gd fmla="val 50000" name="adj"/>
-              </a:avLst>
-            </a:prstGeom>
-            <a:solidFill>
-              <a:schemeClr val="accent1"/>
-            </a:solidFill>
-            <a:ln>
-              <a:noFill/>
-            </a:ln>
-          </p:spPr>
-          <p:txBody>
-            <a:bodyPr anchorCtr="0" anchor="ctr" bIns="91425" lIns="91425" spcFirstLastPara="1" rIns="91425" wrap="square" tIns="91425">
-              <a:noAutofit/>
-            </a:bodyPr>
-            <a:lstStyle/>
-            <a:p>
-              <a:pPr indent="0" lvl="0" marL="0" rtl="0" algn="l">
-                <a:spcBef>
-                  <a:spcPts val="0"/>
-                </a:spcBef>
-                <a:spcAft>
-                  <a:spcPts val="0"/>
-                </a:spcAft>
-                <a:buNone/>
-              </a:pPr>
-              <a:r>
-                <a:t/>
-              </a:r>
-              <a:endParaRPr/>
-            </a:p>
-          </p:txBody>
-        </p:sp>
-        <p:sp>
-          <p:nvSpPr>
-            <p:cNvPr id="59" name="Google Shape;59;p6"/>
-            <p:cNvSpPr/>
-            <p:nvPr/>
-          </p:nvSpPr>
-          <p:spPr>
-            <a:xfrm flipH="1">
-              <a:off x="229050" y="588489"/>
-              <a:ext cx="808800" cy="808800"/>
-            </a:xfrm>
-            <a:prstGeom prst="diagStripe">
-              <a:avLst>
-                <a:gd fmla="val 50000" name="adj"/>
-              </a:avLst>
-            </a:prstGeom>
-            <a:solidFill>
-              <a:schemeClr val="lt2"/>
-            </a:solidFill>
-            <a:ln>
-              <a:noFill/>
-            </a:ln>
-          </p:spPr>
-          <p:txBody>
-            <a:bodyPr anchorCtr="0" anchor="ctr" bIns="91425" lIns="91425" spcFirstLastPara="1" rIns="91425" wrap="square" tIns="91425">
-              <a:noAutofit/>
-            </a:bodyPr>
-            <a:lstStyle/>
-            <a:p>
-              <a:pPr indent="0" lvl="0" marL="0" rtl="0" algn="l">
-                <a:spcBef>
-                  <a:spcPts val="0"/>
-                </a:spcBef>
-                <a:spcAft>
-                  <a:spcPts val="0"/>
-                </a:spcAft>
-                <a:buNone/>
-              </a:pPr>
-              <a:r>
-                <a:t/>
-              </a:r>
-              <a:endParaRPr/>
-            </a:p>
-          </p:txBody>
-        </p:sp>
-      </p:grpSp>
       <p:sp>
         <p:nvSpPr>
-          <p:cNvPr id="60" name="Google Shape;60;p6"/>
+          <p:cNvPr id="33" name="Google Shape;33;p6"/>
+          <p:cNvSpPr/>
+          <p:nvPr/>
+        </p:nvSpPr>
+        <p:spPr>
+          <a:xfrm>
+            <a:off x="0" y="0"/>
+            <a:ext cx="9144000" cy="1277100"/>
+          </a:xfrm>
+          <a:prstGeom prst="rect">
+            <a:avLst/>
+          </a:prstGeom>
+          <a:solidFill>
+            <a:schemeClr val="dk1"/>
+          </a:solidFill>
+          <a:ln>
+            <a:noFill/>
+          </a:ln>
+        </p:spPr>
+        <p:txBody>
+          <a:bodyPr anchorCtr="0" anchor="ctr" bIns="91425" lIns="91425" spcFirstLastPara="1" rIns="91425" wrap="square" tIns="91425">
+            <a:noAutofit/>
+          </a:bodyPr>
+          <a:lstStyle/>
+          <a:p>
+            <a:pPr indent="0" lvl="0" marL="0" rtl="0" algn="l">
+              <a:spcBef>
+                <a:spcPts val="0"/>
+              </a:spcBef>
+              <a:spcAft>
+                <a:spcPts val="0"/>
+              </a:spcAft>
+              <a:buNone/>
+            </a:pPr>
+            <a:r>
+              <a:t/>
+            </a:r>
+            <a:endParaRPr/>
+          </a:p>
+        </p:txBody>
+      </p:sp>
+      <p:sp>
+        <p:nvSpPr>
+          <p:cNvPr id="34" name="Google Shape;34;p6"/>
           <p:cNvSpPr txBox="1"/>
           <p:nvPr>
             <p:ph type="title"/>
@@ -5496,8 +3589,8 @@
         </p:nvSpPr>
         <p:spPr>
           <a:xfrm>
-            <a:off x="1297500" y="393750"/>
-            <a:ext cx="7038900" cy="914100"/>
+            <a:off x="311725" y="500925"/>
+            <a:ext cx="8520600" cy="623700"/>
           </a:xfrm>
           <a:prstGeom prst="rect">
             <a:avLst/>
@@ -5515,9 +3608,16 @@
               <a:spcAft>
                 <a:spcPts val="0"/>
               </a:spcAft>
-              <a:buSzPts val="2400"/>
-              <a:buNone/>
-              <a:defRPr sz="2400"/>
+              <a:buClr>
+                <a:schemeClr val="lt1"/>
+              </a:buClr>
+              <a:buSzPts val="2800"/>
+              <a:buNone/>
+              <a:defRPr>
+                <a:solidFill>
+                  <a:schemeClr val="lt1"/>
+                </a:solidFill>
+              </a:defRPr>
             </a:lvl1pPr>
             <a:lvl2pPr lvl="1">
               <a:spcBef>
@@ -5526,9 +3626,16 @@
               <a:spcAft>
                 <a:spcPts val="0"/>
               </a:spcAft>
-              <a:buSzPts val="2400"/>
-              <a:buNone/>
-              <a:defRPr sz="2400"/>
+              <a:buClr>
+                <a:schemeClr val="lt1"/>
+              </a:buClr>
+              <a:buSzPts val="2800"/>
+              <a:buNone/>
+              <a:defRPr>
+                <a:solidFill>
+                  <a:schemeClr val="lt1"/>
+                </a:solidFill>
+              </a:defRPr>
             </a:lvl2pPr>
             <a:lvl3pPr lvl="2">
               <a:spcBef>
@@ -5537,9 +3644,16 @@
               <a:spcAft>
                 <a:spcPts val="0"/>
               </a:spcAft>
-              <a:buSzPts val="2400"/>
-              <a:buNone/>
-              <a:defRPr sz="2400"/>
+              <a:buClr>
+                <a:schemeClr val="lt1"/>
+              </a:buClr>
+              <a:buSzPts val="2800"/>
+              <a:buNone/>
+              <a:defRPr>
+                <a:solidFill>
+                  <a:schemeClr val="lt1"/>
+                </a:solidFill>
+              </a:defRPr>
             </a:lvl3pPr>
             <a:lvl4pPr lvl="3">
               <a:spcBef>
@@ -5548,9 +3662,16 @@
               <a:spcAft>
                 <a:spcPts val="0"/>
               </a:spcAft>
-              <a:buSzPts val="2400"/>
-              <a:buNone/>
-              <a:defRPr sz="2400"/>
+              <a:buClr>
+                <a:schemeClr val="lt1"/>
+              </a:buClr>
+              <a:buSzPts val="2800"/>
+              <a:buNone/>
+              <a:defRPr>
+                <a:solidFill>
+                  <a:schemeClr val="lt1"/>
+                </a:solidFill>
+              </a:defRPr>
             </a:lvl4pPr>
             <a:lvl5pPr lvl="4">
               <a:spcBef>
@@ -5559,9 +3680,16 @@
               <a:spcAft>
                 <a:spcPts val="0"/>
               </a:spcAft>
-              <a:buSzPts val="2400"/>
-              <a:buNone/>
-              <a:defRPr sz="2400"/>
+              <a:buClr>
+                <a:schemeClr val="lt1"/>
+              </a:buClr>
+              <a:buSzPts val="2800"/>
+              <a:buNone/>
+              <a:defRPr>
+                <a:solidFill>
+                  <a:schemeClr val="lt1"/>
+                </a:solidFill>
+              </a:defRPr>
             </a:lvl5pPr>
             <a:lvl6pPr lvl="5">
               <a:spcBef>
@@ -5570,9 +3698,16 @@
               <a:spcAft>
                 <a:spcPts val="0"/>
               </a:spcAft>
-              <a:buSzPts val="2400"/>
-              <a:buNone/>
-              <a:defRPr sz="2400"/>
+              <a:buClr>
+                <a:schemeClr val="lt1"/>
+              </a:buClr>
+              <a:buSzPts val="2800"/>
+              <a:buNone/>
+              <a:defRPr>
+                <a:solidFill>
+                  <a:schemeClr val="lt1"/>
+                </a:solidFill>
+              </a:defRPr>
             </a:lvl6pPr>
             <a:lvl7pPr lvl="6">
               <a:spcBef>
@@ -5581,9 +3716,16 @@
               <a:spcAft>
                 <a:spcPts val="0"/>
               </a:spcAft>
-              <a:buSzPts val="2400"/>
-              <a:buNone/>
-              <a:defRPr sz="2400"/>
+              <a:buClr>
+                <a:schemeClr val="lt1"/>
+              </a:buClr>
+              <a:buSzPts val="2800"/>
+              <a:buNone/>
+              <a:defRPr>
+                <a:solidFill>
+                  <a:schemeClr val="lt1"/>
+                </a:solidFill>
+              </a:defRPr>
             </a:lvl7pPr>
             <a:lvl8pPr lvl="7">
               <a:spcBef>
@@ -5592,9 +3734,16 @@
               <a:spcAft>
                 <a:spcPts val="0"/>
               </a:spcAft>
-              <a:buSzPts val="2400"/>
-              <a:buNone/>
-              <a:defRPr sz="2400"/>
+              <a:buClr>
+                <a:schemeClr val="lt1"/>
+              </a:buClr>
+              <a:buSzPts val="2800"/>
+              <a:buNone/>
+              <a:defRPr>
+                <a:solidFill>
+                  <a:schemeClr val="lt1"/>
+                </a:solidFill>
+              </a:defRPr>
             </a:lvl8pPr>
             <a:lvl9pPr lvl="8">
               <a:spcBef>
@@ -5603,9 +3752,16 @@
               <a:spcAft>
                 <a:spcPts val="0"/>
               </a:spcAft>
-              <a:buSzPts val="2400"/>
-              <a:buNone/>
-              <a:defRPr sz="2400"/>
+              <a:buClr>
+                <a:schemeClr val="lt1"/>
+              </a:buClr>
+              <a:buSzPts val="2800"/>
+              <a:buNone/>
+              <a:defRPr>
+                <a:solidFill>
+                  <a:schemeClr val="lt1"/>
+                </a:solidFill>
+              </a:defRPr>
             </a:lvl9pPr>
           </a:lstStyle>
           <a:p/>
@@ -5613,7 +3769,7 @@
       </p:sp>
       <p:sp>
         <p:nvSpPr>
-          <p:cNvPr id="61" name="Google Shape;61;p6"/>
+          <p:cNvPr id="35" name="Google Shape;35;p6"/>
           <p:cNvSpPr txBox="1"/>
           <p:nvPr>
             <p:ph idx="12" type="sldNum"/>
@@ -5701,7 +3857,7 @@
   <p:cSld name="ONE_COLUMN_TEXT">
     <p:spTree>
       <p:nvGrpSpPr>
-        <p:cNvPr id="62" name="Shape 62"/>
+        <p:cNvPr id="36" name="Shape 36"/>
         <p:cNvGrpSpPr/>
         <p:nvPr/>
       </p:nvGrpSpPr>
@@ -5713,114 +3869,52 @@
           <a:chExt cx="0" cy="0"/>
         </a:xfrm>
       </p:grpSpPr>
-      <p:grpSp>
-        <p:nvGrpSpPr>
-          <p:cNvPr id="63" name="Google Shape;63;p7"/>
-          <p:cNvGrpSpPr/>
-          <p:nvPr/>
-        </p:nvGrpSpPr>
-        <p:grpSpPr>
-          <a:xfrm>
-            <a:off x="0" y="381001"/>
-            <a:ext cx="1037850" cy="1016287"/>
-            <a:chOff x="0" y="381001"/>
-            <a:chExt cx="1037850" cy="1016287"/>
-          </a:xfrm>
-        </p:grpSpPr>
-        <p:sp>
-          <p:nvSpPr>
-            <p:cNvPr id="64" name="Google Shape;64;p7"/>
-            <p:cNvSpPr/>
-            <p:nvPr/>
-          </p:nvSpPr>
-          <p:spPr>
-            <a:xfrm rot="-5400000">
-              <a:off x="0" y="381001"/>
-              <a:ext cx="808800" cy="808800"/>
-            </a:xfrm>
-            <a:prstGeom prst="diagStripe">
-              <a:avLst>
-                <a:gd fmla="val 50000" name="adj"/>
-              </a:avLst>
-            </a:prstGeom>
-            <a:solidFill>
-              <a:schemeClr val="accent1"/>
-            </a:solidFill>
-            <a:ln>
-              <a:noFill/>
-            </a:ln>
-          </p:spPr>
-          <p:txBody>
-            <a:bodyPr anchorCtr="0" anchor="ctr" bIns="91425" lIns="91425" spcFirstLastPara="1" rIns="91425" wrap="square" tIns="91425">
-              <a:noAutofit/>
-            </a:bodyPr>
-            <a:lstStyle/>
-            <a:p>
-              <a:pPr indent="0" lvl="0" marL="0" rtl="0" algn="l">
-                <a:spcBef>
-                  <a:spcPts val="0"/>
-                </a:spcBef>
-                <a:spcAft>
-                  <a:spcPts val="0"/>
-                </a:spcAft>
-                <a:buNone/>
-              </a:pPr>
-              <a:r>
-                <a:t/>
-              </a:r>
-              <a:endParaRPr/>
-            </a:p>
-          </p:txBody>
-        </p:sp>
-        <p:sp>
-          <p:nvSpPr>
-            <p:cNvPr id="65" name="Google Shape;65;p7"/>
-            <p:cNvSpPr/>
-            <p:nvPr/>
-          </p:nvSpPr>
-          <p:spPr>
-            <a:xfrm flipH="1">
-              <a:off x="229050" y="588489"/>
-              <a:ext cx="808800" cy="808800"/>
-            </a:xfrm>
-            <a:prstGeom prst="diagStripe">
-              <a:avLst>
-                <a:gd fmla="val 50000" name="adj"/>
-              </a:avLst>
-            </a:prstGeom>
-            <a:solidFill>
-              <a:schemeClr val="lt2"/>
-            </a:solidFill>
-            <a:ln>
-              <a:noFill/>
-            </a:ln>
-          </p:spPr>
-          <p:txBody>
-            <a:bodyPr anchorCtr="0" anchor="ctr" bIns="91425" lIns="91425" spcFirstLastPara="1" rIns="91425" wrap="square" tIns="91425">
-              <a:noAutofit/>
-            </a:bodyPr>
-            <a:lstStyle/>
-            <a:p>
-              <a:pPr indent="0" lvl="0" marL="0" rtl="0" algn="l">
-                <a:spcBef>
-                  <a:spcPts val="0"/>
-                </a:spcBef>
-                <a:spcAft>
-                  <a:spcPts val="0"/>
-                </a:spcAft>
-                <a:buNone/>
-              </a:pPr>
-              <a:r>
-                <a:t/>
-              </a:r>
-              <a:endParaRPr/>
-            </a:p>
-          </p:txBody>
-        </p:sp>
-      </p:grpSp>
       <p:sp>
         <p:nvSpPr>
-          <p:cNvPr id="66" name="Google Shape;66;p7"/>
+          <p:cNvPr id="37" name="Google Shape;37;p7"/>
+          <p:cNvSpPr/>
+          <p:nvPr/>
+        </p:nvSpPr>
+        <p:spPr>
+          <a:xfrm>
+            <a:off x="0" y="0"/>
+            <a:ext cx="3764400" cy="5143500"/>
+          </a:xfrm>
+          <a:prstGeom prst="rect">
+            <a:avLst/>
+          </a:prstGeom>
+          <a:solidFill>
+            <a:schemeClr val="dk1"/>
+          </a:solidFill>
+          <a:ln>
+            <a:noFill/>
+          </a:ln>
+        </p:spPr>
+        <p:txBody>
+          <a:bodyPr anchorCtr="0" anchor="ctr" bIns="91425" lIns="91425" spcFirstLastPara="1" rIns="91425" wrap="square" tIns="91425">
+            <a:noAutofit/>
+          </a:bodyPr>
+          <a:lstStyle/>
+          <a:p>
+            <a:pPr indent="0" lvl="0" marL="0" rtl="0" algn="l">
+              <a:spcBef>
+                <a:spcPts val="0"/>
+              </a:spcBef>
+              <a:spcAft>
+                <a:spcPts val="0"/>
+              </a:spcAft>
+              <a:buNone/>
+            </a:pPr>
+            <a:r>
+              <a:t/>
+            </a:r>
+            <a:endParaRPr/>
+          </a:p>
+        </p:txBody>
+      </p:sp>
+      <p:sp>
+        <p:nvSpPr>
+          <p:cNvPr id="38" name="Google Shape;38;p7"/>
           <p:cNvSpPr txBox="1"/>
           <p:nvPr>
             <p:ph type="title"/>
@@ -5828,8 +3922,8 @@
         </p:nvSpPr>
         <p:spPr>
           <a:xfrm>
-            <a:off x="1297500" y="393750"/>
-            <a:ext cx="3798900" cy="1493100"/>
+            <a:off x="311725" y="500925"/>
+            <a:ext cx="3127500" cy="1829100"/>
           </a:xfrm>
           <a:prstGeom prst="rect">
             <a:avLst/>
@@ -5847,9 +3941,16 @@
               <a:spcAft>
                 <a:spcPts val="0"/>
               </a:spcAft>
-              <a:buSzPts val="2400"/>
-              <a:buNone/>
-              <a:defRPr sz="2400"/>
+              <a:buClr>
+                <a:schemeClr val="lt1"/>
+              </a:buClr>
+              <a:buSzPts val="2800"/>
+              <a:buNone/>
+              <a:defRPr>
+                <a:solidFill>
+                  <a:schemeClr val="lt1"/>
+                </a:solidFill>
+              </a:defRPr>
             </a:lvl1pPr>
             <a:lvl2pPr lvl="1">
               <a:spcBef>
@@ -5858,9 +3959,16 @@
               <a:spcAft>
                 <a:spcPts val="0"/>
               </a:spcAft>
-              <a:buSzPts val="2400"/>
-              <a:buNone/>
-              <a:defRPr sz="2400"/>
+              <a:buClr>
+                <a:schemeClr val="lt1"/>
+              </a:buClr>
+              <a:buSzPts val="2800"/>
+              <a:buNone/>
+              <a:defRPr>
+                <a:solidFill>
+                  <a:schemeClr val="lt1"/>
+                </a:solidFill>
+              </a:defRPr>
             </a:lvl2pPr>
             <a:lvl3pPr lvl="2">
               <a:spcBef>
@@ -5869,9 +3977,16 @@
               <a:spcAft>
                 <a:spcPts val="0"/>
               </a:spcAft>
-              <a:buSzPts val="2400"/>
-              <a:buNone/>
-              <a:defRPr sz="2400"/>
+              <a:buClr>
+                <a:schemeClr val="lt1"/>
+              </a:buClr>
+              <a:buSzPts val="2800"/>
+              <a:buNone/>
+              <a:defRPr>
+                <a:solidFill>
+                  <a:schemeClr val="lt1"/>
+                </a:solidFill>
+              </a:defRPr>
             </a:lvl3pPr>
             <a:lvl4pPr lvl="3">
               <a:spcBef>
@@ -5880,9 +3995,16 @@
               <a:spcAft>
                 <a:spcPts val="0"/>
               </a:spcAft>
-              <a:buSzPts val="2400"/>
-              <a:buNone/>
-              <a:defRPr sz="2400"/>
+              <a:buClr>
+                <a:schemeClr val="lt1"/>
+              </a:buClr>
+              <a:buSzPts val="2800"/>
+              <a:buNone/>
+              <a:defRPr>
+                <a:solidFill>
+                  <a:schemeClr val="lt1"/>
+                </a:solidFill>
+              </a:defRPr>
             </a:lvl4pPr>
             <a:lvl5pPr lvl="4">
               <a:spcBef>
@@ -5891,9 +4013,16 @@
               <a:spcAft>
                 <a:spcPts val="0"/>
               </a:spcAft>
-              <a:buSzPts val="2400"/>
-              <a:buNone/>
-              <a:defRPr sz="2400"/>
+              <a:buClr>
+                <a:schemeClr val="lt1"/>
+              </a:buClr>
+              <a:buSzPts val="2800"/>
+              <a:buNone/>
+              <a:defRPr>
+                <a:solidFill>
+                  <a:schemeClr val="lt1"/>
+                </a:solidFill>
+              </a:defRPr>
             </a:lvl5pPr>
             <a:lvl6pPr lvl="5">
               <a:spcBef>
@@ -5902,9 +4031,16 @@
               <a:spcAft>
                 <a:spcPts val="0"/>
               </a:spcAft>
-              <a:buSzPts val="2400"/>
-              <a:buNone/>
-              <a:defRPr sz="2400"/>
+              <a:buClr>
+                <a:schemeClr val="lt1"/>
+              </a:buClr>
+              <a:buSzPts val="2800"/>
+              <a:buNone/>
+              <a:defRPr>
+                <a:solidFill>
+                  <a:schemeClr val="lt1"/>
+                </a:solidFill>
+              </a:defRPr>
             </a:lvl6pPr>
             <a:lvl7pPr lvl="6">
               <a:spcBef>
@@ -5913,9 +4049,16 @@
               <a:spcAft>
                 <a:spcPts val="0"/>
               </a:spcAft>
-              <a:buSzPts val="2400"/>
-              <a:buNone/>
-              <a:defRPr sz="2400"/>
+              <a:buClr>
+                <a:schemeClr val="lt1"/>
+              </a:buClr>
+              <a:buSzPts val="2800"/>
+              <a:buNone/>
+              <a:defRPr>
+                <a:solidFill>
+                  <a:schemeClr val="lt1"/>
+                </a:solidFill>
+              </a:defRPr>
             </a:lvl7pPr>
             <a:lvl8pPr lvl="7">
               <a:spcBef>
@@ -5924,9 +4067,16 @@
               <a:spcAft>
                 <a:spcPts val="0"/>
               </a:spcAft>
-              <a:buSzPts val="2400"/>
-              <a:buNone/>
-              <a:defRPr sz="2400"/>
+              <a:buClr>
+                <a:schemeClr val="lt1"/>
+              </a:buClr>
+              <a:buSzPts val="2800"/>
+              <a:buNone/>
+              <a:defRPr>
+                <a:solidFill>
+                  <a:schemeClr val="lt1"/>
+                </a:solidFill>
+              </a:defRPr>
             </a:lvl8pPr>
             <a:lvl9pPr lvl="8">
               <a:spcBef>
@@ -5935,9 +4085,16 @@
               <a:spcAft>
                 <a:spcPts val="0"/>
               </a:spcAft>
-              <a:buSzPts val="2400"/>
-              <a:buNone/>
-              <a:defRPr sz="2400"/>
+              <a:buClr>
+                <a:schemeClr val="lt1"/>
+              </a:buClr>
+              <a:buSzPts val="2800"/>
+              <a:buNone/>
+              <a:defRPr>
+                <a:solidFill>
+                  <a:schemeClr val="lt1"/>
+                </a:solidFill>
+              </a:defRPr>
             </a:lvl9pPr>
           </a:lstStyle>
           <a:p/>
@@ -5945,7 +4102,7 @@
       </p:sp>
       <p:sp>
         <p:nvSpPr>
-          <p:cNvPr id="67" name="Google Shape;67;p7"/>
+          <p:cNvPr id="39" name="Google Shape;39;p7"/>
           <p:cNvSpPr txBox="1"/>
           <p:nvPr>
             <p:ph idx="1" type="body"/>
@@ -5953,8 +4110,8 @@
         </p:nvSpPr>
         <p:spPr>
           <a:xfrm>
-            <a:off x="1297500" y="1972550"/>
-            <a:ext cx="3798900" cy="2415900"/>
+            <a:off x="311700" y="2390650"/>
+            <a:ext cx="3127500" cy="2298000"/>
           </a:xfrm>
           <a:prstGeom prst="rect">
             <a:avLst/>
@@ -5972,9 +4129,16 @@
               <a:spcAft>
                 <a:spcPts val="0"/>
               </a:spcAft>
+              <a:buClr>
+                <a:schemeClr val="accent2"/>
+              </a:buClr>
               <a:buSzPts val="1300"/>
               <a:buChar char="●"/>
-              <a:defRPr/>
+              <a:defRPr>
+                <a:solidFill>
+                  <a:schemeClr val="accent2"/>
+                </a:solidFill>
+              </a:defRPr>
             </a:lvl1pPr>
             <a:lvl2pPr indent="-298450" lvl="1" marL="914400">
               <a:spcBef>
@@ -5983,9 +4147,16 @@
               <a:spcAft>
                 <a:spcPts val="0"/>
               </a:spcAft>
+              <a:buClr>
+                <a:schemeClr val="accent2"/>
+              </a:buClr>
               <a:buSzPts val="1100"/>
               <a:buChar char="○"/>
-              <a:defRPr/>
+              <a:defRPr>
+                <a:solidFill>
+                  <a:schemeClr val="accent2"/>
+                </a:solidFill>
+              </a:defRPr>
             </a:lvl2pPr>
             <a:lvl3pPr indent="-298450" lvl="2" marL="1371600">
               <a:spcBef>
@@ -5994,9 +4165,16 @@
               <a:spcAft>
                 <a:spcPts val="0"/>
               </a:spcAft>
+              <a:buClr>
+                <a:schemeClr val="accent2"/>
+              </a:buClr>
               <a:buSzPts val="1100"/>
               <a:buChar char="■"/>
-              <a:defRPr/>
+              <a:defRPr>
+                <a:solidFill>
+                  <a:schemeClr val="accent2"/>
+                </a:solidFill>
+              </a:defRPr>
             </a:lvl3pPr>
             <a:lvl4pPr indent="-298450" lvl="3" marL="1828800">
               <a:spcBef>
@@ -6005,9 +4183,16 @@
               <a:spcAft>
                 <a:spcPts val="0"/>
               </a:spcAft>
+              <a:buClr>
+                <a:schemeClr val="accent2"/>
+              </a:buClr>
               <a:buSzPts val="1100"/>
               <a:buChar char="●"/>
-              <a:defRPr/>
+              <a:defRPr>
+                <a:solidFill>
+                  <a:schemeClr val="accent2"/>
+                </a:solidFill>
+              </a:defRPr>
             </a:lvl4pPr>
             <a:lvl5pPr indent="-298450" lvl="4" marL="2286000">
               <a:spcBef>
@@ -6016,9 +4201,16 @@
               <a:spcAft>
                 <a:spcPts val="0"/>
               </a:spcAft>
+              <a:buClr>
+                <a:schemeClr val="accent2"/>
+              </a:buClr>
               <a:buSzPts val="1100"/>
               <a:buChar char="○"/>
-              <a:defRPr/>
+              <a:defRPr>
+                <a:solidFill>
+                  <a:schemeClr val="accent2"/>
+                </a:solidFill>
+              </a:defRPr>
             </a:lvl5pPr>
             <a:lvl6pPr indent="-298450" lvl="5" marL="2743200">
               <a:spcBef>
@@ -6027,9 +4219,16 @@
               <a:spcAft>
                 <a:spcPts val="0"/>
               </a:spcAft>
+              <a:buClr>
+                <a:schemeClr val="accent2"/>
+              </a:buClr>
               <a:buSzPts val="1100"/>
               <a:buChar char="■"/>
-              <a:defRPr/>
+              <a:defRPr>
+                <a:solidFill>
+                  <a:schemeClr val="accent2"/>
+                </a:solidFill>
+              </a:defRPr>
             </a:lvl6pPr>
             <a:lvl7pPr indent="-298450" lvl="6" marL="3200400">
               <a:spcBef>
@@ -6038,9 +4237,16 @@
               <a:spcAft>
                 <a:spcPts val="0"/>
               </a:spcAft>
+              <a:buClr>
+                <a:schemeClr val="accent2"/>
+              </a:buClr>
               <a:buSzPts val="1100"/>
               <a:buChar char="●"/>
-              <a:defRPr/>
+              <a:defRPr>
+                <a:solidFill>
+                  <a:schemeClr val="accent2"/>
+                </a:solidFill>
+              </a:defRPr>
             </a:lvl7pPr>
             <a:lvl8pPr indent="-298450" lvl="7" marL="3657600">
               <a:spcBef>
@@ -6049,9 +4255,16 @@
               <a:spcAft>
                 <a:spcPts val="0"/>
               </a:spcAft>
+              <a:buClr>
+                <a:schemeClr val="accent2"/>
+              </a:buClr>
               <a:buSzPts val="1100"/>
               <a:buChar char="○"/>
-              <a:defRPr/>
+              <a:defRPr>
+                <a:solidFill>
+                  <a:schemeClr val="accent2"/>
+                </a:solidFill>
+              </a:defRPr>
             </a:lvl8pPr>
             <a:lvl9pPr indent="-298450" lvl="8" marL="4114800">
               <a:spcBef>
@@ -6060,9 +4273,16 @@
               <a:spcAft>
                 <a:spcPts val="0"/>
               </a:spcAft>
+              <a:buClr>
+                <a:schemeClr val="accent2"/>
+              </a:buClr>
               <a:buSzPts val="1100"/>
               <a:buChar char="■"/>
-              <a:defRPr/>
+              <a:defRPr>
+                <a:solidFill>
+                  <a:schemeClr val="accent2"/>
+                </a:solidFill>
+              </a:defRPr>
             </a:lvl9pPr>
           </a:lstStyle>
           <a:p/>
@@ -6070,7 +4290,7 @@
       </p:sp>
       <p:sp>
         <p:nvSpPr>
-          <p:cNvPr id="68" name="Google Shape;68;p7"/>
+          <p:cNvPr id="40" name="Google Shape;40;p7"/>
           <p:cNvSpPr txBox="1"/>
           <p:nvPr>
             <p:ph idx="12" type="sldNum"/>
@@ -6156,9 +4376,16 @@
 <file path=ppt/slideLayouts/slideLayout7.xml><?xml version="1.0" encoding="utf-8"?>
 <p:sldLayout xmlns:a="http://schemas.openxmlformats.org/drawingml/2006/main" xmlns:r="http://schemas.openxmlformats.org/officeDocument/2006/relationships" xmlns:mc="http://schemas.openxmlformats.org/markup-compatibility/2006" xmlns:mv="urn:schemas-microsoft-com:mac:vml" xmlns:p="http://schemas.openxmlformats.org/presentationml/2006/main" xmlns:c="http://schemas.openxmlformats.org/drawingml/2006/chart" xmlns:dgm="http://schemas.openxmlformats.org/drawingml/2006/diagram" xmlns:o="urn:schemas-microsoft-com:office:office" xmlns:v="urn:schemas-microsoft-com:vml" xmlns:pvml="urn:schemas-microsoft-com:office:powerpoint" xmlns:com="http://schemas.openxmlformats.org/drawingml/2006/compatibility" xmlns:p14="http://schemas.microsoft.com/office/powerpoint/2010/main" xmlns:p15="http://schemas.microsoft.com/office/powerpoint/2012/main" xmlns:ahyp="http://schemas.microsoft.com/office/drawing/2018/hyperlinkcolor" matchingName="Main point">
   <p:cSld name="MAIN_POINT">
+    <p:bg>
+      <p:bgPr>
+        <a:solidFill>
+          <a:schemeClr val="accent3"/>
+        </a:solidFill>
+      </p:bgPr>
+    </p:bg>
     <p:spTree>
       <p:nvGrpSpPr>
-        <p:cNvPr id="69" name="Shape 69"/>
+        <p:cNvPr id="41" name="Shape 41"/>
         <p:cNvGrpSpPr/>
         <p:nvPr/>
       </p:nvGrpSpPr>
@@ -6170,866 +4397,9 @@
           <a:chExt cx="0" cy="0"/>
         </a:xfrm>
       </p:grpSpPr>
-      <p:grpSp>
-        <p:nvGrpSpPr>
-          <p:cNvPr id="70" name="Google Shape;70;p8"/>
-          <p:cNvGrpSpPr/>
-          <p:nvPr/>
-        </p:nvGrpSpPr>
-        <p:grpSpPr>
-          <a:xfrm>
-            <a:off x="4406400" y="0"/>
-            <a:ext cx="4737600" cy="5143500"/>
-            <a:chOff x="4406400" y="0"/>
-            <a:chExt cx="4737600" cy="5143500"/>
-          </a:xfrm>
-        </p:grpSpPr>
-        <p:sp>
-          <p:nvSpPr>
-            <p:cNvPr id="71" name="Google Shape;71;p8"/>
-            <p:cNvSpPr/>
-            <p:nvPr/>
-          </p:nvSpPr>
-          <p:spPr>
-            <a:xfrm rot="5400000">
-              <a:off x="4407900" y="-1500"/>
-              <a:ext cx="4734600" cy="4737600"/>
-            </a:xfrm>
-            <a:prstGeom prst="diagStripe">
-              <a:avLst>
-                <a:gd fmla="val 49469" name="adj"/>
-              </a:avLst>
-            </a:prstGeom>
-            <a:solidFill>
-              <a:schemeClr val="lt1">
-                <a:alpha val="3460"/>
-              </a:schemeClr>
-            </a:solidFill>
-            <a:ln>
-              <a:noFill/>
-            </a:ln>
-          </p:spPr>
-          <p:txBody>
-            <a:bodyPr anchorCtr="0" anchor="ctr" bIns="91425" lIns="91425" spcFirstLastPara="1" rIns="91425" wrap="square" tIns="91425">
-              <a:noAutofit/>
-            </a:bodyPr>
-            <a:lstStyle/>
-            <a:p>
-              <a:pPr indent="0" lvl="0" marL="0" rtl="0" algn="l">
-                <a:spcBef>
-                  <a:spcPts val="0"/>
-                </a:spcBef>
-                <a:spcAft>
-                  <a:spcPts val="0"/>
-                </a:spcAft>
-                <a:buNone/>
-              </a:pPr>
-              <a:r>
-                <a:t/>
-              </a:r>
-              <a:endParaRPr/>
-            </a:p>
-          </p:txBody>
-        </p:sp>
-        <p:sp>
-          <p:nvSpPr>
-            <p:cNvPr id="72" name="Google Shape;72;p8"/>
-            <p:cNvSpPr/>
-            <p:nvPr/>
-          </p:nvSpPr>
-          <p:spPr>
-            <a:xfrm rot="5400000">
-              <a:off x="4840825" y="6000"/>
-              <a:ext cx="4298700" cy="4286700"/>
-            </a:xfrm>
-            <a:prstGeom prst="diagStripe">
-              <a:avLst>
-                <a:gd fmla="val 0" name="adj"/>
-              </a:avLst>
-            </a:prstGeom>
-            <a:solidFill>
-              <a:schemeClr val="lt1">
-                <a:alpha val="3460"/>
-              </a:schemeClr>
-            </a:solidFill>
-            <a:ln>
-              <a:noFill/>
-            </a:ln>
-          </p:spPr>
-          <p:txBody>
-            <a:bodyPr anchorCtr="0" anchor="ctr" bIns="91425" lIns="91425" spcFirstLastPara="1" rIns="91425" wrap="square" tIns="91425">
-              <a:noAutofit/>
-            </a:bodyPr>
-            <a:lstStyle/>
-            <a:p>
-              <a:pPr indent="0" lvl="0" marL="0" rtl="0" algn="l">
-                <a:spcBef>
-                  <a:spcPts val="0"/>
-                </a:spcBef>
-                <a:spcAft>
-                  <a:spcPts val="0"/>
-                </a:spcAft>
-                <a:buNone/>
-              </a:pPr>
-              <a:r>
-                <a:t/>
-              </a:r>
-              <a:endParaRPr/>
-            </a:p>
-          </p:txBody>
-        </p:sp>
-        <p:sp>
-          <p:nvSpPr>
-            <p:cNvPr id="73" name="Google Shape;73;p8"/>
-            <p:cNvSpPr/>
-            <p:nvPr/>
-          </p:nvSpPr>
-          <p:spPr>
-            <a:xfrm rot="-5400000">
-              <a:off x="5618399" y="1236641"/>
-              <a:ext cx="808800" cy="808800"/>
-            </a:xfrm>
-            <a:prstGeom prst="diagStripe">
-              <a:avLst>
-                <a:gd fmla="val 50000" name="adj"/>
-              </a:avLst>
-            </a:prstGeom>
-            <a:solidFill>
-              <a:schemeClr val="lt1">
-                <a:alpha val="7310"/>
-              </a:schemeClr>
-            </a:solidFill>
-            <a:ln>
-              <a:noFill/>
-            </a:ln>
-          </p:spPr>
-          <p:txBody>
-            <a:bodyPr anchorCtr="0" anchor="ctr" bIns="91425" lIns="91425" spcFirstLastPara="1" rIns="91425" wrap="square" tIns="91425">
-              <a:noAutofit/>
-            </a:bodyPr>
-            <a:lstStyle/>
-            <a:p>
-              <a:pPr indent="0" lvl="0" marL="0" rtl="0" algn="l">
-                <a:spcBef>
-                  <a:spcPts val="0"/>
-                </a:spcBef>
-                <a:spcAft>
-                  <a:spcPts val="0"/>
-                </a:spcAft>
-                <a:buNone/>
-              </a:pPr>
-              <a:r>
-                <a:t/>
-              </a:r>
-              <a:endParaRPr/>
-            </a:p>
-          </p:txBody>
-        </p:sp>
-        <p:sp>
-          <p:nvSpPr>
-            <p:cNvPr id="74" name="Google Shape;74;p8"/>
-            <p:cNvSpPr/>
-            <p:nvPr/>
-          </p:nvSpPr>
-          <p:spPr>
-            <a:xfrm flipH="1">
-              <a:off x="5849857" y="1444078"/>
-              <a:ext cx="808800" cy="808800"/>
-            </a:xfrm>
-            <a:prstGeom prst="diagStripe">
-              <a:avLst>
-                <a:gd fmla="val 50000" name="adj"/>
-              </a:avLst>
-            </a:prstGeom>
-            <a:solidFill>
-              <a:schemeClr val="lt1">
-                <a:alpha val="7310"/>
-              </a:schemeClr>
-            </a:solidFill>
-            <a:ln>
-              <a:noFill/>
-            </a:ln>
-          </p:spPr>
-          <p:txBody>
-            <a:bodyPr anchorCtr="0" anchor="ctr" bIns="91425" lIns="91425" spcFirstLastPara="1" rIns="91425" wrap="square" tIns="91425">
-              <a:noAutofit/>
-            </a:bodyPr>
-            <a:lstStyle/>
-            <a:p>
-              <a:pPr indent="0" lvl="0" marL="0" rtl="0" algn="l">
-                <a:spcBef>
-                  <a:spcPts val="0"/>
-                </a:spcBef>
-                <a:spcAft>
-                  <a:spcPts val="0"/>
-                </a:spcAft>
-                <a:buNone/>
-              </a:pPr>
-              <a:r>
-                <a:t/>
-              </a:r>
-              <a:endParaRPr/>
-            </a:p>
-          </p:txBody>
-        </p:sp>
-        <p:sp>
-          <p:nvSpPr>
-            <p:cNvPr id="75" name="Google Shape;75;p8"/>
-            <p:cNvSpPr/>
-            <p:nvPr/>
-          </p:nvSpPr>
-          <p:spPr>
-            <a:xfrm rot="-5400000">
-              <a:off x="5987081" y="2469743"/>
-              <a:ext cx="808800" cy="808800"/>
-            </a:xfrm>
-            <a:prstGeom prst="diagStripe">
-              <a:avLst>
-                <a:gd fmla="val 50000" name="adj"/>
-              </a:avLst>
-            </a:prstGeom>
-            <a:solidFill>
-              <a:schemeClr val="lt1">
-                <a:alpha val="7310"/>
-              </a:schemeClr>
-            </a:solidFill>
-            <a:ln>
-              <a:noFill/>
-            </a:ln>
-          </p:spPr>
-          <p:txBody>
-            <a:bodyPr anchorCtr="0" anchor="ctr" bIns="91425" lIns="91425" spcFirstLastPara="1" rIns="91425" wrap="square" tIns="91425">
-              <a:noAutofit/>
-            </a:bodyPr>
-            <a:lstStyle/>
-            <a:p>
-              <a:pPr indent="0" lvl="0" marL="0" rtl="0" algn="l">
-                <a:spcBef>
-                  <a:spcPts val="0"/>
-                </a:spcBef>
-                <a:spcAft>
-                  <a:spcPts val="0"/>
-                </a:spcAft>
-                <a:buNone/>
-              </a:pPr>
-              <a:r>
-                <a:t/>
-              </a:r>
-              <a:endParaRPr/>
-            </a:p>
-          </p:txBody>
-        </p:sp>
-        <p:sp>
-          <p:nvSpPr>
-            <p:cNvPr id="76" name="Google Shape;76;p8"/>
-            <p:cNvSpPr/>
-            <p:nvPr/>
-          </p:nvSpPr>
-          <p:spPr>
-            <a:xfrm flipH="1">
-              <a:off x="6222115" y="2677179"/>
-              <a:ext cx="808800" cy="808800"/>
-            </a:xfrm>
-            <a:prstGeom prst="diagStripe">
-              <a:avLst>
-                <a:gd fmla="val 50000" name="adj"/>
-              </a:avLst>
-            </a:prstGeom>
-            <a:solidFill>
-              <a:schemeClr val="lt1">
-                <a:alpha val="7310"/>
-              </a:schemeClr>
-            </a:solidFill>
-            <a:ln>
-              <a:noFill/>
-            </a:ln>
-          </p:spPr>
-          <p:txBody>
-            <a:bodyPr anchorCtr="0" anchor="ctr" bIns="91425" lIns="91425" spcFirstLastPara="1" rIns="91425" wrap="square" tIns="91425">
-              <a:noAutofit/>
-            </a:bodyPr>
-            <a:lstStyle/>
-            <a:p>
-              <a:pPr indent="0" lvl="0" marL="0" rtl="0" algn="l">
-                <a:spcBef>
-                  <a:spcPts val="0"/>
-                </a:spcBef>
-                <a:spcAft>
-                  <a:spcPts val="0"/>
-                </a:spcAft>
-                <a:buNone/>
-              </a:pPr>
-              <a:r>
-                <a:t/>
-              </a:r>
-              <a:endParaRPr/>
-            </a:p>
-          </p:txBody>
-        </p:sp>
-        <p:sp>
-          <p:nvSpPr>
-            <p:cNvPr id="77" name="Google Shape;77;p8"/>
-            <p:cNvSpPr/>
-            <p:nvPr/>
-          </p:nvSpPr>
-          <p:spPr>
-            <a:xfrm rot="-5400000">
-              <a:off x="6675341" y="1862244"/>
-              <a:ext cx="808800" cy="808800"/>
-            </a:xfrm>
-            <a:prstGeom prst="diagStripe">
-              <a:avLst>
-                <a:gd fmla="val 50000" name="adj"/>
-              </a:avLst>
-            </a:prstGeom>
-            <a:solidFill>
-              <a:schemeClr val="lt1">
-                <a:alpha val="7310"/>
-              </a:schemeClr>
-            </a:solidFill>
-            <a:ln>
-              <a:noFill/>
-            </a:ln>
-          </p:spPr>
-          <p:txBody>
-            <a:bodyPr anchorCtr="0" anchor="ctr" bIns="91425" lIns="91425" spcFirstLastPara="1" rIns="91425" wrap="square" tIns="91425">
-              <a:noAutofit/>
-            </a:bodyPr>
-            <a:lstStyle/>
-            <a:p>
-              <a:pPr indent="0" lvl="0" marL="0" rtl="0" algn="l">
-                <a:spcBef>
-                  <a:spcPts val="0"/>
-                </a:spcBef>
-                <a:spcAft>
-                  <a:spcPts val="0"/>
-                </a:spcAft>
-                <a:buNone/>
-              </a:pPr>
-              <a:r>
-                <a:t/>
-              </a:r>
-              <a:endParaRPr/>
-            </a:p>
-          </p:txBody>
-        </p:sp>
-        <p:sp>
-          <p:nvSpPr>
-            <p:cNvPr id="78" name="Google Shape;78;p8"/>
-            <p:cNvSpPr/>
-            <p:nvPr/>
-          </p:nvSpPr>
-          <p:spPr>
-            <a:xfrm flipH="1">
-              <a:off x="6908099" y="2069680"/>
-              <a:ext cx="808800" cy="808800"/>
-            </a:xfrm>
-            <a:prstGeom prst="diagStripe">
-              <a:avLst>
-                <a:gd fmla="val 50000" name="adj"/>
-              </a:avLst>
-            </a:prstGeom>
-            <a:solidFill>
-              <a:schemeClr val="lt2"/>
-            </a:solidFill>
-            <a:ln>
-              <a:noFill/>
-            </a:ln>
-          </p:spPr>
-          <p:txBody>
-            <a:bodyPr anchorCtr="0" anchor="ctr" bIns="91425" lIns="91425" spcFirstLastPara="1" rIns="91425" wrap="square" tIns="91425">
-              <a:noAutofit/>
-            </a:bodyPr>
-            <a:lstStyle/>
-            <a:p>
-              <a:pPr indent="0" lvl="0" marL="0" rtl="0" algn="l">
-                <a:spcBef>
-                  <a:spcPts val="0"/>
-                </a:spcBef>
-                <a:spcAft>
-                  <a:spcPts val="0"/>
-                </a:spcAft>
-                <a:buNone/>
-              </a:pPr>
-              <a:r>
-                <a:t/>
-              </a:r>
-              <a:endParaRPr/>
-            </a:p>
-          </p:txBody>
-        </p:sp>
-        <p:sp>
-          <p:nvSpPr>
-            <p:cNvPr id="79" name="Google Shape;79;p8"/>
-            <p:cNvSpPr/>
-            <p:nvPr/>
-          </p:nvSpPr>
-          <p:spPr>
-            <a:xfrm rot="-5400000">
-              <a:off x="6861141" y="2478088"/>
-              <a:ext cx="808800" cy="808800"/>
-            </a:xfrm>
-            <a:prstGeom prst="diagStripe">
-              <a:avLst>
-                <a:gd fmla="val 50000" name="adj"/>
-              </a:avLst>
-            </a:prstGeom>
-            <a:solidFill>
-              <a:schemeClr val="lt1">
-                <a:alpha val="7310"/>
-              </a:schemeClr>
-            </a:solidFill>
-            <a:ln>
-              <a:noFill/>
-            </a:ln>
-          </p:spPr>
-          <p:txBody>
-            <a:bodyPr anchorCtr="0" anchor="ctr" bIns="91425" lIns="91425" spcFirstLastPara="1" rIns="91425" wrap="square" tIns="91425">
-              <a:noAutofit/>
-            </a:bodyPr>
-            <a:lstStyle/>
-            <a:p>
-              <a:pPr indent="0" lvl="0" marL="0" rtl="0" algn="l">
-                <a:spcBef>
-                  <a:spcPts val="0"/>
-                </a:spcBef>
-                <a:spcAft>
-                  <a:spcPts val="0"/>
-                </a:spcAft>
-                <a:buNone/>
-              </a:pPr>
-              <a:r>
-                <a:t/>
-              </a:r>
-              <a:endParaRPr/>
-            </a:p>
-          </p:txBody>
-        </p:sp>
-        <p:sp>
-          <p:nvSpPr>
-            <p:cNvPr id="80" name="Google Shape;80;p8"/>
-            <p:cNvSpPr/>
-            <p:nvPr/>
-          </p:nvSpPr>
-          <p:spPr>
-            <a:xfrm flipH="1">
-              <a:off x="7965266" y="2693191"/>
-              <a:ext cx="808800" cy="808800"/>
-            </a:xfrm>
-            <a:prstGeom prst="diagStripe">
-              <a:avLst>
-                <a:gd fmla="val 50000" name="adj"/>
-              </a:avLst>
-            </a:prstGeom>
-            <a:solidFill>
-              <a:schemeClr val="lt1">
-                <a:alpha val="7310"/>
-              </a:schemeClr>
-            </a:solidFill>
-            <a:ln>
-              <a:noFill/>
-            </a:ln>
-          </p:spPr>
-          <p:txBody>
-            <a:bodyPr anchorCtr="0" anchor="ctr" bIns="91425" lIns="91425" spcFirstLastPara="1" rIns="91425" wrap="square" tIns="91425">
-              <a:noAutofit/>
-            </a:bodyPr>
-            <a:lstStyle/>
-            <a:p>
-              <a:pPr indent="0" lvl="0" marL="0" rtl="0" algn="l">
-                <a:spcBef>
-                  <a:spcPts val="0"/>
-                </a:spcBef>
-                <a:spcAft>
-                  <a:spcPts val="0"/>
-                </a:spcAft>
-                <a:buNone/>
-              </a:pPr>
-              <a:r>
-                <a:t/>
-              </a:r>
-              <a:endParaRPr/>
-            </a:p>
-          </p:txBody>
-        </p:sp>
-        <p:sp>
-          <p:nvSpPr>
-            <p:cNvPr id="81" name="Google Shape;81;p8"/>
-            <p:cNvSpPr/>
-            <p:nvPr/>
-          </p:nvSpPr>
-          <p:spPr>
-            <a:xfrm flipH="1">
-              <a:off x="8145082" y="3309036"/>
-              <a:ext cx="808800" cy="808800"/>
-            </a:xfrm>
-            <a:prstGeom prst="diagStripe">
-              <a:avLst>
-                <a:gd fmla="val 50000" name="adj"/>
-              </a:avLst>
-            </a:prstGeom>
-            <a:solidFill>
-              <a:schemeClr val="lt1">
-                <a:alpha val="7310"/>
-              </a:schemeClr>
-            </a:solidFill>
-            <a:ln>
-              <a:noFill/>
-            </a:ln>
-          </p:spPr>
-          <p:txBody>
-            <a:bodyPr anchorCtr="0" anchor="ctr" bIns="91425" lIns="91425" spcFirstLastPara="1" rIns="91425" wrap="square" tIns="91425">
-              <a:noAutofit/>
-            </a:bodyPr>
-            <a:lstStyle/>
-            <a:p>
-              <a:pPr indent="0" lvl="0" marL="0" rtl="0" algn="l">
-                <a:spcBef>
-                  <a:spcPts val="0"/>
-                </a:spcBef>
-                <a:spcAft>
-                  <a:spcPts val="0"/>
-                </a:spcAft>
-                <a:buNone/>
-              </a:pPr>
-              <a:r>
-                <a:t/>
-              </a:r>
-              <a:endParaRPr/>
-            </a:p>
-          </p:txBody>
-        </p:sp>
-        <p:sp>
-          <p:nvSpPr>
-            <p:cNvPr id="82" name="Google Shape;82;p8"/>
-            <p:cNvSpPr/>
-            <p:nvPr/>
-          </p:nvSpPr>
-          <p:spPr>
-            <a:xfrm rot="-5400000">
-              <a:off x="7047599" y="3095345"/>
-              <a:ext cx="808800" cy="808800"/>
-            </a:xfrm>
-            <a:prstGeom prst="diagStripe">
-              <a:avLst>
-                <a:gd fmla="val 50000" name="adj"/>
-              </a:avLst>
-            </a:prstGeom>
-            <a:solidFill>
-              <a:schemeClr val="lt1">
-                <a:alpha val="7310"/>
-              </a:schemeClr>
-            </a:solidFill>
-            <a:ln>
-              <a:noFill/>
-            </a:ln>
-          </p:spPr>
-          <p:txBody>
-            <a:bodyPr anchorCtr="0" anchor="ctr" bIns="91425" lIns="91425" spcFirstLastPara="1" rIns="91425" wrap="square" tIns="91425">
-              <a:noAutofit/>
-            </a:bodyPr>
-            <a:lstStyle/>
-            <a:p>
-              <a:pPr indent="0" lvl="0" marL="0" rtl="0" algn="l">
-                <a:spcBef>
-                  <a:spcPts val="0"/>
-                </a:spcBef>
-                <a:spcAft>
-                  <a:spcPts val="0"/>
-                </a:spcAft>
-                <a:buNone/>
-              </a:pPr>
-              <a:r>
-                <a:t/>
-              </a:r>
-              <a:endParaRPr/>
-            </a:p>
-          </p:txBody>
-        </p:sp>
-        <p:sp>
-          <p:nvSpPr>
-            <p:cNvPr id="83" name="Google Shape;83;p8"/>
-            <p:cNvSpPr/>
-            <p:nvPr/>
-          </p:nvSpPr>
-          <p:spPr>
-            <a:xfrm flipH="1">
-              <a:off x="7276649" y="3302781"/>
-              <a:ext cx="808800" cy="808800"/>
-            </a:xfrm>
-            <a:prstGeom prst="diagStripe">
-              <a:avLst>
-                <a:gd fmla="val 50000" name="adj"/>
-              </a:avLst>
-            </a:prstGeom>
-            <a:solidFill>
-              <a:schemeClr val="lt1">
-                <a:alpha val="7310"/>
-              </a:schemeClr>
-            </a:solidFill>
-            <a:ln>
-              <a:noFill/>
-            </a:ln>
-          </p:spPr>
-          <p:txBody>
-            <a:bodyPr anchorCtr="0" anchor="ctr" bIns="91425" lIns="91425" spcFirstLastPara="1" rIns="91425" wrap="square" tIns="91425">
-              <a:noAutofit/>
-            </a:bodyPr>
-            <a:lstStyle/>
-            <a:p>
-              <a:pPr indent="0" lvl="0" marL="0" rtl="0" algn="l">
-                <a:spcBef>
-                  <a:spcPts val="0"/>
-                </a:spcBef>
-                <a:spcAft>
-                  <a:spcPts val="0"/>
-                </a:spcAft>
-                <a:buNone/>
-              </a:pPr>
-              <a:r>
-                <a:t/>
-              </a:r>
-              <a:endParaRPr/>
-            </a:p>
-          </p:txBody>
-        </p:sp>
-        <p:sp>
-          <p:nvSpPr>
-            <p:cNvPr id="84" name="Google Shape;84;p8"/>
-            <p:cNvSpPr/>
-            <p:nvPr/>
-          </p:nvSpPr>
-          <p:spPr>
-            <a:xfrm rot="-5400000">
-              <a:off x="7227414" y="3711189"/>
-              <a:ext cx="808800" cy="808800"/>
-            </a:xfrm>
-            <a:prstGeom prst="diagStripe">
-              <a:avLst>
-                <a:gd fmla="val 50000" name="adj"/>
-              </a:avLst>
-            </a:prstGeom>
-            <a:solidFill>
-              <a:schemeClr val="accent1"/>
-            </a:solidFill>
-            <a:ln>
-              <a:noFill/>
-            </a:ln>
-          </p:spPr>
-          <p:txBody>
-            <a:bodyPr anchorCtr="0" anchor="ctr" bIns="91425" lIns="91425" spcFirstLastPara="1" rIns="91425" wrap="square" tIns="91425">
-              <a:noAutofit/>
-            </a:bodyPr>
-            <a:lstStyle/>
-            <a:p>
-              <a:pPr indent="0" lvl="0" marL="0" rtl="0" algn="l">
-                <a:spcBef>
-                  <a:spcPts val="0"/>
-                </a:spcBef>
-                <a:spcAft>
-                  <a:spcPts val="0"/>
-                </a:spcAft>
-                <a:buNone/>
-              </a:pPr>
-              <a:r>
-                <a:t/>
-              </a:r>
-              <a:endParaRPr/>
-            </a:p>
-          </p:txBody>
-        </p:sp>
-        <p:sp>
-          <p:nvSpPr>
-            <p:cNvPr id="85" name="Google Shape;85;p8"/>
-            <p:cNvSpPr/>
-            <p:nvPr/>
-          </p:nvSpPr>
-          <p:spPr>
-            <a:xfrm flipH="1">
-              <a:off x="7462448" y="3918625"/>
-              <a:ext cx="808800" cy="808800"/>
-            </a:xfrm>
-            <a:prstGeom prst="diagStripe">
-              <a:avLst>
-                <a:gd fmla="val 50000" name="adj"/>
-              </a:avLst>
-            </a:prstGeom>
-            <a:solidFill>
-              <a:schemeClr val="lt1">
-                <a:alpha val="7310"/>
-              </a:schemeClr>
-            </a:solidFill>
-            <a:ln>
-              <a:noFill/>
-            </a:ln>
-          </p:spPr>
-          <p:txBody>
-            <a:bodyPr anchorCtr="0" anchor="ctr" bIns="91425" lIns="91425" spcFirstLastPara="1" rIns="91425" wrap="square" tIns="91425">
-              <a:noAutofit/>
-            </a:bodyPr>
-            <a:lstStyle/>
-            <a:p>
-              <a:pPr indent="0" lvl="0" marL="0" rtl="0" algn="l">
-                <a:spcBef>
-                  <a:spcPts val="0"/>
-                </a:spcBef>
-                <a:spcAft>
-                  <a:spcPts val="0"/>
-                </a:spcAft>
-                <a:buNone/>
-              </a:pPr>
-              <a:r>
-                <a:t/>
-              </a:r>
-              <a:endParaRPr/>
-            </a:p>
-          </p:txBody>
-        </p:sp>
-        <p:sp>
-          <p:nvSpPr>
-            <p:cNvPr id="86" name="Google Shape;86;p8"/>
-            <p:cNvSpPr/>
-            <p:nvPr/>
-          </p:nvSpPr>
-          <p:spPr>
-            <a:xfrm rot="-5400000">
-              <a:off x="8102491" y="3718856"/>
-              <a:ext cx="808800" cy="808800"/>
-            </a:xfrm>
-            <a:prstGeom prst="diagStripe">
-              <a:avLst>
-                <a:gd fmla="val 50000" name="adj"/>
-              </a:avLst>
-            </a:prstGeom>
-            <a:solidFill>
-              <a:schemeClr val="lt1">
-                <a:alpha val="7310"/>
-              </a:schemeClr>
-            </a:solidFill>
-            <a:ln>
-              <a:noFill/>
-            </a:ln>
-          </p:spPr>
-          <p:txBody>
-            <a:bodyPr anchorCtr="0" anchor="ctr" bIns="91425" lIns="91425" spcFirstLastPara="1" rIns="91425" wrap="square" tIns="91425">
-              <a:noAutofit/>
-            </a:bodyPr>
-            <a:lstStyle/>
-            <a:p>
-              <a:pPr indent="0" lvl="0" marL="0" rtl="0" algn="l">
-                <a:spcBef>
-                  <a:spcPts val="0"/>
-                </a:spcBef>
-                <a:spcAft>
-                  <a:spcPts val="0"/>
-                </a:spcAft>
-                <a:buNone/>
-              </a:pPr>
-              <a:r>
-                <a:t/>
-              </a:r>
-              <a:endParaRPr/>
-            </a:p>
-          </p:txBody>
-        </p:sp>
-        <p:sp>
-          <p:nvSpPr>
-            <p:cNvPr id="87" name="Google Shape;87;p8"/>
-            <p:cNvSpPr/>
-            <p:nvPr/>
-          </p:nvSpPr>
-          <p:spPr>
-            <a:xfrm flipH="1">
-              <a:off x="8334533" y="3926292"/>
-              <a:ext cx="808800" cy="808800"/>
-            </a:xfrm>
-            <a:prstGeom prst="diagStripe">
-              <a:avLst>
-                <a:gd fmla="val 50000" name="adj"/>
-              </a:avLst>
-            </a:prstGeom>
-            <a:solidFill>
-              <a:schemeClr val="lt1">
-                <a:alpha val="7310"/>
-              </a:schemeClr>
-            </a:solidFill>
-            <a:ln>
-              <a:noFill/>
-            </a:ln>
-          </p:spPr>
-          <p:txBody>
-            <a:bodyPr anchorCtr="0" anchor="ctr" bIns="91425" lIns="91425" spcFirstLastPara="1" rIns="91425" wrap="square" tIns="91425">
-              <a:noAutofit/>
-            </a:bodyPr>
-            <a:lstStyle/>
-            <a:p>
-              <a:pPr indent="0" lvl="0" marL="0" rtl="0" algn="l">
-                <a:spcBef>
-                  <a:spcPts val="0"/>
-                </a:spcBef>
-                <a:spcAft>
-                  <a:spcPts val="0"/>
-                </a:spcAft>
-                <a:buNone/>
-              </a:pPr>
-              <a:r>
-                <a:t/>
-              </a:r>
-              <a:endParaRPr/>
-            </a:p>
-          </p:txBody>
-        </p:sp>
-        <p:sp>
-          <p:nvSpPr>
-            <p:cNvPr id="88" name="Google Shape;88;p8"/>
-            <p:cNvSpPr/>
-            <p:nvPr/>
-          </p:nvSpPr>
-          <p:spPr>
-            <a:xfrm rot="-5400000">
-              <a:off x="8288290" y="4334700"/>
-              <a:ext cx="808800" cy="808800"/>
-            </a:xfrm>
-            <a:prstGeom prst="diagStripe">
-              <a:avLst>
-                <a:gd fmla="val 50000" name="adj"/>
-              </a:avLst>
-            </a:prstGeom>
-            <a:solidFill>
-              <a:schemeClr val="lt1">
-                <a:alpha val="7310"/>
-              </a:schemeClr>
-            </a:solidFill>
-            <a:ln>
-              <a:noFill/>
-            </a:ln>
-          </p:spPr>
-          <p:txBody>
-            <a:bodyPr anchorCtr="0" anchor="ctr" bIns="91425" lIns="91425" spcFirstLastPara="1" rIns="91425" wrap="square" tIns="91425">
-              <a:noAutofit/>
-            </a:bodyPr>
-            <a:lstStyle/>
-            <a:p>
-              <a:pPr indent="0" lvl="0" marL="0" rtl="0" algn="l">
-                <a:spcBef>
-                  <a:spcPts val="0"/>
-                </a:spcBef>
-                <a:spcAft>
-                  <a:spcPts val="0"/>
-                </a:spcAft>
-                <a:buNone/>
-              </a:pPr>
-              <a:r>
-                <a:t/>
-              </a:r>
-              <a:endParaRPr/>
-            </a:p>
-          </p:txBody>
-        </p:sp>
-      </p:grpSp>
       <p:sp>
         <p:nvSpPr>
-          <p:cNvPr id="89" name="Google Shape;89;p8"/>
+          <p:cNvPr id="42" name="Google Shape;42;p8"/>
           <p:cNvSpPr txBox="1"/>
           <p:nvPr>
             <p:ph type="title"/>
@@ -7037,8 +4407,8 @@
         </p:nvSpPr>
         <p:spPr>
           <a:xfrm>
-            <a:off x="823850" y="866775"/>
-            <a:ext cx="4587000" cy="3521100"/>
+            <a:off x="311675" y="798600"/>
+            <a:ext cx="6247800" cy="3546300"/>
           </a:xfrm>
           <a:prstGeom prst="rect">
             <a:avLst/>
@@ -7056,9 +4426,9 @@
               <a:spcAft>
                 <a:spcPts val="0"/>
               </a:spcAft>
-              <a:buSzPts val="2800"/>
-              <a:buNone/>
-              <a:defRPr/>
+              <a:buSzPts val="3600"/>
+              <a:buNone/>
+              <a:defRPr sz="3600"/>
             </a:lvl1pPr>
             <a:lvl2pPr lvl="1">
               <a:spcBef>
@@ -7067,9 +4437,9 @@
               <a:spcAft>
                 <a:spcPts val="0"/>
               </a:spcAft>
-              <a:buSzPts val="2800"/>
-              <a:buNone/>
-              <a:defRPr/>
+              <a:buSzPts val="3600"/>
+              <a:buNone/>
+              <a:defRPr sz="3600"/>
             </a:lvl2pPr>
             <a:lvl3pPr lvl="2">
               <a:spcBef>
@@ -7078,9 +4448,9 @@
               <a:spcAft>
                 <a:spcPts val="0"/>
               </a:spcAft>
-              <a:buSzPts val="2800"/>
-              <a:buNone/>
-              <a:defRPr/>
+              <a:buSzPts val="3600"/>
+              <a:buNone/>
+              <a:defRPr sz="3600"/>
             </a:lvl3pPr>
             <a:lvl4pPr lvl="3">
               <a:spcBef>
@@ -7089,9 +4459,9 @@
               <a:spcAft>
                 <a:spcPts val="0"/>
               </a:spcAft>
-              <a:buSzPts val="2800"/>
-              <a:buNone/>
-              <a:defRPr/>
+              <a:buSzPts val="3600"/>
+              <a:buNone/>
+              <a:defRPr sz="3600"/>
             </a:lvl4pPr>
             <a:lvl5pPr lvl="4">
               <a:spcBef>
@@ -7100,9 +4470,9 @@
               <a:spcAft>
                 <a:spcPts val="0"/>
               </a:spcAft>
-              <a:buSzPts val="2800"/>
-              <a:buNone/>
-              <a:defRPr/>
+              <a:buSzPts val="3600"/>
+              <a:buNone/>
+              <a:defRPr sz="3600"/>
             </a:lvl5pPr>
             <a:lvl6pPr lvl="5">
               <a:spcBef>
@@ -7111,9 +4481,9 @@
               <a:spcAft>
                 <a:spcPts val="0"/>
               </a:spcAft>
-              <a:buSzPts val="2800"/>
-              <a:buNone/>
-              <a:defRPr/>
+              <a:buSzPts val="3600"/>
+              <a:buNone/>
+              <a:defRPr sz="3600"/>
             </a:lvl6pPr>
             <a:lvl7pPr lvl="6">
               <a:spcBef>
@@ -7122,9 +4492,9 @@
               <a:spcAft>
                 <a:spcPts val="0"/>
               </a:spcAft>
-              <a:buSzPts val="2800"/>
-              <a:buNone/>
-              <a:defRPr/>
+              <a:buSzPts val="3600"/>
+              <a:buNone/>
+              <a:defRPr sz="3600"/>
             </a:lvl7pPr>
             <a:lvl8pPr lvl="7">
               <a:spcBef>
@@ -7133,9 +4503,9 @@
               <a:spcAft>
                 <a:spcPts val="0"/>
               </a:spcAft>
-              <a:buSzPts val="2800"/>
-              <a:buNone/>
-              <a:defRPr/>
+              <a:buSzPts val="3600"/>
+              <a:buNone/>
+              <a:defRPr sz="3600"/>
             </a:lvl8pPr>
             <a:lvl9pPr lvl="8">
               <a:spcBef>
@@ -7144,9 +4514,9 @@
               <a:spcAft>
                 <a:spcPts val="0"/>
               </a:spcAft>
-              <a:buSzPts val="2800"/>
-              <a:buNone/>
-              <a:defRPr/>
+              <a:buSzPts val="3600"/>
+              <a:buNone/>
+              <a:defRPr sz="3600"/>
             </a:lvl9pPr>
           </a:lstStyle>
           <a:p/>
@@ -7154,7 +4524,7 @@
       </p:sp>
       <p:sp>
         <p:nvSpPr>
-          <p:cNvPr id="90" name="Google Shape;90;p8"/>
+          <p:cNvPr id="43" name="Google Shape;43;p8"/>
           <p:cNvSpPr txBox="1"/>
           <p:nvPr>
             <p:ph idx="12" type="sldNum"/>
@@ -7176,39 +4546,75 @@
           <a:lstStyle>
             <a:lvl1pPr lvl="0">
               <a:buNone/>
-              <a:defRPr/>
+              <a:defRPr>
+                <a:solidFill>
+                  <a:schemeClr val="accent1"/>
+                </a:solidFill>
+              </a:defRPr>
             </a:lvl1pPr>
             <a:lvl2pPr lvl="1">
               <a:buNone/>
-              <a:defRPr/>
+              <a:defRPr>
+                <a:solidFill>
+                  <a:schemeClr val="accent1"/>
+                </a:solidFill>
+              </a:defRPr>
             </a:lvl2pPr>
             <a:lvl3pPr lvl="2">
               <a:buNone/>
-              <a:defRPr/>
+              <a:defRPr>
+                <a:solidFill>
+                  <a:schemeClr val="accent1"/>
+                </a:solidFill>
+              </a:defRPr>
             </a:lvl3pPr>
             <a:lvl4pPr lvl="3">
               <a:buNone/>
-              <a:defRPr/>
+              <a:defRPr>
+                <a:solidFill>
+                  <a:schemeClr val="accent1"/>
+                </a:solidFill>
+              </a:defRPr>
             </a:lvl4pPr>
             <a:lvl5pPr lvl="4">
               <a:buNone/>
-              <a:defRPr/>
+              <a:defRPr>
+                <a:solidFill>
+                  <a:schemeClr val="accent1"/>
+                </a:solidFill>
+              </a:defRPr>
             </a:lvl5pPr>
             <a:lvl6pPr lvl="5">
               <a:buNone/>
-              <a:defRPr/>
+              <a:defRPr>
+                <a:solidFill>
+                  <a:schemeClr val="accent1"/>
+                </a:solidFill>
+              </a:defRPr>
             </a:lvl6pPr>
             <a:lvl7pPr lvl="6">
               <a:buNone/>
-              <a:defRPr/>
+              <a:defRPr>
+                <a:solidFill>
+                  <a:schemeClr val="accent1"/>
+                </a:solidFill>
+              </a:defRPr>
             </a:lvl7pPr>
             <a:lvl8pPr lvl="7">
               <a:buNone/>
-              <a:defRPr/>
+              <a:defRPr>
+                <a:solidFill>
+                  <a:schemeClr val="accent1"/>
+                </a:solidFill>
+              </a:defRPr>
             </a:lvl8pPr>
             <a:lvl9pPr lvl="8">
               <a:buNone/>
-              <a:defRPr/>
+              <a:defRPr>
+                <a:solidFill>
+                  <a:schemeClr val="accent1"/>
+                </a:solidFill>
+              </a:defRPr>
             </a:lvl9pPr>
           </a:lstStyle>
           <a:p>
@@ -7242,7 +4648,7 @@
   <p:cSld name="SECTION_TITLE_AND_DESCRIPTION">
     <p:spTree>
       <p:nvGrpSpPr>
-        <p:cNvPr id="91" name="Shape 91"/>
+        <p:cNvPr id="44" name="Shape 44"/>
         <p:cNvGrpSpPr/>
         <p:nvPr/>
       </p:nvGrpSpPr>
@@ -7254,114 +4660,52 @@
           <a:chExt cx="0" cy="0"/>
         </a:xfrm>
       </p:grpSpPr>
-      <p:grpSp>
-        <p:nvGrpSpPr>
-          <p:cNvPr id="92" name="Google Shape;92;p9"/>
-          <p:cNvGrpSpPr/>
-          <p:nvPr/>
-        </p:nvGrpSpPr>
-        <p:grpSpPr>
-          <a:xfrm>
-            <a:off x="0" y="381001"/>
-            <a:ext cx="1037850" cy="1016287"/>
-            <a:chOff x="0" y="381001"/>
-            <a:chExt cx="1037850" cy="1016287"/>
-          </a:xfrm>
-        </p:grpSpPr>
-        <p:sp>
-          <p:nvSpPr>
-            <p:cNvPr id="93" name="Google Shape;93;p9"/>
-            <p:cNvSpPr/>
-            <p:nvPr/>
-          </p:nvSpPr>
-          <p:spPr>
-            <a:xfrm rot="-5400000">
-              <a:off x="0" y="381001"/>
-              <a:ext cx="808800" cy="808800"/>
-            </a:xfrm>
-            <a:prstGeom prst="diagStripe">
-              <a:avLst>
-                <a:gd fmla="val 50000" name="adj"/>
-              </a:avLst>
-            </a:prstGeom>
-            <a:solidFill>
-              <a:schemeClr val="accent1"/>
-            </a:solidFill>
-            <a:ln>
-              <a:noFill/>
-            </a:ln>
-          </p:spPr>
-          <p:txBody>
-            <a:bodyPr anchorCtr="0" anchor="ctr" bIns="91425" lIns="91425" spcFirstLastPara="1" rIns="91425" wrap="square" tIns="91425">
-              <a:noAutofit/>
-            </a:bodyPr>
-            <a:lstStyle/>
-            <a:p>
-              <a:pPr indent="0" lvl="0" marL="0" rtl="0" algn="l">
-                <a:spcBef>
-                  <a:spcPts val="0"/>
-                </a:spcBef>
-                <a:spcAft>
-                  <a:spcPts val="0"/>
-                </a:spcAft>
-                <a:buNone/>
-              </a:pPr>
-              <a:r>
-                <a:t/>
-              </a:r>
-              <a:endParaRPr/>
-            </a:p>
-          </p:txBody>
-        </p:sp>
-        <p:sp>
-          <p:nvSpPr>
-            <p:cNvPr id="94" name="Google Shape;94;p9"/>
-            <p:cNvSpPr/>
-            <p:nvPr/>
-          </p:nvSpPr>
-          <p:spPr>
-            <a:xfrm flipH="1">
-              <a:off x="229050" y="588489"/>
-              <a:ext cx="808800" cy="808800"/>
-            </a:xfrm>
-            <a:prstGeom prst="diagStripe">
-              <a:avLst>
-                <a:gd fmla="val 50000" name="adj"/>
-              </a:avLst>
-            </a:prstGeom>
-            <a:solidFill>
-              <a:schemeClr val="lt2"/>
-            </a:solidFill>
-            <a:ln>
-              <a:noFill/>
-            </a:ln>
-          </p:spPr>
-          <p:txBody>
-            <a:bodyPr anchorCtr="0" anchor="ctr" bIns="91425" lIns="91425" spcFirstLastPara="1" rIns="91425" wrap="square" tIns="91425">
-              <a:noAutofit/>
-            </a:bodyPr>
-            <a:lstStyle/>
-            <a:p>
-              <a:pPr indent="0" lvl="0" marL="0" rtl="0" algn="l">
-                <a:spcBef>
-                  <a:spcPts val="0"/>
-                </a:spcBef>
-                <a:spcAft>
-                  <a:spcPts val="0"/>
-                </a:spcAft>
-                <a:buNone/>
-              </a:pPr>
-              <a:r>
-                <a:t/>
-              </a:r>
-              <a:endParaRPr/>
-            </a:p>
-          </p:txBody>
-        </p:sp>
-      </p:grpSp>
       <p:sp>
         <p:nvSpPr>
-          <p:cNvPr id="95" name="Google Shape;95;p9"/>
+          <p:cNvPr id="45" name="Google Shape;45;p9"/>
+          <p:cNvSpPr/>
+          <p:nvPr/>
+        </p:nvSpPr>
+        <p:spPr>
+          <a:xfrm>
+            <a:off x="0" y="0"/>
+            <a:ext cx="4572000" cy="5143500"/>
+          </a:xfrm>
+          <a:prstGeom prst="rect">
+            <a:avLst/>
+          </a:prstGeom>
+          <a:solidFill>
+            <a:schemeClr val="dk1"/>
+          </a:solidFill>
+          <a:ln>
+            <a:noFill/>
+          </a:ln>
+        </p:spPr>
+        <p:txBody>
+          <a:bodyPr anchorCtr="0" anchor="ctr" bIns="91425" lIns="91425" spcFirstLastPara="1" rIns="91425" wrap="square" tIns="91425">
+            <a:noAutofit/>
+          </a:bodyPr>
+          <a:lstStyle/>
+          <a:p>
+            <a:pPr indent="0" lvl="0" marL="0" rtl="0" algn="l">
+              <a:spcBef>
+                <a:spcPts val="0"/>
+              </a:spcBef>
+              <a:spcAft>
+                <a:spcPts val="0"/>
+              </a:spcAft>
+              <a:buNone/>
+            </a:pPr>
+            <a:r>
+              <a:t/>
+            </a:r>
+            <a:endParaRPr/>
+          </a:p>
+        </p:txBody>
+      </p:sp>
+      <p:sp>
+        <p:nvSpPr>
+          <p:cNvPr id="46" name="Google Shape;46;p9"/>
           <p:cNvSpPr txBox="1"/>
           <p:nvPr>
             <p:ph type="title"/>
@@ -7369,8 +4713,8 @@
         </p:nvSpPr>
         <p:spPr>
           <a:xfrm>
-            <a:off x="1297500" y="1658325"/>
-            <a:ext cx="3036300" cy="1751700"/>
+            <a:off x="311300" y="500925"/>
+            <a:ext cx="3704400" cy="2049600"/>
           </a:xfrm>
           <a:prstGeom prst="rect">
             <a:avLst/>
@@ -7388,9 +4732,16 @@
               <a:spcAft>
                 <a:spcPts val="0"/>
               </a:spcAft>
-              <a:buSzPts val="2400"/>
-              <a:buNone/>
-              <a:defRPr sz="2400"/>
+              <a:buClr>
+                <a:schemeClr val="lt1"/>
+              </a:buClr>
+              <a:buSzPts val="2800"/>
+              <a:buNone/>
+              <a:defRPr>
+                <a:solidFill>
+                  <a:schemeClr val="lt1"/>
+                </a:solidFill>
+              </a:defRPr>
             </a:lvl1pPr>
             <a:lvl2pPr lvl="1">
               <a:spcBef>
@@ -7399,9 +4750,16 @@
               <a:spcAft>
                 <a:spcPts val="0"/>
               </a:spcAft>
-              <a:buSzPts val="2400"/>
-              <a:buNone/>
-              <a:defRPr sz="2400"/>
+              <a:buClr>
+                <a:schemeClr val="lt1"/>
+              </a:buClr>
+              <a:buSzPts val="2800"/>
+              <a:buNone/>
+              <a:defRPr>
+                <a:solidFill>
+                  <a:schemeClr val="lt1"/>
+                </a:solidFill>
+              </a:defRPr>
             </a:lvl2pPr>
             <a:lvl3pPr lvl="2">
               <a:spcBef>
@@ -7410,9 +4768,16 @@
               <a:spcAft>
                 <a:spcPts val="0"/>
               </a:spcAft>
-              <a:buSzPts val="2400"/>
-              <a:buNone/>
-              <a:defRPr sz="2400"/>
+              <a:buClr>
+                <a:schemeClr val="lt1"/>
+              </a:buClr>
+              <a:buSzPts val="2800"/>
+              <a:buNone/>
+              <a:defRPr>
+                <a:solidFill>
+                  <a:schemeClr val="lt1"/>
+                </a:solidFill>
+              </a:defRPr>
             </a:lvl3pPr>
             <a:lvl4pPr lvl="3">
               <a:spcBef>
@@ -7421,9 +4786,16 @@
               <a:spcAft>
                 <a:spcPts val="0"/>
               </a:spcAft>
-              <a:buSzPts val="2400"/>
-              <a:buNone/>
-              <a:defRPr sz="2400"/>
+              <a:buClr>
+                <a:schemeClr val="lt1"/>
+              </a:buClr>
+              <a:buSzPts val="2800"/>
+              <a:buNone/>
+              <a:defRPr>
+                <a:solidFill>
+                  <a:schemeClr val="lt1"/>
+                </a:solidFill>
+              </a:defRPr>
             </a:lvl4pPr>
             <a:lvl5pPr lvl="4">
               <a:spcBef>
@@ -7432,9 +4804,16 @@
               <a:spcAft>
                 <a:spcPts val="0"/>
               </a:spcAft>
-              <a:buSzPts val="2400"/>
-              <a:buNone/>
-              <a:defRPr sz="2400"/>
+              <a:buClr>
+                <a:schemeClr val="lt1"/>
+              </a:buClr>
+              <a:buSzPts val="2800"/>
+              <a:buNone/>
+              <a:defRPr>
+                <a:solidFill>
+                  <a:schemeClr val="lt1"/>
+                </a:solidFill>
+              </a:defRPr>
             </a:lvl5pPr>
             <a:lvl6pPr lvl="5">
               <a:spcBef>
@@ -7443,9 +4822,16 @@
               <a:spcAft>
                 <a:spcPts val="0"/>
               </a:spcAft>
-              <a:buSzPts val="2400"/>
-              <a:buNone/>
-              <a:defRPr sz="2400"/>
+              <a:buClr>
+                <a:schemeClr val="lt1"/>
+              </a:buClr>
+              <a:buSzPts val="2800"/>
+              <a:buNone/>
+              <a:defRPr>
+                <a:solidFill>
+                  <a:schemeClr val="lt1"/>
+                </a:solidFill>
+              </a:defRPr>
             </a:lvl6pPr>
             <a:lvl7pPr lvl="6">
               <a:spcBef>
@@ -7454,9 +4840,16 @@
               <a:spcAft>
                 <a:spcPts val="0"/>
               </a:spcAft>
-              <a:buSzPts val="2400"/>
-              <a:buNone/>
-              <a:defRPr sz="2400"/>
+              <a:buClr>
+                <a:schemeClr val="lt1"/>
+              </a:buClr>
+              <a:buSzPts val="2800"/>
+              <a:buNone/>
+              <a:defRPr>
+                <a:solidFill>
+                  <a:schemeClr val="lt1"/>
+                </a:solidFill>
+              </a:defRPr>
             </a:lvl7pPr>
             <a:lvl8pPr lvl="7">
               <a:spcBef>
@@ -7465,9 +4858,16 @@
               <a:spcAft>
                 <a:spcPts val="0"/>
               </a:spcAft>
-              <a:buSzPts val="2400"/>
-              <a:buNone/>
-              <a:defRPr sz="2400"/>
+              <a:buClr>
+                <a:schemeClr val="lt1"/>
+              </a:buClr>
+              <a:buSzPts val="2800"/>
+              <a:buNone/>
+              <a:defRPr>
+                <a:solidFill>
+                  <a:schemeClr val="lt1"/>
+                </a:solidFill>
+              </a:defRPr>
             </a:lvl8pPr>
             <a:lvl9pPr lvl="8">
               <a:spcBef>
@@ -7476,9 +4876,16 @@
               <a:spcAft>
                 <a:spcPts val="0"/>
               </a:spcAft>
-              <a:buSzPts val="2400"/>
-              <a:buNone/>
-              <a:defRPr sz="2400"/>
+              <a:buClr>
+                <a:schemeClr val="lt1"/>
+              </a:buClr>
+              <a:buSzPts val="2800"/>
+              <a:buNone/>
+              <a:defRPr>
+                <a:solidFill>
+                  <a:schemeClr val="lt1"/>
+                </a:solidFill>
+              </a:defRPr>
             </a:lvl9pPr>
           </a:lstStyle>
           <a:p/>
@@ -7486,7 +4893,7 @@
       </p:sp>
       <p:sp>
         <p:nvSpPr>
-          <p:cNvPr id="96" name="Google Shape;96;p9"/>
+          <p:cNvPr id="47" name="Google Shape;47;p9"/>
           <p:cNvSpPr txBox="1"/>
           <p:nvPr>
             <p:ph idx="1" type="subTitle"/>
@@ -7494,8 +4901,8 @@
         </p:nvSpPr>
         <p:spPr>
           <a:xfrm>
-            <a:off x="1297500" y="3538000"/>
-            <a:ext cx="3036300" cy="506100"/>
+            <a:off x="304800" y="2626725"/>
+            <a:ext cx="3704400" cy="926700"/>
           </a:xfrm>
           <a:prstGeom prst="rect">
             <a:avLst/>
@@ -7516,9 +4923,16 @@
               <a:spcAft>
                 <a:spcPts val="0"/>
               </a:spcAft>
-              <a:buSzPts val="1300"/>
-              <a:buNone/>
-              <a:defRPr/>
+              <a:buClr>
+                <a:schemeClr val="accent2"/>
+              </a:buClr>
+              <a:buSzPts val="1600"/>
+              <a:buNone/>
+              <a:defRPr sz="1600">
+                <a:solidFill>
+                  <a:schemeClr val="accent2"/>
+                </a:solidFill>
+              </a:defRPr>
             </a:lvl1pPr>
             <a:lvl2pPr lvl="1">
               <a:lnSpc>
@@ -7530,9 +4944,16 @@
               <a:spcAft>
                 <a:spcPts val="0"/>
               </a:spcAft>
-              <a:buSzPts val="1300"/>
-              <a:buNone/>
-              <a:defRPr sz="1300"/>
+              <a:buClr>
+                <a:schemeClr val="accent2"/>
+              </a:buClr>
+              <a:buSzPts val="1600"/>
+              <a:buNone/>
+              <a:defRPr sz="1600">
+                <a:solidFill>
+                  <a:schemeClr val="accent2"/>
+                </a:solidFill>
+              </a:defRPr>
             </a:lvl2pPr>
             <a:lvl3pPr lvl="2">
               <a:lnSpc>
@@ -7544,9 +4965,16 @@
               <a:spcAft>
                 <a:spcPts val="0"/>
               </a:spcAft>
-              <a:buSzPts val="1300"/>
-              <a:buNone/>
-              <a:defRPr sz="1300"/>
+              <a:buClr>
+                <a:schemeClr val="accent2"/>
+              </a:buClr>
+              <a:buSzPts val="1600"/>
+              <a:buNone/>
+              <a:defRPr sz="1600">
+                <a:solidFill>
+                  <a:schemeClr val="accent2"/>
+                </a:solidFill>
+              </a:defRPr>
             </a:lvl3pPr>
             <a:lvl4pPr lvl="3">
               <a:lnSpc>
@@ -7558,9 +4986,16 @@
               <a:spcAft>
                 <a:spcPts val="0"/>
               </a:spcAft>
-              <a:buSzPts val="1300"/>
-              <a:buNone/>
-              <a:defRPr sz="1300"/>
+              <a:buClr>
+                <a:schemeClr val="accent2"/>
+              </a:buClr>
+              <a:buSzPts val="1600"/>
+              <a:buNone/>
+              <a:defRPr sz="1600">
+                <a:solidFill>
+                  <a:schemeClr val="accent2"/>
+                </a:solidFill>
+              </a:defRPr>
             </a:lvl4pPr>
             <a:lvl5pPr lvl="4">
               <a:lnSpc>
@@ -7572,9 +5007,16 @@
               <a:spcAft>
                 <a:spcPts val="0"/>
               </a:spcAft>
-              <a:buSzPts val="1300"/>
-              <a:buNone/>
-              <a:defRPr sz="1300"/>
+              <a:buClr>
+                <a:schemeClr val="accent2"/>
+              </a:buClr>
+              <a:buSzPts val="1600"/>
+              <a:buNone/>
+              <a:defRPr sz="1600">
+                <a:solidFill>
+                  <a:schemeClr val="accent2"/>
+                </a:solidFill>
+              </a:defRPr>
             </a:lvl5pPr>
             <a:lvl6pPr lvl="5">
               <a:lnSpc>
@@ -7586,9 +5028,16 @@
               <a:spcAft>
                 <a:spcPts val="0"/>
               </a:spcAft>
-              <a:buSzPts val="1300"/>
-              <a:buNone/>
-              <a:defRPr sz="1300"/>
+              <a:buClr>
+                <a:schemeClr val="accent2"/>
+              </a:buClr>
+              <a:buSzPts val="1600"/>
+              <a:buNone/>
+              <a:defRPr sz="1600">
+                <a:solidFill>
+                  <a:schemeClr val="accent2"/>
+                </a:solidFill>
+              </a:defRPr>
             </a:lvl6pPr>
             <a:lvl7pPr lvl="6">
               <a:lnSpc>
@@ -7600,9 +5049,16 @@
               <a:spcAft>
                 <a:spcPts val="0"/>
               </a:spcAft>
-              <a:buSzPts val="1300"/>
-              <a:buNone/>
-              <a:defRPr sz="1300"/>
+              <a:buClr>
+                <a:schemeClr val="accent2"/>
+              </a:buClr>
+              <a:buSzPts val="1600"/>
+              <a:buNone/>
+              <a:defRPr sz="1600">
+                <a:solidFill>
+                  <a:schemeClr val="accent2"/>
+                </a:solidFill>
+              </a:defRPr>
             </a:lvl7pPr>
             <a:lvl8pPr lvl="7">
               <a:lnSpc>
@@ -7614,9 +5070,16 @@
               <a:spcAft>
                 <a:spcPts val="0"/>
               </a:spcAft>
-              <a:buSzPts val="1300"/>
-              <a:buNone/>
-              <a:defRPr sz="1300"/>
+              <a:buClr>
+                <a:schemeClr val="accent2"/>
+              </a:buClr>
+              <a:buSzPts val="1600"/>
+              <a:buNone/>
+              <a:defRPr sz="1600">
+                <a:solidFill>
+                  <a:schemeClr val="accent2"/>
+                </a:solidFill>
+              </a:defRPr>
             </a:lvl8pPr>
             <a:lvl9pPr lvl="8">
               <a:lnSpc>
@@ -7628,9 +5091,16 @@
               <a:spcAft>
                 <a:spcPts val="0"/>
               </a:spcAft>
-              <a:buSzPts val="1300"/>
-              <a:buNone/>
-              <a:defRPr sz="1300"/>
+              <a:buClr>
+                <a:schemeClr val="accent2"/>
+              </a:buClr>
+              <a:buSzPts val="1600"/>
+              <a:buNone/>
+              <a:defRPr sz="1600">
+                <a:solidFill>
+                  <a:schemeClr val="accent2"/>
+                </a:solidFill>
+              </a:defRPr>
             </a:lvl9pPr>
           </a:lstStyle>
           <a:p/>
@@ -7638,7 +5108,7 @@
       </p:sp>
       <p:sp>
         <p:nvSpPr>
-          <p:cNvPr id="97" name="Google Shape;97;p9"/>
+          <p:cNvPr id="48" name="Google Shape;48;p9"/>
           <p:cNvSpPr txBox="1"/>
           <p:nvPr>
             <p:ph idx="2" type="body"/>
@@ -7646,8 +5116,8 @@
         </p:nvSpPr>
         <p:spPr>
           <a:xfrm>
-            <a:off x="4648200" y="1696600"/>
-            <a:ext cx="3676800" cy="2347500"/>
+            <a:off x="4879025" y="500925"/>
+            <a:ext cx="3954000" cy="4111500"/>
           </a:xfrm>
           <a:prstGeom prst="rect">
             <a:avLst/>
@@ -7763,7 +5233,7 @@
       </p:sp>
       <p:sp>
         <p:nvSpPr>
-          <p:cNvPr id="98" name="Google Shape;98;p9"/>
+          <p:cNvPr id="49" name="Google Shape;49;p9"/>
           <p:cNvSpPr txBox="1"/>
           <p:nvPr>
             <p:ph idx="12" type="sldNum"/>
@@ -7851,7 +5321,7 @@
   <p:cSld name="CAPTION_ONLY">
     <p:spTree>
       <p:nvGrpSpPr>
-        <p:cNvPr id="99" name="Shape 99"/>
+        <p:cNvPr id="50" name="Shape 50"/>
         <p:cNvGrpSpPr/>
         <p:nvPr/>
       </p:nvGrpSpPr>
@@ -7863,118 +5333,52 @@
           <a:chExt cx="0" cy="0"/>
         </a:xfrm>
       </p:grpSpPr>
-      <p:grpSp>
-        <p:nvGrpSpPr>
-          <p:cNvPr id="100" name="Google Shape;100;p10"/>
-          <p:cNvGrpSpPr/>
-          <p:nvPr/>
-        </p:nvGrpSpPr>
-        <p:grpSpPr>
-          <a:xfrm>
-            <a:off x="0" y="4128572"/>
-            <a:ext cx="698925" cy="684657"/>
-            <a:chOff x="0" y="3785672"/>
-            <a:chExt cx="698925" cy="684657"/>
-          </a:xfrm>
-        </p:grpSpPr>
-        <p:sp>
-          <p:nvSpPr>
-            <p:cNvPr id="101" name="Google Shape;101;p10"/>
-            <p:cNvSpPr/>
-            <p:nvPr/>
-          </p:nvSpPr>
-          <p:spPr>
-            <a:xfrm rot="-5400000">
-              <a:off x="0" y="3785672"/>
-              <a:ext cx="544800" cy="544800"/>
-            </a:xfrm>
-            <a:prstGeom prst="diagStripe">
-              <a:avLst>
-                <a:gd fmla="val 50000" name="adj"/>
-              </a:avLst>
-            </a:prstGeom>
-            <a:solidFill>
-              <a:schemeClr val="lt1">
-                <a:alpha val="9620"/>
-              </a:schemeClr>
-            </a:solidFill>
-            <a:ln>
-              <a:noFill/>
-            </a:ln>
-          </p:spPr>
-          <p:txBody>
-            <a:bodyPr anchorCtr="0" anchor="ctr" bIns="91425" lIns="91425" spcFirstLastPara="1" rIns="91425" wrap="square" tIns="91425">
-              <a:noAutofit/>
-            </a:bodyPr>
-            <a:lstStyle/>
-            <a:p>
-              <a:pPr indent="0" lvl="0" marL="0" rtl="0" algn="l">
-                <a:spcBef>
-                  <a:spcPts val="0"/>
-                </a:spcBef>
-                <a:spcAft>
-                  <a:spcPts val="0"/>
-                </a:spcAft>
-                <a:buNone/>
-              </a:pPr>
-              <a:r>
-                <a:t/>
-              </a:r>
-              <a:endParaRPr/>
-            </a:p>
-          </p:txBody>
-        </p:sp>
-        <p:sp>
-          <p:nvSpPr>
-            <p:cNvPr id="102" name="Google Shape;102;p10"/>
-            <p:cNvSpPr/>
-            <p:nvPr/>
-          </p:nvSpPr>
-          <p:spPr>
-            <a:xfrm flipH="1">
-              <a:off x="154125" y="3925529"/>
-              <a:ext cx="544800" cy="544800"/>
-            </a:xfrm>
-            <a:prstGeom prst="diagStripe">
-              <a:avLst>
-                <a:gd fmla="val 50000" name="adj"/>
-              </a:avLst>
-            </a:prstGeom>
-            <a:solidFill>
-              <a:schemeClr val="lt1">
-                <a:alpha val="9620"/>
-              </a:schemeClr>
-            </a:solidFill>
-            <a:ln>
-              <a:noFill/>
-            </a:ln>
-          </p:spPr>
-          <p:txBody>
-            <a:bodyPr anchorCtr="0" anchor="ctr" bIns="91425" lIns="91425" spcFirstLastPara="1" rIns="91425" wrap="square" tIns="91425">
-              <a:noAutofit/>
-            </a:bodyPr>
-            <a:lstStyle/>
-            <a:p>
-              <a:pPr indent="0" lvl="0" marL="0" rtl="0" algn="l">
-                <a:spcBef>
-                  <a:spcPts val="0"/>
-                </a:spcBef>
-                <a:spcAft>
-                  <a:spcPts val="0"/>
-                </a:spcAft>
-                <a:buNone/>
-              </a:pPr>
-              <a:r>
-                <a:t/>
-              </a:r>
-              <a:endParaRPr/>
-            </a:p>
-          </p:txBody>
-        </p:sp>
-      </p:grpSp>
       <p:sp>
         <p:nvSpPr>
-          <p:cNvPr id="103" name="Google Shape;103;p10"/>
+          <p:cNvPr id="51" name="Google Shape;51;p10"/>
+          <p:cNvSpPr/>
+          <p:nvPr/>
+        </p:nvSpPr>
+        <p:spPr>
+          <a:xfrm>
+            <a:off x="0" y="4369000"/>
+            <a:ext cx="9144000" cy="774300"/>
+          </a:xfrm>
+          <a:prstGeom prst="rect">
+            <a:avLst/>
+          </a:prstGeom>
+          <a:solidFill>
+            <a:schemeClr val="dk1"/>
+          </a:solidFill>
+          <a:ln>
+            <a:noFill/>
+          </a:ln>
+        </p:spPr>
+        <p:txBody>
+          <a:bodyPr anchorCtr="0" anchor="ctr" bIns="91425" lIns="91425" spcFirstLastPara="1" rIns="91425" wrap="square" tIns="91425">
+            <a:noAutofit/>
+          </a:bodyPr>
+          <a:lstStyle/>
+          <a:p>
+            <a:pPr indent="0" lvl="0" marL="0" rtl="0" algn="l">
+              <a:spcBef>
+                <a:spcPts val="0"/>
+              </a:spcBef>
+              <a:spcAft>
+                <a:spcPts val="0"/>
+              </a:spcAft>
+              <a:buNone/>
+            </a:pPr>
+            <a:r>
+              <a:t/>
+            </a:r>
+            <a:endParaRPr/>
+          </a:p>
+        </p:txBody>
+      </p:sp>
+      <p:sp>
+        <p:nvSpPr>
+          <p:cNvPr id="52" name="Google Shape;52;p10"/>
           <p:cNvSpPr txBox="1"/>
           <p:nvPr>
             <p:ph idx="1" type="body"/>
@@ -7982,8 +5386,8 @@
         </p:nvSpPr>
         <p:spPr>
           <a:xfrm>
-            <a:off x="812725" y="4305375"/>
-            <a:ext cx="6936000" cy="523800"/>
+            <a:off x="311700" y="4521400"/>
+            <a:ext cx="7979400" cy="460500"/>
           </a:xfrm>
           <a:prstGeom prst="rect">
             <a:avLst/>
@@ -8004,9 +5408,21 @@
               <a:spcAft>
                 <a:spcPts val="0"/>
               </a:spcAft>
+              <a:buClr>
+                <a:schemeClr val="lt1"/>
+              </a:buClr>
               <a:buSzPts val="1300"/>
-              <a:buNone/>
-              <a:defRPr/>
+              <a:buFont typeface="Merriweather"/>
+              <a:buNone/>
+              <a:defRPr>
+                <a:solidFill>
+                  <a:schemeClr val="lt1"/>
+                </a:solidFill>
+                <a:latin typeface="Merriweather"/>
+                <a:ea typeface="Merriweather"/>
+                <a:cs typeface="Merriweather"/>
+                <a:sym typeface="Merriweather"/>
+              </a:defRPr>
             </a:lvl1pPr>
           </a:lstStyle>
           <a:p/>
@@ -8014,7 +5430,7 @@
       </p:sp>
       <p:sp>
         <p:nvSpPr>
-          <p:cNvPr id="104" name="Google Shape;104;p10"/>
+          <p:cNvPr id="53" name="Google Shape;53;p10"/>
           <p:cNvSpPr txBox="1"/>
           <p:nvPr>
             <p:ph idx="12" type="sldNum"/>
@@ -8036,39 +5452,75 @@
           <a:lstStyle>
             <a:lvl1pPr lvl="0">
               <a:buNone/>
-              <a:defRPr/>
+              <a:defRPr>
+                <a:solidFill>
+                  <a:schemeClr val="lt1"/>
+                </a:solidFill>
+              </a:defRPr>
             </a:lvl1pPr>
             <a:lvl2pPr lvl="1">
               <a:buNone/>
-              <a:defRPr/>
+              <a:defRPr>
+                <a:solidFill>
+                  <a:schemeClr val="lt1"/>
+                </a:solidFill>
+              </a:defRPr>
             </a:lvl2pPr>
             <a:lvl3pPr lvl="2">
               <a:buNone/>
-              <a:defRPr/>
+              <a:defRPr>
+                <a:solidFill>
+                  <a:schemeClr val="lt1"/>
+                </a:solidFill>
+              </a:defRPr>
             </a:lvl3pPr>
             <a:lvl4pPr lvl="3">
               <a:buNone/>
-              <a:defRPr/>
+              <a:defRPr>
+                <a:solidFill>
+                  <a:schemeClr val="lt1"/>
+                </a:solidFill>
+              </a:defRPr>
             </a:lvl4pPr>
             <a:lvl5pPr lvl="4">
               <a:buNone/>
-              <a:defRPr/>
+              <a:defRPr>
+                <a:solidFill>
+                  <a:schemeClr val="lt1"/>
+                </a:solidFill>
+              </a:defRPr>
             </a:lvl5pPr>
             <a:lvl6pPr lvl="5">
               <a:buNone/>
-              <a:defRPr/>
+              <a:defRPr>
+                <a:solidFill>
+                  <a:schemeClr val="lt1"/>
+                </a:solidFill>
+              </a:defRPr>
             </a:lvl6pPr>
             <a:lvl7pPr lvl="6">
               <a:buNone/>
-              <a:defRPr/>
+              <a:defRPr>
+                <a:solidFill>
+                  <a:schemeClr val="lt1"/>
+                </a:solidFill>
+              </a:defRPr>
             </a:lvl7pPr>
             <a:lvl8pPr lvl="7">
               <a:buNone/>
-              <a:defRPr/>
+              <a:defRPr>
+                <a:solidFill>
+                  <a:schemeClr val="lt1"/>
+                </a:solidFill>
+              </a:defRPr>
             </a:lvl8pPr>
             <a:lvl9pPr lvl="8">
               <a:buNone/>
-              <a:defRPr/>
+              <a:defRPr>
+                <a:solidFill>
+                  <a:schemeClr val="lt1"/>
+                </a:solidFill>
+              </a:defRPr>
             </a:lvl9pPr>
           </a:lstStyle>
           <a:p>
@@ -8099,11 +5551,11 @@
 
 <file path=ppt/slideMasters/slideMaster1.xml><?xml version="1.0" encoding="utf-8"?>
 <p:sldMaster xmlns:a="http://schemas.openxmlformats.org/drawingml/2006/main" xmlns:r="http://schemas.openxmlformats.org/officeDocument/2006/relationships" xmlns:mc="http://schemas.openxmlformats.org/markup-compatibility/2006" xmlns:mv="urn:schemas-microsoft-com:mac:vml" xmlns:p="http://schemas.openxmlformats.org/presentationml/2006/main" xmlns:c="http://schemas.openxmlformats.org/drawingml/2006/chart" xmlns:dgm="http://schemas.openxmlformats.org/drawingml/2006/diagram" xmlns:o="urn:schemas-microsoft-com:office:office" xmlns:v="urn:schemas-microsoft-com:vml" xmlns:pvml="urn:schemas-microsoft-com:office:powerpoint" xmlns:com="http://schemas.openxmlformats.org/drawingml/2006/compatibility" xmlns:p14="http://schemas.microsoft.com/office/powerpoint/2010/main" xmlns:p15="http://schemas.microsoft.com/office/powerpoint/2012/main" xmlns:ahyp="http://schemas.microsoft.com/office/drawing/2018/hyperlinkcolor">
-  <p:cSld name="focus">
+  <p:cSld name="paradigm">
     <p:bg>
       <p:bgPr>
         <a:solidFill>
-          <a:schemeClr val="dk1"/>
+          <a:schemeClr val="lt1"/>
         </a:solidFill>
       </p:bgPr>
     </p:bg>
@@ -8155,19 +5607,19 @@
                 <a:spcPts val="0"/>
               </a:spcAft>
               <a:buClr>
-                <a:schemeClr val="lt1"/>
+                <a:schemeClr val="accent1"/>
               </a:buClr>
               <a:buSzPts val="2800"/>
-              <a:buFont typeface="Montserrat"/>
+              <a:buFont typeface="Merriweather"/>
               <a:buNone/>
               <a:defRPr sz="2800">
                 <a:solidFill>
-                  <a:schemeClr val="lt1"/>
-                </a:solidFill>
-                <a:latin typeface="Montserrat"/>
-                <a:ea typeface="Montserrat"/>
-                <a:cs typeface="Montserrat"/>
-                <a:sym typeface="Montserrat"/>
+                  <a:schemeClr val="accent1"/>
+                </a:solidFill>
+                <a:latin typeface="Merriweather"/>
+                <a:ea typeface="Merriweather"/>
+                <a:cs typeface="Merriweather"/>
+                <a:sym typeface="Merriweather"/>
               </a:defRPr>
             </a:lvl1pPr>
             <a:lvl2pPr lvl="1">
@@ -8178,19 +5630,19 @@
                 <a:spcPts val="0"/>
               </a:spcAft>
               <a:buClr>
-                <a:schemeClr val="lt1"/>
+                <a:schemeClr val="accent1"/>
               </a:buClr>
               <a:buSzPts val="2800"/>
-              <a:buFont typeface="Montserrat"/>
+              <a:buFont typeface="Merriweather"/>
               <a:buNone/>
               <a:defRPr sz="2800">
                 <a:solidFill>
-                  <a:schemeClr val="lt1"/>
-                </a:solidFill>
-                <a:latin typeface="Montserrat"/>
-                <a:ea typeface="Montserrat"/>
-                <a:cs typeface="Montserrat"/>
-                <a:sym typeface="Montserrat"/>
+                  <a:schemeClr val="accent1"/>
+                </a:solidFill>
+                <a:latin typeface="Merriweather"/>
+                <a:ea typeface="Merriweather"/>
+                <a:cs typeface="Merriweather"/>
+                <a:sym typeface="Merriweather"/>
               </a:defRPr>
             </a:lvl2pPr>
             <a:lvl3pPr lvl="2">
@@ -8201,19 +5653,19 @@
                 <a:spcPts val="0"/>
               </a:spcAft>
               <a:buClr>
-                <a:schemeClr val="lt1"/>
+                <a:schemeClr val="accent1"/>
               </a:buClr>
               <a:buSzPts val="2800"/>
-              <a:buFont typeface="Montserrat"/>
+              <a:buFont typeface="Merriweather"/>
               <a:buNone/>
               <a:defRPr sz="2800">
                 <a:solidFill>
-                  <a:schemeClr val="lt1"/>
-                </a:solidFill>
-                <a:latin typeface="Montserrat"/>
-                <a:ea typeface="Montserrat"/>
-                <a:cs typeface="Montserrat"/>
-                <a:sym typeface="Montserrat"/>
+                  <a:schemeClr val="accent1"/>
+                </a:solidFill>
+                <a:latin typeface="Merriweather"/>
+                <a:ea typeface="Merriweather"/>
+                <a:cs typeface="Merriweather"/>
+                <a:sym typeface="Merriweather"/>
               </a:defRPr>
             </a:lvl3pPr>
             <a:lvl4pPr lvl="3">
@@ -8224,19 +5676,19 @@
                 <a:spcPts val="0"/>
               </a:spcAft>
               <a:buClr>
-                <a:schemeClr val="lt1"/>
+                <a:schemeClr val="accent1"/>
               </a:buClr>
               <a:buSzPts val="2800"/>
-              <a:buFont typeface="Montserrat"/>
+              <a:buFont typeface="Merriweather"/>
               <a:buNone/>
               <a:defRPr sz="2800">
                 <a:solidFill>
-                  <a:schemeClr val="lt1"/>
-                </a:solidFill>
-                <a:latin typeface="Montserrat"/>
-                <a:ea typeface="Montserrat"/>
-                <a:cs typeface="Montserrat"/>
-                <a:sym typeface="Montserrat"/>
+                  <a:schemeClr val="accent1"/>
+                </a:solidFill>
+                <a:latin typeface="Merriweather"/>
+                <a:ea typeface="Merriweather"/>
+                <a:cs typeface="Merriweather"/>
+                <a:sym typeface="Merriweather"/>
               </a:defRPr>
             </a:lvl4pPr>
             <a:lvl5pPr lvl="4">
@@ -8247,19 +5699,19 @@
                 <a:spcPts val="0"/>
               </a:spcAft>
               <a:buClr>
-                <a:schemeClr val="lt1"/>
+                <a:schemeClr val="accent1"/>
               </a:buClr>
               <a:buSzPts val="2800"/>
-              <a:buFont typeface="Montserrat"/>
+              <a:buFont typeface="Merriweather"/>
               <a:buNone/>
               <a:defRPr sz="2800">
                 <a:solidFill>
-                  <a:schemeClr val="lt1"/>
-                </a:solidFill>
-                <a:latin typeface="Montserrat"/>
-                <a:ea typeface="Montserrat"/>
-                <a:cs typeface="Montserrat"/>
-                <a:sym typeface="Montserrat"/>
+                  <a:schemeClr val="accent1"/>
+                </a:solidFill>
+                <a:latin typeface="Merriweather"/>
+                <a:ea typeface="Merriweather"/>
+                <a:cs typeface="Merriweather"/>
+                <a:sym typeface="Merriweather"/>
               </a:defRPr>
             </a:lvl5pPr>
             <a:lvl6pPr lvl="5">
@@ -8270,19 +5722,19 @@
                 <a:spcPts val="0"/>
               </a:spcAft>
               <a:buClr>
-                <a:schemeClr val="lt1"/>
+                <a:schemeClr val="accent1"/>
               </a:buClr>
               <a:buSzPts val="2800"/>
-              <a:buFont typeface="Montserrat"/>
+              <a:buFont typeface="Merriweather"/>
               <a:buNone/>
               <a:defRPr sz="2800">
                 <a:solidFill>
-                  <a:schemeClr val="lt1"/>
-                </a:solidFill>
-                <a:latin typeface="Montserrat"/>
-                <a:ea typeface="Montserrat"/>
-                <a:cs typeface="Montserrat"/>
-                <a:sym typeface="Montserrat"/>
+                  <a:schemeClr val="accent1"/>
+                </a:solidFill>
+                <a:latin typeface="Merriweather"/>
+                <a:ea typeface="Merriweather"/>
+                <a:cs typeface="Merriweather"/>
+                <a:sym typeface="Merriweather"/>
               </a:defRPr>
             </a:lvl6pPr>
             <a:lvl7pPr lvl="6">
@@ -8293,19 +5745,19 @@
                 <a:spcPts val="0"/>
               </a:spcAft>
               <a:buClr>
-                <a:schemeClr val="lt1"/>
+                <a:schemeClr val="accent1"/>
               </a:buClr>
               <a:buSzPts val="2800"/>
-              <a:buFont typeface="Montserrat"/>
+              <a:buFont typeface="Merriweather"/>
               <a:buNone/>
               <a:defRPr sz="2800">
                 <a:solidFill>
-                  <a:schemeClr val="lt1"/>
-                </a:solidFill>
-                <a:latin typeface="Montserrat"/>
-                <a:ea typeface="Montserrat"/>
-                <a:cs typeface="Montserrat"/>
-                <a:sym typeface="Montserrat"/>
+                  <a:schemeClr val="accent1"/>
+                </a:solidFill>
+                <a:latin typeface="Merriweather"/>
+                <a:ea typeface="Merriweather"/>
+                <a:cs typeface="Merriweather"/>
+                <a:sym typeface="Merriweather"/>
               </a:defRPr>
             </a:lvl7pPr>
             <a:lvl8pPr lvl="7">
@@ -8316,19 +5768,19 @@
                 <a:spcPts val="0"/>
               </a:spcAft>
               <a:buClr>
-                <a:schemeClr val="lt1"/>
+                <a:schemeClr val="accent1"/>
               </a:buClr>
               <a:buSzPts val="2800"/>
-              <a:buFont typeface="Montserrat"/>
+              <a:buFont typeface="Merriweather"/>
               <a:buNone/>
               <a:defRPr sz="2800">
                 <a:solidFill>
-                  <a:schemeClr val="lt1"/>
-                </a:solidFill>
-                <a:latin typeface="Montserrat"/>
-                <a:ea typeface="Montserrat"/>
-                <a:cs typeface="Montserrat"/>
-                <a:sym typeface="Montserrat"/>
+                  <a:schemeClr val="accent1"/>
+                </a:solidFill>
+                <a:latin typeface="Merriweather"/>
+                <a:ea typeface="Merriweather"/>
+                <a:cs typeface="Merriweather"/>
+                <a:sym typeface="Merriweather"/>
               </a:defRPr>
             </a:lvl8pPr>
             <a:lvl9pPr lvl="8">
@@ -8339,19 +5791,19 @@
                 <a:spcPts val="0"/>
               </a:spcAft>
               <a:buClr>
-                <a:schemeClr val="lt1"/>
+                <a:schemeClr val="accent1"/>
               </a:buClr>
               <a:buSzPts val="2800"/>
-              <a:buFont typeface="Montserrat"/>
+              <a:buFont typeface="Merriweather"/>
               <a:buNone/>
               <a:defRPr sz="2800">
                 <a:solidFill>
-                  <a:schemeClr val="lt1"/>
-                </a:solidFill>
-                <a:latin typeface="Montserrat"/>
-                <a:ea typeface="Montserrat"/>
-                <a:cs typeface="Montserrat"/>
-                <a:sym typeface="Montserrat"/>
+                  <a:schemeClr val="accent1"/>
+                </a:solidFill>
+                <a:latin typeface="Merriweather"/>
+                <a:ea typeface="Merriweather"/>
+                <a:cs typeface="Merriweather"/>
+                <a:sym typeface="Merriweather"/>
               </a:defRPr>
             </a:lvl9pPr>
           </a:lstStyle>
@@ -8395,19 +5847,19 @@
                 <a:spcPts val="0"/>
               </a:spcAft>
               <a:buClr>
-                <a:schemeClr val="lt1"/>
+                <a:schemeClr val="dk2"/>
               </a:buClr>
               <a:buSzPts val="1300"/>
-              <a:buFont typeface="Lato"/>
+              <a:buFont typeface="Roboto"/>
               <a:buChar char="●"/>
               <a:defRPr sz="1300">
                 <a:solidFill>
-                  <a:schemeClr val="lt1"/>
-                </a:solidFill>
-                <a:latin typeface="Lato"/>
-                <a:ea typeface="Lato"/>
-                <a:cs typeface="Lato"/>
-                <a:sym typeface="Lato"/>
+                  <a:schemeClr val="dk2"/>
+                </a:solidFill>
+                <a:latin typeface="Roboto"/>
+                <a:ea typeface="Roboto"/>
+                <a:cs typeface="Roboto"/>
+                <a:sym typeface="Roboto"/>
               </a:defRPr>
             </a:lvl1pPr>
             <a:lvl2pPr indent="-298450" lvl="1" marL="914400">
@@ -8421,19 +5873,19 @@
                 <a:spcPts val="0"/>
               </a:spcAft>
               <a:buClr>
-                <a:schemeClr val="lt1"/>
+                <a:schemeClr val="dk2"/>
               </a:buClr>
               <a:buSzPts val="1100"/>
-              <a:buFont typeface="Lato"/>
+              <a:buFont typeface="Roboto"/>
               <a:buChar char="○"/>
               <a:defRPr sz="1100">
                 <a:solidFill>
-                  <a:schemeClr val="lt1"/>
-                </a:solidFill>
-                <a:latin typeface="Lato"/>
-                <a:ea typeface="Lato"/>
-                <a:cs typeface="Lato"/>
-                <a:sym typeface="Lato"/>
+                  <a:schemeClr val="dk2"/>
+                </a:solidFill>
+                <a:latin typeface="Roboto"/>
+                <a:ea typeface="Roboto"/>
+                <a:cs typeface="Roboto"/>
+                <a:sym typeface="Roboto"/>
               </a:defRPr>
             </a:lvl2pPr>
             <a:lvl3pPr indent="-298450" lvl="2" marL="1371600">
@@ -8447,19 +5899,19 @@
                 <a:spcPts val="0"/>
               </a:spcAft>
               <a:buClr>
-                <a:schemeClr val="lt1"/>
+                <a:schemeClr val="dk2"/>
               </a:buClr>
               <a:buSzPts val="1100"/>
-              <a:buFont typeface="Lato"/>
+              <a:buFont typeface="Roboto"/>
               <a:buChar char="■"/>
               <a:defRPr sz="1100">
                 <a:solidFill>
-                  <a:schemeClr val="lt1"/>
-                </a:solidFill>
-                <a:latin typeface="Lato"/>
-                <a:ea typeface="Lato"/>
-                <a:cs typeface="Lato"/>
-                <a:sym typeface="Lato"/>
+                  <a:schemeClr val="dk2"/>
+                </a:solidFill>
+                <a:latin typeface="Roboto"/>
+                <a:ea typeface="Roboto"/>
+                <a:cs typeface="Roboto"/>
+                <a:sym typeface="Roboto"/>
               </a:defRPr>
             </a:lvl3pPr>
             <a:lvl4pPr indent="-298450" lvl="3" marL="1828800">
@@ -8473,19 +5925,19 @@
                 <a:spcPts val="0"/>
               </a:spcAft>
               <a:buClr>
-                <a:schemeClr val="lt1"/>
+                <a:schemeClr val="dk2"/>
               </a:buClr>
               <a:buSzPts val="1100"/>
-              <a:buFont typeface="Lato"/>
+              <a:buFont typeface="Roboto"/>
               <a:buChar char="●"/>
               <a:defRPr sz="1100">
                 <a:solidFill>
-                  <a:schemeClr val="lt1"/>
-                </a:solidFill>
-                <a:latin typeface="Lato"/>
-                <a:ea typeface="Lato"/>
-                <a:cs typeface="Lato"/>
-                <a:sym typeface="Lato"/>
+                  <a:schemeClr val="dk2"/>
+                </a:solidFill>
+                <a:latin typeface="Roboto"/>
+                <a:ea typeface="Roboto"/>
+                <a:cs typeface="Roboto"/>
+                <a:sym typeface="Roboto"/>
               </a:defRPr>
             </a:lvl4pPr>
             <a:lvl5pPr indent="-298450" lvl="4" marL="2286000">
@@ -8499,19 +5951,19 @@
                 <a:spcPts val="0"/>
               </a:spcAft>
               <a:buClr>
-                <a:schemeClr val="lt1"/>
+                <a:schemeClr val="dk2"/>
               </a:buClr>
               <a:buSzPts val="1100"/>
-              <a:buFont typeface="Lato"/>
+              <a:buFont typeface="Roboto"/>
               <a:buChar char="○"/>
               <a:defRPr sz="1100">
                 <a:solidFill>
-                  <a:schemeClr val="lt1"/>
-                </a:solidFill>
-                <a:latin typeface="Lato"/>
-                <a:ea typeface="Lato"/>
-                <a:cs typeface="Lato"/>
-                <a:sym typeface="Lato"/>
+                  <a:schemeClr val="dk2"/>
+                </a:solidFill>
+                <a:latin typeface="Roboto"/>
+                <a:ea typeface="Roboto"/>
+                <a:cs typeface="Roboto"/>
+                <a:sym typeface="Roboto"/>
               </a:defRPr>
             </a:lvl5pPr>
             <a:lvl6pPr indent="-298450" lvl="5" marL="2743200">
@@ -8525,19 +5977,19 @@
                 <a:spcPts val="0"/>
               </a:spcAft>
               <a:buClr>
-                <a:schemeClr val="lt1"/>
+                <a:schemeClr val="dk2"/>
               </a:buClr>
               <a:buSzPts val="1100"/>
-              <a:buFont typeface="Lato"/>
+              <a:buFont typeface="Roboto"/>
               <a:buChar char="■"/>
               <a:defRPr sz="1100">
                 <a:solidFill>
-                  <a:schemeClr val="lt1"/>
-                </a:solidFill>
-                <a:latin typeface="Lato"/>
-                <a:ea typeface="Lato"/>
-                <a:cs typeface="Lato"/>
-                <a:sym typeface="Lato"/>
+                  <a:schemeClr val="dk2"/>
+                </a:solidFill>
+                <a:latin typeface="Roboto"/>
+                <a:ea typeface="Roboto"/>
+                <a:cs typeface="Roboto"/>
+                <a:sym typeface="Roboto"/>
               </a:defRPr>
             </a:lvl6pPr>
             <a:lvl7pPr indent="-298450" lvl="6" marL="3200400">
@@ -8551,19 +6003,19 @@
                 <a:spcPts val="0"/>
               </a:spcAft>
               <a:buClr>
-                <a:schemeClr val="lt1"/>
+                <a:schemeClr val="dk2"/>
               </a:buClr>
               <a:buSzPts val="1100"/>
-              <a:buFont typeface="Lato"/>
+              <a:buFont typeface="Roboto"/>
               <a:buChar char="●"/>
               <a:defRPr sz="1100">
                 <a:solidFill>
-                  <a:schemeClr val="lt1"/>
-                </a:solidFill>
-                <a:latin typeface="Lato"/>
-                <a:ea typeface="Lato"/>
-                <a:cs typeface="Lato"/>
-                <a:sym typeface="Lato"/>
+                  <a:schemeClr val="dk2"/>
+                </a:solidFill>
+                <a:latin typeface="Roboto"/>
+                <a:ea typeface="Roboto"/>
+                <a:cs typeface="Roboto"/>
+                <a:sym typeface="Roboto"/>
               </a:defRPr>
             </a:lvl7pPr>
             <a:lvl8pPr indent="-298450" lvl="7" marL="3657600">
@@ -8577,19 +6029,19 @@
                 <a:spcPts val="0"/>
               </a:spcAft>
               <a:buClr>
-                <a:schemeClr val="lt1"/>
+                <a:schemeClr val="dk2"/>
               </a:buClr>
               <a:buSzPts val="1100"/>
-              <a:buFont typeface="Lato"/>
+              <a:buFont typeface="Roboto"/>
               <a:buChar char="○"/>
               <a:defRPr sz="1100">
                 <a:solidFill>
-                  <a:schemeClr val="lt1"/>
-                </a:solidFill>
-                <a:latin typeface="Lato"/>
-                <a:ea typeface="Lato"/>
-                <a:cs typeface="Lato"/>
-                <a:sym typeface="Lato"/>
+                  <a:schemeClr val="dk2"/>
+                </a:solidFill>
+                <a:latin typeface="Roboto"/>
+                <a:ea typeface="Roboto"/>
+                <a:cs typeface="Roboto"/>
+                <a:sym typeface="Roboto"/>
               </a:defRPr>
             </a:lvl8pPr>
             <a:lvl9pPr indent="-298450" lvl="8" marL="4114800">
@@ -8603,19 +6055,19 @@
                 <a:spcPts val="0"/>
               </a:spcAft>
               <a:buClr>
-                <a:schemeClr val="lt1"/>
+                <a:schemeClr val="dk2"/>
               </a:buClr>
               <a:buSzPts val="1100"/>
-              <a:buFont typeface="Lato"/>
+              <a:buFont typeface="Roboto"/>
               <a:buChar char="■"/>
               <a:defRPr sz="1100">
                 <a:solidFill>
-                  <a:schemeClr val="lt1"/>
-                </a:solidFill>
-                <a:latin typeface="Lato"/>
-                <a:ea typeface="Lato"/>
-                <a:cs typeface="Lato"/>
-                <a:sym typeface="Lato"/>
+                  <a:schemeClr val="dk2"/>
+                </a:solidFill>
+                <a:latin typeface="Roboto"/>
+                <a:ea typeface="Roboto"/>
+                <a:cs typeface="Roboto"/>
+                <a:sym typeface="Roboto"/>
               </a:defRPr>
             </a:lvl9pPr>
           </a:lstStyle>
@@ -8652,108 +6104,108 @@
               <a:buNone/>
               <a:defRPr sz="1000">
                 <a:solidFill>
-                  <a:schemeClr val="lt1"/>
-                </a:solidFill>
-                <a:latin typeface="Lato"/>
-                <a:ea typeface="Lato"/>
-                <a:cs typeface="Lato"/>
-                <a:sym typeface="Lato"/>
+                  <a:schemeClr val="dk2"/>
+                </a:solidFill>
+                <a:latin typeface="Roboto"/>
+                <a:ea typeface="Roboto"/>
+                <a:cs typeface="Roboto"/>
+                <a:sym typeface="Roboto"/>
               </a:defRPr>
             </a:lvl1pPr>
             <a:lvl2pPr lvl="1" algn="r">
               <a:buNone/>
               <a:defRPr sz="1000">
                 <a:solidFill>
-                  <a:schemeClr val="lt1"/>
-                </a:solidFill>
-                <a:latin typeface="Lato"/>
-                <a:ea typeface="Lato"/>
-                <a:cs typeface="Lato"/>
-                <a:sym typeface="Lato"/>
+                  <a:schemeClr val="dk2"/>
+                </a:solidFill>
+                <a:latin typeface="Roboto"/>
+                <a:ea typeface="Roboto"/>
+                <a:cs typeface="Roboto"/>
+                <a:sym typeface="Roboto"/>
               </a:defRPr>
             </a:lvl2pPr>
             <a:lvl3pPr lvl="2" algn="r">
               <a:buNone/>
               <a:defRPr sz="1000">
                 <a:solidFill>
-                  <a:schemeClr val="lt1"/>
-                </a:solidFill>
-                <a:latin typeface="Lato"/>
-                <a:ea typeface="Lato"/>
-                <a:cs typeface="Lato"/>
-                <a:sym typeface="Lato"/>
+                  <a:schemeClr val="dk2"/>
+                </a:solidFill>
+                <a:latin typeface="Roboto"/>
+                <a:ea typeface="Roboto"/>
+                <a:cs typeface="Roboto"/>
+                <a:sym typeface="Roboto"/>
               </a:defRPr>
             </a:lvl3pPr>
             <a:lvl4pPr lvl="3" algn="r">
               <a:buNone/>
               <a:defRPr sz="1000">
                 <a:solidFill>
-                  <a:schemeClr val="lt1"/>
-                </a:solidFill>
-                <a:latin typeface="Lato"/>
-                <a:ea typeface="Lato"/>
-                <a:cs typeface="Lato"/>
-                <a:sym typeface="Lato"/>
+                  <a:schemeClr val="dk2"/>
+                </a:solidFill>
+                <a:latin typeface="Roboto"/>
+                <a:ea typeface="Roboto"/>
+                <a:cs typeface="Roboto"/>
+                <a:sym typeface="Roboto"/>
               </a:defRPr>
             </a:lvl4pPr>
             <a:lvl5pPr lvl="4" algn="r">
               <a:buNone/>
               <a:defRPr sz="1000">
                 <a:solidFill>
-                  <a:schemeClr val="lt1"/>
-                </a:solidFill>
-                <a:latin typeface="Lato"/>
-                <a:ea typeface="Lato"/>
-                <a:cs typeface="Lato"/>
-                <a:sym typeface="Lato"/>
+                  <a:schemeClr val="dk2"/>
+                </a:solidFill>
+                <a:latin typeface="Roboto"/>
+                <a:ea typeface="Roboto"/>
+                <a:cs typeface="Roboto"/>
+                <a:sym typeface="Roboto"/>
               </a:defRPr>
             </a:lvl5pPr>
             <a:lvl6pPr lvl="5" algn="r">
               <a:buNone/>
               <a:defRPr sz="1000">
                 <a:solidFill>
-                  <a:schemeClr val="lt1"/>
-                </a:solidFill>
-                <a:latin typeface="Lato"/>
-                <a:ea typeface="Lato"/>
-                <a:cs typeface="Lato"/>
-                <a:sym typeface="Lato"/>
+                  <a:schemeClr val="dk2"/>
+                </a:solidFill>
+                <a:latin typeface="Roboto"/>
+                <a:ea typeface="Roboto"/>
+                <a:cs typeface="Roboto"/>
+                <a:sym typeface="Roboto"/>
               </a:defRPr>
             </a:lvl6pPr>
             <a:lvl7pPr lvl="6" algn="r">
               <a:buNone/>
               <a:defRPr sz="1000">
                 <a:solidFill>
-                  <a:schemeClr val="lt1"/>
-                </a:solidFill>
-                <a:latin typeface="Lato"/>
-                <a:ea typeface="Lato"/>
-                <a:cs typeface="Lato"/>
-                <a:sym typeface="Lato"/>
+                  <a:schemeClr val="dk2"/>
+                </a:solidFill>
+                <a:latin typeface="Roboto"/>
+                <a:ea typeface="Roboto"/>
+                <a:cs typeface="Roboto"/>
+                <a:sym typeface="Roboto"/>
               </a:defRPr>
             </a:lvl7pPr>
             <a:lvl8pPr lvl="7" algn="r">
               <a:buNone/>
               <a:defRPr sz="1000">
                 <a:solidFill>
-                  <a:schemeClr val="lt1"/>
-                </a:solidFill>
-                <a:latin typeface="Lato"/>
-                <a:ea typeface="Lato"/>
-                <a:cs typeface="Lato"/>
-                <a:sym typeface="Lato"/>
+                  <a:schemeClr val="dk2"/>
+                </a:solidFill>
+                <a:latin typeface="Roboto"/>
+                <a:ea typeface="Roboto"/>
+                <a:cs typeface="Roboto"/>
+                <a:sym typeface="Roboto"/>
               </a:defRPr>
             </a:lvl8pPr>
             <a:lvl9pPr lvl="8" algn="r">
               <a:buNone/>
               <a:defRPr sz="1000">
                 <a:solidFill>
-                  <a:schemeClr val="lt1"/>
-                </a:solidFill>
-                <a:latin typeface="Lato"/>
-                <a:ea typeface="Lato"/>
-                <a:cs typeface="Lato"/>
-                <a:sym typeface="Lato"/>
+                  <a:schemeClr val="dk2"/>
+                </a:solidFill>
+                <a:latin typeface="Roboto"/>
+                <a:ea typeface="Roboto"/>
+                <a:cs typeface="Roboto"/>
+                <a:sym typeface="Roboto"/>
               </a:defRPr>
             </a:lvl9pPr>
           </a:lstStyle>
@@ -9489,7 +6941,7 @@
   <p:cSld>
     <p:spTree>
       <p:nvGrpSpPr>
-        <p:cNvPr id="133" name="Shape 133"/>
+        <p:cNvPr id="63" name="Shape 63"/>
         <p:cNvGrpSpPr/>
         <p:nvPr/>
       </p:nvGrpSpPr>
@@ -9503,7 +6955,7 @@
       </p:grpSpPr>
       <p:sp>
         <p:nvSpPr>
-          <p:cNvPr id="134" name="Google Shape;134;p13"/>
+          <p:cNvPr id="64" name="Google Shape;64;p13"/>
           <p:cNvSpPr txBox="1"/>
           <p:nvPr>
             <p:ph type="ctrTitle"/>
@@ -9511,8 +6963,8 @@
         </p:nvSpPr>
         <p:spPr>
           <a:xfrm>
-            <a:off x="3537150" y="1578400"/>
-            <a:ext cx="5017500" cy="1578900"/>
+            <a:off x="311700" y="539725"/>
+            <a:ext cx="8535600" cy="1627500"/>
           </a:xfrm>
           <a:prstGeom prst="rect">
             <a:avLst/>
@@ -9525,9 +6977,6 @@
           <a:lstStyle/>
           <a:p>
             <a:pPr indent="0" lvl="0" marL="0" rtl="0" algn="l">
-              <a:lnSpc>
-                <a:spcPct val="115000"/>
-              </a:lnSpc>
               <a:spcBef>
                 <a:spcPts val="0"/>
               </a:spcBef>
@@ -9537,58 +6986,16 @@
               <a:buNone/>
             </a:pPr>
             <a:r>
-              <a:rPr b="0" lang="en" sz="2300">
-                <a:highlight>
-                  <a:schemeClr val="dk1"/>
-                </a:highlight>
-                <a:latin typeface="Arial"/>
-                <a:ea typeface="Arial"/>
-                <a:cs typeface="Arial"/>
-                <a:sym typeface="Arial"/>
-              </a:rPr>
-              <a:t>Comparative Analysis of Denoising Autoencoder and Convolutional Neural Networks for MNIST Classification.</a:t>
+              <a:rPr lang="en"/>
+              <a:t>Comparative Analysis of Denoising Autoencoder and Convolutional Neural Networks for MNIST Classification</a:t>
             </a:r>
-            <a:endParaRPr b="0" sz="2300">
-              <a:highlight>
-                <a:schemeClr val="dk1"/>
-              </a:highlight>
-              <a:latin typeface="Arial"/>
-              <a:ea typeface="Arial"/>
-              <a:cs typeface="Arial"/>
-              <a:sym typeface="Arial"/>
-            </a:endParaRPr>
-          </a:p>
-          <a:p>
-            <a:pPr indent="0" lvl="0" marL="0" rtl="0" algn="l">
-              <a:spcBef>
-                <a:spcPts val="0"/>
-              </a:spcBef>
-              <a:spcAft>
-                <a:spcPts val="0"/>
-              </a:spcAft>
-              <a:buNone/>
-            </a:pPr>
-            <a:r>
-              <a:t/>
-            </a:r>
-            <a:endParaRPr sz="2100">
-              <a:solidFill>
-                <a:srgbClr val="000000"/>
-              </a:solidFill>
-              <a:highlight>
-                <a:srgbClr val="FFFFFF"/>
-              </a:highlight>
-              <a:latin typeface="Arial"/>
-              <a:ea typeface="Arial"/>
-              <a:cs typeface="Arial"/>
-              <a:sym typeface="Arial"/>
-            </a:endParaRPr>
+            <a:endParaRPr/>
           </a:p>
         </p:txBody>
       </p:sp>
       <p:sp>
         <p:nvSpPr>
-          <p:cNvPr id="135" name="Google Shape;135;p13"/>
+          <p:cNvPr id="65" name="Google Shape;65;p13"/>
           <p:cNvSpPr txBox="1"/>
           <p:nvPr>
             <p:ph idx="1" type="subTitle"/>
@@ -9596,12 +7003,15 @@
         </p:nvSpPr>
         <p:spPr>
           <a:xfrm>
-            <a:off x="729625" y="3469175"/>
-            <a:ext cx="7688100" cy="914400"/>
+            <a:off x="4228525" y="3890760"/>
+            <a:ext cx="4242600" cy="738300"/>
           </a:xfrm>
           <a:prstGeom prst="rect">
             <a:avLst/>
           </a:prstGeom>
+          <a:solidFill>
+            <a:schemeClr val="dk1"/>
+          </a:solidFill>
         </p:spPr>
         <p:txBody>
           <a:bodyPr anchorCtr="0" anchor="t" bIns="91425" lIns="91425" spcFirstLastPara="1" rIns="91425" wrap="square" tIns="91425">
@@ -9619,10 +7029,18 @@
               <a:buNone/>
             </a:pPr>
             <a:r>
-              <a:rPr lang="en"/>
+              <a:rPr lang="en">
+                <a:solidFill>
+                  <a:schemeClr val="lt1"/>
+                </a:solidFill>
+              </a:rPr>
               <a:t>Presented by,</a:t>
             </a:r>
-            <a:endParaRPr/>
+            <a:endParaRPr>
+              <a:solidFill>
+                <a:schemeClr val="lt1"/>
+              </a:solidFill>
+            </a:endParaRPr>
           </a:p>
           <a:p>
             <a:pPr indent="0" lvl="0" marL="0" rtl="0" algn="l">
@@ -9635,10 +7053,18 @@
               <a:buNone/>
             </a:pPr>
             <a:r>
-              <a:rPr lang="en"/>
+              <a:rPr lang="en">
+                <a:solidFill>
+                  <a:schemeClr val="lt1"/>
+                </a:solidFill>
+              </a:rPr>
               <a:t>Bharath Muthuswamy Paran.</a:t>
             </a:r>
-            <a:endParaRPr/>
+            <a:endParaRPr>
+              <a:solidFill>
+                <a:schemeClr val="lt1"/>
+              </a:solidFill>
+            </a:endParaRPr>
           </a:p>
         </p:txBody>
       </p:sp>
@@ -9655,7 +7081,7 @@
   <p:cSld>
     <p:spTree>
       <p:nvGrpSpPr>
-        <p:cNvPr id="139" name="Shape 139"/>
+        <p:cNvPr id="69" name="Shape 69"/>
         <p:cNvGrpSpPr/>
         <p:nvPr/>
       </p:nvGrpSpPr>
@@ -9669,7 +7095,7 @@
       </p:grpSpPr>
       <p:sp>
         <p:nvSpPr>
-          <p:cNvPr id="140" name="Google Shape;140;p14"/>
+          <p:cNvPr id="70" name="Google Shape;70;p14"/>
           <p:cNvSpPr txBox="1"/>
           <p:nvPr>
             <p:ph type="title"/>
@@ -9677,286 +7103,8 @@
         </p:nvSpPr>
         <p:spPr>
           <a:xfrm>
-            <a:off x="1297500" y="393750"/>
-            <a:ext cx="7038900" cy="914100"/>
-          </a:xfrm>
-          <a:prstGeom prst="rect">
-            <a:avLst/>
-          </a:prstGeom>
-        </p:spPr>
-        <p:txBody>
-          <a:bodyPr anchorCtr="0" anchor="t" bIns="91425" lIns="91425" spcFirstLastPara="1" rIns="91425" wrap="square" tIns="91425">
-            <a:normAutofit/>
-          </a:bodyPr>
-          <a:lstStyle/>
-          <a:p>
-            <a:pPr indent="0" lvl="0" marL="0" rtl="0" algn="l">
-              <a:spcBef>
-                <a:spcPts val="0"/>
-              </a:spcBef>
-              <a:spcAft>
-                <a:spcPts val="0"/>
-              </a:spcAft>
-              <a:buNone/>
-            </a:pPr>
-            <a:r>
-              <a:rPr lang="en"/>
-              <a:t>Context</a:t>
-            </a:r>
-            <a:endParaRPr/>
-          </a:p>
-        </p:txBody>
-      </p:sp>
-      <p:sp>
-        <p:nvSpPr>
-          <p:cNvPr id="141" name="Google Shape;141;p14"/>
-          <p:cNvSpPr txBox="1"/>
-          <p:nvPr>
-            <p:ph idx="1" type="body"/>
-          </p:nvPr>
-        </p:nvSpPr>
-        <p:spPr>
-          <a:xfrm>
-            <a:off x="1297500" y="1567550"/>
-            <a:ext cx="7038900" cy="2911200"/>
-          </a:xfrm>
-          <a:prstGeom prst="rect">
-            <a:avLst/>
-          </a:prstGeom>
-        </p:spPr>
-        <p:txBody>
-          <a:bodyPr anchorCtr="0" anchor="t" bIns="91425" lIns="91425" spcFirstLastPara="1" rIns="91425" wrap="square" tIns="91425">
-            <a:normAutofit/>
-          </a:bodyPr>
-          <a:lstStyle/>
-          <a:p>
-            <a:pPr indent="-311150" lvl="0" marL="457200" rtl="0" algn="l">
-              <a:spcBef>
-                <a:spcPts val="0"/>
-              </a:spcBef>
-              <a:spcAft>
-                <a:spcPts val="0"/>
-              </a:spcAft>
-              <a:buSzPts val="1300"/>
-              <a:buChar char="●"/>
-            </a:pPr>
-            <a:r>
-              <a:rPr lang="en"/>
-              <a:t>A Denoising Autoencoder (DAE) is a type of artificial neural network designed for unsupervised learning and feature extraction.</a:t>
-            </a:r>
-            <a:endParaRPr/>
-          </a:p>
-          <a:p>
-            <a:pPr indent="-311150" lvl="0" marL="457200" rtl="0" algn="l">
-              <a:spcBef>
-                <a:spcPts val="0"/>
-              </a:spcBef>
-              <a:spcAft>
-                <a:spcPts val="0"/>
-              </a:spcAft>
-              <a:buSzPts val="1300"/>
-              <a:buChar char="●"/>
-            </a:pPr>
-            <a:r>
-              <a:rPr lang="en"/>
-              <a:t>A Convolutional Neural Network (CNN) is a specialized type of neural network architecture designed for image-based tasks, including image recognition and classification.</a:t>
-            </a:r>
-            <a:endParaRPr/>
-          </a:p>
-          <a:p>
-            <a:pPr indent="-311150" lvl="0" marL="457200" rtl="0" algn="l">
-              <a:spcBef>
-                <a:spcPts val="0"/>
-              </a:spcBef>
-              <a:spcAft>
-                <a:spcPts val="0"/>
-              </a:spcAft>
-              <a:buSzPts val="1300"/>
-              <a:buChar char="●"/>
-            </a:pPr>
-            <a:r>
-              <a:rPr lang="en"/>
-              <a:t>The MNIST dataset is a widely-used collection of 70,000 grayscale images of handwritten digits (0-9). his dataset serves as a benchmark for developing and evaluating machine learning models, particularly in the domain of digit recognition.</a:t>
-            </a:r>
-            <a:endParaRPr/>
-          </a:p>
-          <a:p>
-            <a:pPr indent="0" lvl="0" marL="0" rtl="0" algn="l">
-              <a:spcBef>
-                <a:spcPts val="1200"/>
-              </a:spcBef>
-              <a:spcAft>
-                <a:spcPts val="1200"/>
-              </a:spcAft>
-              <a:buNone/>
-            </a:pPr>
-            <a:r>
-              <a:t/>
-            </a:r>
-            <a:endParaRPr/>
-          </a:p>
-        </p:txBody>
-      </p:sp>
-    </p:spTree>
-  </p:cSld>
-  <p:clrMapOvr>
-    <a:masterClrMapping/>
-  </p:clrMapOvr>
-</p:sld>
-</file>
-
-<file path=ppt/slides/slide3.xml><?xml version="1.0" encoding="utf-8"?>
-<p:sld xmlns:a="http://schemas.openxmlformats.org/drawingml/2006/main" xmlns:r="http://schemas.openxmlformats.org/officeDocument/2006/relationships" xmlns:mc="http://schemas.openxmlformats.org/markup-compatibility/2006" xmlns:mv="urn:schemas-microsoft-com:mac:vml" xmlns:p="http://schemas.openxmlformats.org/presentationml/2006/main" xmlns:c="http://schemas.openxmlformats.org/drawingml/2006/chart" xmlns:dgm="http://schemas.openxmlformats.org/drawingml/2006/diagram" xmlns:o="urn:schemas-microsoft-com:office:office" xmlns:v="urn:schemas-microsoft-com:vml" xmlns:pvml="urn:schemas-microsoft-com:office:powerpoint" xmlns:com="http://schemas.openxmlformats.org/drawingml/2006/compatibility" xmlns:p14="http://schemas.microsoft.com/office/powerpoint/2010/main" xmlns:p15="http://schemas.microsoft.com/office/powerpoint/2012/main" xmlns:ahyp="http://schemas.microsoft.com/office/drawing/2018/hyperlinkcolor">
-  <p:cSld>
-    <p:spTree>
-      <p:nvGrpSpPr>
-        <p:cNvPr id="145" name="Shape 145"/>
-        <p:cNvGrpSpPr/>
-        <p:nvPr/>
-      </p:nvGrpSpPr>
-      <p:grpSpPr>
-        <a:xfrm>
-          <a:off x="0" y="0"/>
-          <a:ext cx="0" cy="0"/>
-          <a:chOff x="0" y="0"/>
-          <a:chExt cx="0" cy="0"/>
-        </a:xfrm>
-      </p:grpSpPr>
-      <p:sp>
-        <p:nvSpPr>
-          <p:cNvPr id="146" name="Google Shape;146;p15"/>
-          <p:cNvSpPr txBox="1"/>
-          <p:nvPr>
-            <p:ph type="title"/>
-          </p:nvPr>
-        </p:nvSpPr>
-        <p:spPr>
-          <a:xfrm>
-            <a:off x="1297500" y="393750"/>
-            <a:ext cx="7038900" cy="914100"/>
-          </a:xfrm>
-          <a:prstGeom prst="rect">
-            <a:avLst/>
-          </a:prstGeom>
-        </p:spPr>
-        <p:txBody>
-          <a:bodyPr anchorCtr="0" anchor="t" bIns="91425" lIns="91425" spcFirstLastPara="1" rIns="91425" wrap="square" tIns="91425">
-            <a:normAutofit/>
-          </a:bodyPr>
-          <a:lstStyle/>
-          <a:p>
-            <a:pPr indent="0" lvl="0" marL="0" rtl="0" algn="l">
-              <a:spcBef>
-                <a:spcPts val="0"/>
-              </a:spcBef>
-              <a:spcAft>
-                <a:spcPts val="0"/>
-              </a:spcAft>
-              <a:buNone/>
-            </a:pPr>
-            <a:r>
-              <a:rPr lang="en"/>
-              <a:t>Complication: Dealing with Noisy Data</a:t>
-            </a:r>
-            <a:endParaRPr/>
-          </a:p>
-        </p:txBody>
-      </p:sp>
-      <p:sp>
-        <p:nvSpPr>
-          <p:cNvPr id="147" name="Google Shape;147;p15"/>
-          <p:cNvSpPr txBox="1"/>
-          <p:nvPr>
-            <p:ph idx="1" type="body"/>
-          </p:nvPr>
-        </p:nvSpPr>
-        <p:spPr>
-          <a:xfrm>
-            <a:off x="1297500" y="1567550"/>
-            <a:ext cx="7038900" cy="2911200"/>
-          </a:xfrm>
-          <a:prstGeom prst="rect">
-            <a:avLst/>
-          </a:prstGeom>
-        </p:spPr>
-        <p:txBody>
-          <a:bodyPr anchorCtr="0" anchor="t" bIns="91425" lIns="91425" spcFirstLastPara="1" rIns="91425" wrap="square" tIns="91425">
-            <a:normAutofit/>
-          </a:bodyPr>
-          <a:lstStyle/>
-          <a:p>
-            <a:pPr indent="-311150" lvl="0" marL="457200" rtl="0" algn="l">
-              <a:spcBef>
-                <a:spcPts val="0"/>
-              </a:spcBef>
-              <a:spcAft>
-                <a:spcPts val="0"/>
-              </a:spcAft>
-              <a:buSzPts val="1300"/>
-              <a:buChar char="●"/>
-            </a:pPr>
-            <a:r>
-              <a:rPr lang="en"/>
-              <a:t>Real-world scenarios often involve imperfect or noisy data, necessitating the exploration of models capable of handling such challenges. </a:t>
-            </a:r>
-            <a:endParaRPr/>
-          </a:p>
-          <a:p>
-            <a:pPr indent="-311150" lvl="0" marL="457200" rtl="0" algn="l">
-              <a:spcBef>
-                <a:spcPts val="0"/>
-              </a:spcBef>
-              <a:spcAft>
-                <a:spcPts val="0"/>
-              </a:spcAft>
-              <a:buSzPts val="1300"/>
-              <a:buChar char="●"/>
-            </a:pPr>
-            <a:r>
-              <a:rPr lang="en"/>
-              <a:t>This complication motivates the need for a comparative analysis between Denoising Autoencoder (DAE) and Convolutional Neural Network (CNN), two architectures renowned for their distinct capabilities.</a:t>
-            </a:r>
-            <a:endParaRPr/>
-          </a:p>
-        </p:txBody>
-      </p:sp>
-    </p:spTree>
-  </p:cSld>
-  <p:clrMapOvr>
-    <a:masterClrMapping/>
-  </p:clrMapOvr>
-</p:sld>
-</file>
-
-<file path=ppt/slides/slide4.xml><?xml version="1.0" encoding="utf-8"?>
-<p:sld xmlns:a="http://schemas.openxmlformats.org/drawingml/2006/main" xmlns:r="http://schemas.openxmlformats.org/officeDocument/2006/relationships" xmlns:mc="http://schemas.openxmlformats.org/markup-compatibility/2006" xmlns:mv="urn:schemas-microsoft-com:mac:vml" xmlns:p="http://schemas.openxmlformats.org/presentationml/2006/main" xmlns:c="http://schemas.openxmlformats.org/drawingml/2006/chart" xmlns:dgm="http://schemas.openxmlformats.org/drawingml/2006/diagram" xmlns:o="urn:schemas-microsoft-com:office:office" xmlns:v="urn:schemas-microsoft-com:vml" xmlns:pvml="urn:schemas-microsoft-com:office:powerpoint" xmlns:com="http://schemas.openxmlformats.org/drawingml/2006/compatibility" xmlns:p14="http://schemas.microsoft.com/office/powerpoint/2010/main" xmlns:p15="http://schemas.microsoft.com/office/powerpoint/2012/main" xmlns:ahyp="http://schemas.microsoft.com/office/drawing/2018/hyperlinkcolor">
-  <p:cSld>
-    <p:spTree>
-      <p:nvGrpSpPr>
-        <p:cNvPr id="151" name="Shape 151"/>
-        <p:cNvGrpSpPr/>
-        <p:nvPr/>
-      </p:nvGrpSpPr>
-      <p:grpSpPr>
-        <a:xfrm>
-          <a:off x="0" y="0"/>
-          <a:ext cx="0" cy="0"/>
-          <a:chOff x="0" y="0"/>
-          <a:chExt cx="0" cy="0"/>
-        </a:xfrm>
-      </p:grpSpPr>
-      <p:sp>
-        <p:nvSpPr>
-          <p:cNvPr id="152" name="Google Shape;152;p16"/>
-          <p:cNvSpPr txBox="1"/>
-          <p:nvPr>
-            <p:ph type="title"/>
-          </p:nvPr>
-        </p:nvSpPr>
-        <p:spPr>
-          <a:xfrm>
-            <a:off x="1297500" y="393750"/>
-            <a:ext cx="7038900" cy="914100"/>
+            <a:off x="311725" y="219525"/>
+            <a:ext cx="8520600" cy="979200"/>
           </a:xfrm>
           <a:prstGeom prst="rect">
             <a:avLst/>
@@ -9978,351 +7126,266 @@
               <a:buNone/>
             </a:pPr>
             <a:r>
-              <a:rPr lang="en"/>
-              <a:t>Question: How Good Are Our Models with Messy Data?</a:t>
+              <a:rPr lang="en" sz="1800"/>
+              <a:t>Research Question: How Do Denoising Autoencoders (DAE) and Convolutional Neural Networks (CNN) Compare in MNIST Digit Classification Under Varying Noise Conditions?</a:t>
             </a:r>
-            <a:endParaRPr/>
-          </a:p>
-          <a:p>
-            <a:pPr indent="0" lvl="0" marL="0" rtl="0" algn="l">
-              <a:spcBef>
-                <a:spcPts val="0"/>
-              </a:spcBef>
-              <a:spcAft>
-                <a:spcPts val="0"/>
-              </a:spcAft>
-              <a:buNone/>
-            </a:pPr>
-            <a:r>
-              <a:t/>
-            </a:r>
-            <a:endParaRPr/>
+            <a:endParaRPr sz="1800"/>
           </a:p>
         </p:txBody>
       </p:sp>
-      <p:sp>
-        <p:nvSpPr>
-          <p:cNvPr id="153" name="Google Shape;153;p16"/>
-          <p:cNvSpPr txBox="1"/>
-          <p:nvPr>
-            <p:ph idx="1" type="body"/>
-          </p:nvPr>
-        </p:nvSpPr>
-        <p:spPr>
-          <a:xfrm>
-            <a:off x="1297500" y="1567550"/>
-            <a:ext cx="7038900" cy="2911200"/>
-          </a:xfrm>
-          <a:prstGeom prst="rect">
-            <a:avLst/>
-          </a:prstGeom>
-        </p:spPr>
-        <p:txBody>
-          <a:bodyPr anchorCtr="0" anchor="t" bIns="91425" lIns="91425" spcFirstLastPara="1" rIns="91425" wrap="square" tIns="91425">
-            <a:normAutofit/>
-          </a:bodyPr>
-          <a:lstStyle/>
-          <a:p>
-            <a:pPr indent="-311150" lvl="0" marL="457200" rtl="0" algn="l">
-              <a:spcBef>
-                <a:spcPts val="0"/>
-              </a:spcBef>
-              <a:spcAft>
-                <a:spcPts val="0"/>
-              </a:spcAft>
-              <a:buSzPts val="1300"/>
-              <a:buChar char="●"/>
-            </a:pPr>
-            <a:r>
-              <a:rPr lang="en"/>
-              <a:t>The central question guiding this study revolves around deciphering how DAE and CNN architectures influence MNIST classification under varying levels of noise. </a:t>
-            </a:r>
-            <a:endParaRPr/>
-          </a:p>
-          <a:p>
-            <a:pPr indent="-311150" lvl="0" marL="457200" rtl="0" algn="l">
-              <a:spcBef>
-                <a:spcPts val="0"/>
-              </a:spcBef>
-              <a:spcAft>
-                <a:spcPts val="0"/>
-              </a:spcAft>
-              <a:buSzPts val="1300"/>
-              <a:buChar char="●"/>
-            </a:pPr>
-            <a:r>
-              <a:rPr lang="en"/>
-              <a:t>Specifically, we aim to understand their impact on classification accuracy, interpretability of learned representations, and resilience to noisy input data. </a:t>
-            </a:r>
-            <a:endParaRPr/>
-          </a:p>
-          <a:p>
-            <a:pPr indent="-311150" lvl="0" marL="457200" rtl="0" algn="l">
-              <a:spcBef>
-                <a:spcPts val="0"/>
-              </a:spcBef>
-              <a:spcAft>
-                <a:spcPts val="0"/>
-              </a:spcAft>
-              <a:buSzPts val="1300"/>
-              <a:buChar char="●"/>
-            </a:pPr>
-            <a:r>
-              <a:rPr lang="en"/>
-              <a:t>This inquiry seeks to provide nuanced insights into the strengths and limitations of each architecture for MNIST digit classification tasks.</a:t>
-            </a:r>
-            <a:endParaRPr/>
-          </a:p>
-          <a:p>
-            <a:pPr indent="0" lvl="0" marL="0" rtl="0" algn="l">
-              <a:spcBef>
-                <a:spcPts val="1200"/>
-              </a:spcBef>
-              <a:spcAft>
-                <a:spcPts val="0"/>
-              </a:spcAft>
-              <a:buNone/>
-            </a:pPr>
-            <a:r>
-              <a:t/>
-            </a:r>
-            <a:endParaRPr/>
-          </a:p>
-          <a:p>
-            <a:pPr indent="0" lvl="0" marL="0" rtl="0" algn="l">
-              <a:spcBef>
-                <a:spcPts val="1200"/>
-              </a:spcBef>
-              <a:spcAft>
-                <a:spcPts val="1200"/>
-              </a:spcAft>
-              <a:buNone/>
-            </a:pPr>
-            <a:r>
-              <a:t/>
-            </a:r>
-            <a:endParaRPr/>
-          </a:p>
-        </p:txBody>
-      </p:sp>
-    </p:spTree>
-  </p:cSld>
-  <p:clrMapOvr>
-    <a:masterClrMapping/>
-  </p:clrMapOvr>
-</p:sld>
-</file>
-
-<file path=ppt/slides/slide5.xml><?xml version="1.0" encoding="utf-8"?>
-<p:sld xmlns:a="http://schemas.openxmlformats.org/drawingml/2006/main" xmlns:r="http://schemas.openxmlformats.org/officeDocument/2006/relationships" xmlns:mc="http://schemas.openxmlformats.org/markup-compatibility/2006" xmlns:mv="urn:schemas-microsoft-com:mac:vml" xmlns:p="http://schemas.openxmlformats.org/presentationml/2006/main" xmlns:c="http://schemas.openxmlformats.org/drawingml/2006/chart" xmlns:dgm="http://schemas.openxmlformats.org/drawingml/2006/diagram" xmlns:o="urn:schemas-microsoft-com:office:office" xmlns:v="urn:schemas-microsoft-com:vml" xmlns:pvml="urn:schemas-microsoft-com:office:powerpoint" xmlns:com="http://schemas.openxmlformats.org/drawingml/2006/compatibility" xmlns:p14="http://schemas.microsoft.com/office/powerpoint/2010/main" xmlns:p15="http://schemas.microsoft.com/office/powerpoint/2012/main" xmlns:ahyp="http://schemas.microsoft.com/office/drawing/2018/hyperlinkcolor">
-  <p:cSld>
-    <p:spTree>
-      <p:nvGrpSpPr>
-        <p:cNvPr id="157" name="Shape 157"/>
-        <p:cNvGrpSpPr/>
-        <p:nvPr/>
-      </p:nvGrpSpPr>
-      <p:grpSpPr>
-        <a:xfrm>
-          <a:off x="0" y="0"/>
-          <a:ext cx="0" cy="0"/>
-          <a:chOff x="0" y="0"/>
-          <a:chExt cx="0" cy="0"/>
-        </a:xfrm>
-      </p:grpSpPr>
-      <p:sp>
-        <p:nvSpPr>
-          <p:cNvPr id="158" name="Google Shape;158;p17"/>
-          <p:cNvSpPr txBox="1"/>
-          <p:nvPr>
-            <p:ph type="title"/>
-          </p:nvPr>
-        </p:nvSpPr>
-        <p:spPr>
-          <a:xfrm>
-            <a:off x="1297500" y="393750"/>
-            <a:ext cx="7038900" cy="914100"/>
-          </a:xfrm>
-          <a:prstGeom prst="rect">
-            <a:avLst/>
-          </a:prstGeom>
-        </p:spPr>
-        <p:txBody>
-          <a:bodyPr anchorCtr="0" anchor="t" bIns="91425" lIns="91425" spcFirstLastPara="1" rIns="91425" wrap="square" tIns="91425">
-            <a:normAutofit/>
-          </a:bodyPr>
-          <a:lstStyle/>
-          <a:p>
-            <a:pPr indent="0" lvl="0" marL="0" rtl="0" algn="l">
-              <a:spcBef>
-                <a:spcPts val="0"/>
-              </a:spcBef>
-              <a:spcAft>
-                <a:spcPts val="0"/>
-              </a:spcAft>
-              <a:buNone/>
-            </a:pPr>
-            <a:r>
-              <a:rPr lang="en"/>
-              <a:t>Hypothesis</a:t>
-            </a:r>
-            <a:endParaRPr/>
-          </a:p>
-        </p:txBody>
-      </p:sp>
-      <p:sp>
-        <p:nvSpPr>
-          <p:cNvPr id="159" name="Google Shape;159;p17"/>
-          <p:cNvSpPr txBox="1"/>
-          <p:nvPr>
-            <p:ph idx="1" type="body"/>
-          </p:nvPr>
-        </p:nvSpPr>
-        <p:spPr>
-          <a:xfrm>
-            <a:off x="1297500" y="1567550"/>
-            <a:ext cx="7038900" cy="2911200"/>
-          </a:xfrm>
-          <a:prstGeom prst="rect">
-            <a:avLst/>
-          </a:prstGeom>
-        </p:spPr>
-        <p:txBody>
-          <a:bodyPr anchorCtr="0" anchor="t" bIns="91425" lIns="91425" spcFirstLastPara="1" rIns="91425" wrap="square" tIns="91425">
-            <a:normAutofit/>
-          </a:bodyPr>
-          <a:lstStyle/>
-          <a:p>
-            <a:pPr indent="-311150" lvl="0" marL="457200" rtl="0" algn="l">
-              <a:spcBef>
-                <a:spcPts val="0"/>
-              </a:spcBef>
-              <a:spcAft>
-                <a:spcPts val="0"/>
-              </a:spcAft>
-              <a:buSzPts val="1300"/>
-              <a:buChar char="●"/>
-            </a:pPr>
-            <a:r>
-              <a:rPr lang="en"/>
-              <a:t>Building on the distinct capabilities of DAE and CNN, we hypothesize that the unsupervised learning and feature extraction strengths of DAE will excel in handling noisy data, while CNN's specialized architecture tailored for image-based tasks will exhibit superior performance in pristine conditions. </a:t>
-            </a:r>
-            <a:endParaRPr/>
-          </a:p>
-          <a:p>
-            <a:pPr indent="-311150" lvl="0" marL="457200" rtl="0" algn="l">
-              <a:spcBef>
-                <a:spcPts val="0"/>
-              </a:spcBef>
-              <a:spcAft>
-                <a:spcPts val="0"/>
-              </a:spcAft>
-              <a:buSzPts val="1300"/>
-              <a:buChar char="●"/>
-            </a:pPr>
-            <a:r>
-              <a:rPr lang="en"/>
-              <a:t>By systematically exploring and fine-tuning the meta-parameters of both models, we anticipate gaining a comprehensive understanding of their applicability in noise-affected MNIST classification scenarios.</a:t>
-            </a:r>
-            <a:endParaRPr/>
-          </a:p>
-          <a:p>
-            <a:pPr indent="0" lvl="0" marL="0" rtl="0" algn="l">
-              <a:spcBef>
-                <a:spcPts val="1200"/>
-              </a:spcBef>
-              <a:spcAft>
-                <a:spcPts val="0"/>
-              </a:spcAft>
-              <a:buNone/>
-            </a:pPr>
-            <a:r>
-              <a:t/>
-            </a:r>
-            <a:endParaRPr/>
-          </a:p>
-          <a:p>
-            <a:pPr indent="0" lvl="0" marL="0" rtl="0" algn="l">
-              <a:spcBef>
-                <a:spcPts val="1200"/>
-              </a:spcBef>
-              <a:spcAft>
-                <a:spcPts val="1200"/>
-              </a:spcAft>
-              <a:buNone/>
-            </a:pPr>
-            <a:r>
-              <a:t/>
-            </a:r>
-            <a:endParaRPr/>
-          </a:p>
-        </p:txBody>
-      </p:sp>
-    </p:spTree>
-  </p:cSld>
-  <p:clrMapOvr>
-    <a:masterClrMapping/>
-  </p:clrMapOvr>
-</p:sld>
-</file>
-
-<file path=ppt/slides/slide6.xml><?xml version="1.0" encoding="utf-8"?>
-<p:sld xmlns:a="http://schemas.openxmlformats.org/drawingml/2006/main" xmlns:r="http://schemas.openxmlformats.org/officeDocument/2006/relationships" xmlns:mc="http://schemas.openxmlformats.org/markup-compatibility/2006" xmlns:mv="urn:schemas-microsoft-com:mac:vml" xmlns:p="http://schemas.openxmlformats.org/presentationml/2006/main" xmlns:c="http://schemas.openxmlformats.org/drawingml/2006/chart" xmlns:dgm="http://schemas.openxmlformats.org/drawingml/2006/diagram" xmlns:o="urn:schemas-microsoft-com:office:office" xmlns:v="urn:schemas-microsoft-com:vml" xmlns:pvml="urn:schemas-microsoft-com:office:powerpoint" xmlns:com="http://schemas.openxmlformats.org/drawingml/2006/compatibility" xmlns:p14="http://schemas.microsoft.com/office/powerpoint/2010/main" xmlns:p15="http://schemas.microsoft.com/office/powerpoint/2012/main" xmlns:ahyp="http://schemas.microsoft.com/office/drawing/2018/hyperlinkcolor">
-  <p:cSld>
-    <p:spTree>
-      <p:nvGrpSpPr>
-        <p:cNvPr id="163" name="Shape 163"/>
-        <p:cNvGrpSpPr/>
-        <p:nvPr/>
-      </p:nvGrpSpPr>
-      <p:grpSpPr>
-        <a:xfrm>
-          <a:off x="0" y="0"/>
-          <a:ext cx="0" cy="0"/>
-          <a:chOff x="0" y="0"/>
-          <a:chExt cx="0" cy="0"/>
-        </a:xfrm>
-      </p:grpSpPr>
-      <p:sp>
-        <p:nvSpPr>
-          <p:cNvPr id="164" name="Google Shape;164;p18"/>
-          <p:cNvSpPr txBox="1"/>
-          <p:nvPr>
-            <p:ph type="title"/>
-          </p:nvPr>
-        </p:nvSpPr>
-        <p:spPr>
-          <a:xfrm>
-            <a:off x="823850" y="2053000"/>
-            <a:ext cx="4587000" cy="1148700"/>
-          </a:xfrm>
-          <a:prstGeom prst="rect">
-            <a:avLst/>
-          </a:prstGeom>
-        </p:spPr>
-        <p:txBody>
-          <a:bodyPr anchorCtr="0" anchor="ctr" bIns="91425" lIns="91425" spcFirstLastPara="1" rIns="91425" wrap="square" tIns="91425">
-            <a:normAutofit/>
-          </a:bodyPr>
-          <a:lstStyle/>
-          <a:p>
-            <a:pPr indent="0" lvl="0" marL="0" rtl="0" algn="l">
-              <a:spcBef>
-                <a:spcPts val="0"/>
-              </a:spcBef>
-              <a:spcAft>
-                <a:spcPts val="0"/>
-              </a:spcAft>
-              <a:buNone/>
-            </a:pPr>
-            <a:r>
-              <a:rPr lang="en"/>
-              <a:t>Thank you</a:t>
-            </a:r>
-            <a:endParaRPr/>
-          </a:p>
-        </p:txBody>
-      </p:sp>
+      <p:graphicFrame>
+        <p:nvGraphicFramePr>
+          <p:cNvPr id="71" name="Google Shape;71;p14"/>
+          <p:cNvGraphicFramePr/>
+          <p:nvPr/>
+        </p:nvGraphicFramePr>
+        <p:xfrm>
+          <a:off x="952500" y="1485850"/>
+          <a:ext cx="3000000" cy="3000000"/>
+        </p:xfrm>
+        <a:graphic>
+          <a:graphicData uri="http://schemas.openxmlformats.org/drawingml/2006/table">
+            <a:tbl>
+              <a:tblPr>
+                <a:noFill/>
+                <a:tableStyleId>{D639DB53-2086-4CDB-A31D-DE8AC74370E2}</a:tableStyleId>
+              </a:tblPr>
+              <a:tblGrid>
+                <a:gridCol w="1876300"/>
+                <a:gridCol w="5362700"/>
+              </a:tblGrid>
+              <a:tr h="827575">
+                <a:tc>
+                  <a:txBody>
+                    <a:bodyPr/>
+                    <a:lstStyle/>
+                    <a:p>
+                      <a:pPr indent="0" lvl="0" marL="0" rtl="0" algn="l">
+                        <a:spcBef>
+                          <a:spcPts val="0"/>
+                        </a:spcBef>
+                        <a:spcAft>
+                          <a:spcPts val="0"/>
+                        </a:spcAft>
+                        <a:buNone/>
+                      </a:pPr>
+                      <a:r>
+                        <a:rPr lang="en"/>
+                        <a:t>Why this research </a:t>
+                      </a:r>
+                      <a:r>
+                        <a:rPr lang="en"/>
+                        <a:t>is important</a:t>
+                      </a:r>
+                      <a:endParaRPr/>
+                    </a:p>
+                  </a:txBody>
+                  <a:tcPr marT="91425" marB="91425" marR="91425" marL="91425">
+                    <a:solidFill>
+                      <a:srgbClr val="B7B7B7"/>
+                    </a:solidFill>
+                  </a:tcPr>
+                </a:tc>
+                <a:tc>
+                  <a:txBody>
+                    <a:bodyPr/>
+                    <a:lstStyle/>
+                    <a:p>
+                      <a:pPr indent="0" lvl="0" marL="0" rtl="0" algn="l">
+                        <a:spcBef>
+                          <a:spcPts val="0"/>
+                        </a:spcBef>
+                        <a:spcAft>
+                          <a:spcPts val="0"/>
+                        </a:spcAft>
+                        <a:buNone/>
+                      </a:pPr>
+                      <a:r>
+                        <a:rPr lang="en"/>
+                        <a:t>Improves classification models' performance in noisy settings, vital for real-world applications like automated systems and medical imaging.</a:t>
+                      </a:r>
+                      <a:endParaRPr/>
+                    </a:p>
+                  </a:txBody>
+                  <a:tcPr marT="91425" marB="91425" marR="91425" marL="91425">
+                    <a:solidFill>
+                      <a:srgbClr val="B7B7B7"/>
+                    </a:solidFill>
+                  </a:tcPr>
+                </a:tc>
+              </a:tr>
+              <a:tr h="827575">
+                <a:tc>
+                  <a:txBody>
+                    <a:bodyPr/>
+                    <a:lstStyle/>
+                    <a:p>
+                      <a:pPr indent="0" lvl="0" marL="0" rtl="0" algn="l">
+                        <a:spcBef>
+                          <a:spcPts val="0"/>
+                        </a:spcBef>
+                        <a:spcAft>
+                          <a:spcPts val="0"/>
+                        </a:spcAft>
+                        <a:buNone/>
+                      </a:pPr>
+                      <a:r>
+                        <a:rPr lang="en"/>
+                        <a:t>What we know and don’t know</a:t>
+                      </a:r>
+                      <a:endParaRPr/>
+                    </a:p>
+                  </a:txBody>
+                  <a:tcPr marT="91425" marB="91425" marR="91425" marL="91425">
+                    <a:solidFill>
+                      <a:srgbClr val="CCCCCC"/>
+                    </a:solidFill>
+                  </a:tcPr>
+                </a:tc>
+                <a:tc>
+                  <a:txBody>
+                    <a:bodyPr/>
+                    <a:lstStyle/>
+                    <a:p>
+                      <a:pPr indent="0" lvl="0" marL="0" rtl="0" algn="l">
+                        <a:spcBef>
+                          <a:spcPts val="0"/>
+                        </a:spcBef>
+                        <a:spcAft>
+                          <a:spcPts val="0"/>
+                        </a:spcAft>
+                        <a:buNone/>
+                      </a:pPr>
+                      <a:r>
+                        <a:rPr lang="en"/>
+                        <a:t>We understand each model's strengths; however, their comparative efficiency under varied noise conditions remains less explored.</a:t>
+                      </a:r>
+                      <a:endParaRPr/>
+                    </a:p>
+                  </a:txBody>
+                  <a:tcPr marT="91425" marB="91425" marR="91425" marL="91425">
+                    <a:solidFill>
+                      <a:srgbClr val="CCCCCC"/>
+                    </a:solidFill>
+                  </a:tcPr>
+                </a:tc>
+              </a:tr>
+              <a:tr h="827575">
+                <a:tc>
+                  <a:txBody>
+                    <a:bodyPr/>
+                    <a:lstStyle/>
+                    <a:p>
+                      <a:pPr indent="0" lvl="0" marL="0" rtl="0" algn="l">
+                        <a:spcBef>
+                          <a:spcPts val="0"/>
+                        </a:spcBef>
+                        <a:spcAft>
+                          <a:spcPts val="0"/>
+                        </a:spcAft>
+                        <a:buNone/>
+                      </a:pPr>
+                      <a:r>
+                        <a:rPr lang="en"/>
+                        <a:t>Our Experiment</a:t>
+                      </a:r>
+                      <a:endParaRPr/>
+                    </a:p>
+                  </a:txBody>
+                  <a:tcPr marT="91425" marB="91425" marR="91425" marL="91425">
+                    <a:solidFill>
+                      <a:srgbClr val="B7B7B7"/>
+                    </a:solidFill>
+                  </a:tcPr>
+                </a:tc>
+                <a:tc>
+                  <a:txBody>
+                    <a:bodyPr/>
+                    <a:lstStyle/>
+                    <a:p>
+                      <a:pPr indent="0" lvl="0" marL="0" rtl="0" algn="l">
+                        <a:spcBef>
+                          <a:spcPts val="0"/>
+                        </a:spcBef>
+                        <a:spcAft>
+                          <a:spcPts val="0"/>
+                        </a:spcAft>
+                        <a:buNone/>
+                      </a:pPr>
+                      <a:r>
+                        <a:rPr lang="en"/>
+                        <a:t>Conducts a side-by-side comparison of two leading models under different noise levels to evaluate their accuracy and resilience.</a:t>
+                      </a:r>
+                      <a:endParaRPr/>
+                    </a:p>
+                  </a:txBody>
+                  <a:tcPr marT="91425" marB="91425" marR="91425" marL="91425">
+                    <a:solidFill>
+                      <a:srgbClr val="B7B7B7"/>
+                    </a:solidFill>
+                  </a:tcPr>
+                </a:tc>
+              </a:tr>
+              <a:tr h="827575">
+                <a:tc>
+                  <a:txBody>
+                    <a:bodyPr/>
+                    <a:lstStyle/>
+                    <a:p>
+                      <a:pPr indent="0" lvl="0" marL="0" rtl="0" algn="l">
+                        <a:spcBef>
+                          <a:spcPts val="0"/>
+                        </a:spcBef>
+                        <a:spcAft>
+                          <a:spcPts val="0"/>
+                        </a:spcAft>
+                        <a:buNone/>
+                      </a:pPr>
+                      <a:r>
+                        <a:rPr lang="en"/>
+                        <a:t>Our Hypothesis</a:t>
+                      </a:r>
+                      <a:endParaRPr/>
+                    </a:p>
+                  </a:txBody>
+                  <a:tcPr marT="91425" marB="91425" marR="91425" marL="91425">
+                    <a:solidFill>
+                      <a:srgbClr val="D9D9D9"/>
+                    </a:solidFill>
+                  </a:tcPr>
+                </a:tc>
+                <a:tc>
+                  <a:txBody>
+                    <a:bodyPr/>
+                    <a:lstStyle/>
+                    <a:p>
+                      <a:pPr indent="0" lvl="0" marL="0" rtl="0" algn="l">
+                        <a:spcBef>
+                          <a:spcPts val="0"/>
+                        </a:spcBef>
+                        <a:spcAft>
+                          <a:spcPts val="0"/>
+                        </a:spcAft>
+                        <a:buNone/>
+                      </a:pPr>
+                      <a:r>
+                        <a:rPr lang="en"/>
+                        <a:t>Predicts CNNs will outperform in lower noise, while DAEs will manage higher noise better but may falter with very high noise levels.</a:t>
+                      </a:r>
+                      <a:endParaRPr/>
+                    </a:p>
+                  </a:txBody>
+                  <a:tcPr marT="91425" marB="91425" marR="91425" marL="91425">
+                    <a:solidFill>
+                      <a:srgbClr val="D9D9D9"/>
+                    </a:solidFill>
+                  </a:tcPr>
+                </a:tc>
+              </a:tr>
+            </a:tbl>
+          </a:graphicData>
+        </a:graphic>
+      </p:graphicFrame>
     </p:spTree>
   </p:cSld>
   <p:clrMapOvr>
@@ -10611,44 +7674,44 @@
 </file>
 
 <file path=ppt/theme/theme2.xml><?xml version="1.0" encoding="utf-8"?>
-<a:theme xmlns:a="http://schemas.openxmlformats.org/drawingml/2006/main" xmlns:r="http://schemas.openxmlformats.org/officeDocument/2006/relationships" name="Focus">
+<a:theme xmlns:a="http://schemas.openxmlformats.org/drawingml/2006/main" xmlns:r="http://schemas.openxmlformats.org/officeDocument/2006/relationships" name="Paradigm">
   <a:themeElements>
-    <a:clrScheme name="Focus">
+    <a:clrScheme name="Paradigm">
       <a:dk1>
-        <a:srgbClr val="1B212C"/>
+        <a:srgbClr val="31394D"/>
       </a:dk1>
       <a:lt1>
         <a:srgbClr val="FFFFFF"/>
       </a:lt1>
       <a:dk2>
-        <a:srgbClr val="D9D9D9"/>
+        <a:srgbClr val="666666"/>
       </a:dk2>
       <a:lt2>
-        <a:srgbClr val="82C7A5"/>
+        <a:srgbClr val="626B73"/>
       </a:lt2>
       <a:accent1>
-        <a:srgbClr val="0145AC"/>
+        <a:srgbClr val="002F4A"/>
       </a:accent1>
       <a:accent2>
-        <a:srgbClr val="EECE1A"/>
+        <a:srgbClr val="D9C4B1"/>
       </a:accent2>
       <a:accent3>
-        <a:srgbClr val="4E5567"/>
+        <a:srgbClr val="EDE3DA"/>
       </a:accent3>
       <a:accent4>
-        <a:srgbClr val="F4D6AD"/>
+        <a:srgbClr val="B85741"/>
       </a:accent4>
       <a:accent5>
-        <a:srgbClr val="7890CD"/>
+        <a:srgbClr val="009384"/>
       </a:accent5>
       <a:accent6>
-        <a:srgbClr val="F15E22"/>
+        <a:srgbClr val="D0F6FF"/>
       </a:accent6>
       <a:hlink>
-        <a:srgbClr val="7890CD"/>
+        <a:srgbClr val="009384"/>
       </a:hlink>
       <a:folHlink>
-        <a:srgbClr val="7890CD"/>
+        <a:srgbClr val="009384"/>
       </a:folHlink>
     </a:clrScheme>
     <a:fontScheme name="Office">
